--- a/models/simscape/analysis/analysis.pptx
+++ b/models/simscape/analysis/analysis.pptx
@@ -16,6 +16,11 @@
     <p:sldId id="266" r:id="rId10"/>
     <p:sldId id="261" r:id="rId11"/>
     <p:sldId id="269" r:id="rId12"/>
+    <p:sldId id="270" r:id="rId13"/>
+    <p:sldId id="271" r:id="rId14"/>
+    <p:sldId id="272" r:id="rId15"/>
+    <p:sldId id="273" r:id="rId16"/>
+    <p:sldId id="274" r:id="rId17"/>
   </p:sldIdLst>
   <p:sldSz cx="12192000" cy="6858000"/>
   <p:notesSz cx="6858000" cy="9144000"/>
@@ -1306,8 +1311,8 @@
           </a:p>
         </p:txBody>
       </p:sp>
-      <mc:AlternateContent xmlns:mc="http://schemas.openxmlformats.org/markup-compatibility/2006">
-        <mc:Choice xmlns:a14="http://schemas.microsoft.com/office/drawing/2010/main" Requires="a14">
+      <mc:AlternateContent xmlns:mc="http://schemas.openxmlformats.org/markup-compatibility/2006" xmlns:a14="http://schemas.microsoft.com/office/drawing/2010/main">
+        <mc:Choice Requires="a14">
           <p:sp>
             <p:nvSpPr>
               <p:cNvPr id="6" name="TextBox 5">
@@ -1413,7 +1418,7 @@
             </p:txBody>
           </p:sp>
         </mc:Choice>
-        <mc:Fallback>
+        <mc:Fallback xmlns="">
           <p:sp>
             <p:nvSpPr>
               <p:cNvPr id="6" name="TextBox 5">
@@ -1458,8 +1463,8 @@
           </p:sp>
         </mc:Fallback>
       </mc:AlternateContent>
-      <mc:AlternateContent xmlns:mc="http://schemas.openxmlformats.org/markup-compatibility/2006">
-        <mc:Choice xmlns:a14="http://schemas.microsoft.com/office/drawing/2010/main" Requires="a14">
+      <mc:AlternateContent xmlns:mc="http://schemas.openxmlformats.org/markup-compatibility/2006" xmlns:a14="http://schemas.microsoft.com/office/drawing/2010/main">
+        <mc:Choice Requires="a14">
           <p:sp>
             <p:nvSpPr>
               <p:cNvPr id="7" name="TextBox 6">
@@ -1736,7 +1741,7 @@
             </p:txBody>
           </p:sp>
         </mc:Choice>
-        <mc:Fallback>
+        <mc:Fallback xmlns="">
           <p:sp>
             <p:nvSpPr>
               <p:cNvPr id="7" name="TextBox 6">
@@ -1781,8 +1786,8 @@
           </p:sp>
         </mc:Fallback>
       </mc:AlternateContent>
-      <mc:AlternateContent xmlns:mc="http://schemas.openxmlformats.org/markup-compatibility/2006">
-        <mc:Choice xmlns:a14="http://schemas.microsoft.com/office/drawing/2010/main" Requires="a14">
+      <mc:AlternateContent xmlns:mc="http://schemas.openxmlformats.org/markup-compatibility/2006" xmlns:a14="http://schemas.microsoft.com/office/drawing/2010/main">
+        <mc:Choice Requires="a14">
           <p:sp>
             <p:nvSpPr>
               <p:cNvPr id="8" name="TextBox 7">
@@ -1811,7 +1816,6 @@
               </a:bodyPr>
               <a:lstStyle/>
               <a:p>
-                <a:pPr/>
                 <a:r>
                   <a:rPr lang="en-US" sz="1600" b="0" dirty="0">
                     <a:ea typeface="Cambria Math" panose="02040503050406030204" pitchFamily="18" charset="0"/>
@@ -1832,14 +1836,7 @@
                         <a:latin typeface="Cambria Math" panose="02040503050406030204" pitchFamily="18" charset="0"/>
                         <a:ea typeface="Cambria Math" panose="02040503050406030204" pitchFamily="18" charset="0"/>
                       </a:rPr>
-                      <m:t>=</m:t>
-                    </m:r>
-                    <m:r>
-                      <a:rPr lang="en-US" sz="1600" b="0" i="1" smtClean="0">
-                        <a:latin typeface="Cambria Math" panose="02040503050406030204" pitchFamily="18" charset="0"/>
-                        <a:ea typeface="Cambria Math" panose="02040503050406030204" pitchFamily="18" charset="0"/>
-                      </a:rPr>
-                      <m:t>10 </m:t>
+                      <m:t>=10 </m:t>
                     </m:r>
                     <m:r>
                       <m:rPr>
@@ -1881,7 +1878,7 @@
             </p:txBody>
           </p:sp>
         </mc:Choice>
-        <mc:Fallback>
+        <mc:Fallback xmlns="">
           <p:sp>
             <p:nvSpPr>
               <p:cNvPr id="8" name="TextBox 7">
@@ -1972,6 +1969,531 @@
     <p:extLst>
       <p:ext uri="{BB962C8B-B14F-4D97-AF65-F5344CB8AC3E}">
         <p14:creationId xmlns:p14="http://schemas.microsoft.com/office/powerpoint/2010/main" val="3288249596"/>
+      </p:ext>
+    </p:extLst>
+  </p:cSld>
+  <p:clrMapOvr>
+    <a:masterClrMapping/>
+  </p:clrMapOvr>
+</p:sld>
+</file>
+
+<file path=ppt/slides/slide12.xml><?xml version="1.0" encoding="utf-8"?>
+<p:sld xmlns:a="http://schemas.openxmlformats.org/drawingml/2006/main" xmlns:r="http://schemas.openxmlformats.org/officeDocument/2006/relationships" xmlns:p="http://schemas.openxmlformats.org/presentationml/2006/main">
+  <p:cSld>
+    <p:spTree>
+      <p:nvGrpSpPr>
+        <p:cNvPr id="1" name=""/>
+        <p:cNvGrpSpPr/>
+        <p:nvPr/>
+      </p:nvGrpSpPr>
+      <p:grpSpPr>
+        <a:xfrm>
+          <a:off x="0" y="0"/>
+          <a:ext cx="0" cy="0"/>
+          <a:chOff x="0" y="0"/>
+          <a:chExt cx="0" cy="0"/>
+        </a:xfrm>
+      </p:grpSpPr>
+      <p:sp>
+        <p:nvSpPr>
+          <p:cNvPr id="2" name="TextBox 1">
+            <a:extLst>
+              <a:ext uri="{FF2B5EF4-FFF2-40B4-BE49-F238E27FC236}">
+                <a16:creationId xmlns:a16="http://schemas.microsoft.com/office/drawing/2014/main" id="{59E5665D-3379-40D0-8817-FD0C98372C54}"/>
+              </a:ext>
+            </a:extLst>
+          </p:cNvPr>
+          <p:cNvSpPr txBox="1"/>
+          <p:nvPr/>
+        </p:nvSpPr>
+        <p:spPr>
+          <a:xfrm>
+            <a:off x="95250" y="104775"/>
+            <a:ext cx="3999493" cy="523220"/>
+          </a:xfrm>
+          <a:prstGeom prst="rect">
+            <a:avLst/>
+          </a:prstGeom>
+          <a:noFill/>
+        </p:spPr>
+        <p:txBody>
+          <a:bodyPr wrap="none" rtlCol="0">
+            <a:spAutoFit/>
+          </a:bodyPr>
+          <a:lstStyle/>
+          <a:p>
+            <a:r>
+              <a:rPr lang="en-US" sz="2800" b="1" dirty="0">
+                <a:solidFill>
+                  <a:srgbClr val="0070C0"/>
+                </a:solidFill>
+              </a:rPr>
+              <a:t>AP + CFB: Volume Control</a:t>
+            </a:r>
+          </a:p>
+        </p:txBody>
+      </p:sp>
+      <p:pic>
+        <p:nvPicPr>
+          <p:cNvPr id="4" name="Picture 3" descr="A close up of a map&#10;&#10;Description automatically generated">
+            <a:extLst>
+              <a:ext uri="{FF2B5EF4-FFF2-40B4-BE49-F238E27FC236}">
+                <a16:creationId xmlns:a16="http://schemas.microsoft.com/office/drawing/2014/main" id="{A506F11A-90E4-4854-B7A9-859E298502F5}"/>
+              </a:ext>
+            </a:extLst>
+          </p:cNvPr>
+          <p:cNvPicPr>
+            <a:picLocks noChangeAspect="1"/>
+          </p:cNvPicPr>
+          <p:nvPr/>
+        </p:nvPicPr>
+        <p:blipFill>
+          <a:blip r:embed="rId2">
+            <a:extLst>
+              <a:ext uri="{28A0092B-C50C-407E-A947-70E740481C1C}">
+                <a14:useLocalDpi xmlns:a14="http://schemas.microsoft.com/office/drawing/2010/main" val="0"/>
+              </a:ext>
+            </a:extLst>
+          </a:blip>
+          <a:stretch>
+            <a:fillRect/>
+          </a:stretch>
+        </p:blipFill>
+        <p:spPr>
+          <a:xfrm>
+            <a:off x="1490472" y="1234440"/>
+            <a:ext cx="9387333" cy="5207037"/>
+          </a:xfrm>
+          <a:prstGeom prst="rect">
+            <a:avLst/>
+          </a:prstGeom>
+        </p:spPr>
+      </p:pic>
+    </p:spTree>
+    <p:extLst>
+      <p:ext uri="{BB962C8B-B14F-4D97-AF65-F5344CB8AC3E}">
+        <p14:creationId xmlns:p14="http://schemas.microsoft.com/office/powerpoint/2010/main" val="3282726720"/>
+      </p:ext>
+    </p:extLst>
+  </p:cSld>
+  <p:clrMapOvr>
+    <a:masterClrMapping/>
+  </p:clrMapOvr>
+</p:sld>
+</file>
+
+<file path=ppt/slides/slide13.xml><?xml version="1.0" encoding="utf-8"?>
+<p:sld xmlns:a="http://schemas.openxmlformats.org/drawingml/2006/main" xmlns:r="http://schemas.openxmlformats.org/officeDocument/2006/relationships" xmlns:p="http://schemas.openxmlformats.org/presentationml/2006/main">
+  <p:cSld>
+    <p:spTree>
+      <p:nvGrpSpPr>
+        <p:cNvPr id="1" name=""/>
+        <p:cNvGrpSpPr/>
+        <p:nvPr/>
+      </p:nvGrpSpPr>
+      <p:grpSpPr>
+        <a:xfrm>
+          <a:off x="0" y="0"/>
+          <a:ext cx="0" cy="0"/>
+          <a:chOff x="0" y="0"/>
+          <a:chExt cx="0" cy="0"/>
+        </a:xfrm>
+      </p:grpSpPr>
+      <p:sp>
+        <p:nvSpPr>
+          <p:cNvPr id="2" name="TextBox 1">
+            <a:extLst>
+              <a:ext uri="{FF2B5EF4-FFF2-40B4-BE49-F238E27FC236}">
+                <a16:creationId xmlns:a16="http://schemas.microsoft.com/office/drawing/2014/main" id="{59E5665D-3379-40D0-8817-FD0C98372C54}"/>
+              </a:ext>
+            </a:extLst>
+          </p:cNvPr>
+          <p:cNvSpPr txBox="1"/>
+          <p:nvPr/>
+        </p:nvSpPr>
+        <p:spPr>
+          <a:xfrm>
+            <a:off x="95250" y="104775"/>
+            <a:ext cx="4137928" cy="523220"/>
+          </a:xfrm>
+          <a:prstGeom prst="rect">
+            <a:avLst/>
+          </a:prstGeom>
+          <a:noFill/>
+        </p:spPr>
+        <p:txBody>
+          <a:bodyPr wrap="none" rtlCol="0">
+            <a:spAutoFit/>
+          </a:bodyPr>
+          <a:lstStyle/>
+          <a:p>
+            <a:r>
+              <a:rPr lang="en-US" sz="2800" b="1" dirty="0">
+                <a:solidFill>
+                  <a:srgbClr val="0070C0"/>
+                </a:solidFill>
+              </a:rPr>
+              <a:t>AP + CFB: Pressure Control</a:t>
+            </a:r>
+          </a:p>
+        </p:txBody>
+      </p:sp>
+      <p:pic>
+        <p:nvPicPr>
+          <p:cNvPr id="5" name="Picture 4" descr="A close up of a map&#10;&#10;Description automatically generated">
+            <a:extLst>
+              <a:ext uri="{FF2B5EF4-FFF2-40B4-BE49-F238E27FC236}">
+                <a16:creationId xmlns:a16="http://schemas.microsoft.com/office/drawing/2014/main" id="{94517D38-EAD6-465A-989F-DAD9080A42C2}"/>
+              </a:ext>
+            </a:extLst>
+          </p:cNvPr>
+          <p:cNvPicPr>
+            <a:picLocks noChangeAspect="1"/>
+          </p:cNvPicPr>
+          <p:nvPr/>
+        </p:nvPicPr>
+        <p:blipFill>
+          <a:blip r:embed="rId2">
+            <a:extLst>
+              <a:ext uri="{28A0092B-C50C-407E-A947-70E740481C1C}">
+                <a14:useLocalDpi xmlns:a14="http://schemas.microsoft.com/office/drawing/2010/main" val="0"/>
+              </a:ext>
+            </a:extLst>
+          </a:blip>
+          <a:stretch>
+            <a:fillRect/>
+          </a:stretch>
+        </p:blipFill>
+        <p:spPr>
+          <a:xfrm>
+            <a:off x="1490472" y="1234440"/>
+            <a:ext cx="9389151" cy="5208044"/>
+          </a:xfrm>
+          <a:prstGeom prst="rect">
+            <a:avLst/>
+          </a:prstGeom>
+        </p:spPr>
+      </p:pic>
+    </p:spTree>
+    <p:extLst>
+      <p:ext uri="{BB962C8B-B14F-4D97-AF65-F5344CB8AC3E}">
+        <p14:creationId xmlns:p14="http://schemas.microsoft.com/office/powerpoint/2010/main" val="2311361508"/>
+      </p:ext>
+    </p:extLst>
+  </p:cSld>
+  <p:clrMapOvr>
+    <a:masterClrMapping/>
+  </p:clrMapOvr>
+</p:sld>
+</file>
+
+<file path=ppt/slides/slide14.xml><?xml version="1.0" encoding="utf-8"?>
+<p:sld xmlns:a="http://schemas.openxmlformats.org/drawingml/2006/main" xmlns:r="http://schemas.openxmlformats.org/officeDocument/2006/relationships" xmlns:p="http://schemas.openxmlformats.org/presentationml/2006/main">
+  <p:cSld>
+    <p:spTree>
+      <p:nvGrpSpPr>
+        <p:cNvPr id="1" name=""/>
+        <p:cNvGrpSpPr/>
+        <p:nvPr/>
+      </p:nvGrpSpPr>
+      <p:grpSpPr>
+        <a:xfrm>
+          <a:off x="0" y="0"/>
+          <a:ext cx="0" cy="0"/>
+          <a:chOff x="0" y="0"/>
+          <a:chExt cx="0" cy="0"/>
+        </a:xfrm>
+      </p:grpSpPr>
+      <p:sp>
+        <p:nvSpPr>
+          <p:cNvPr id="2" name="TextBox 1">
+            <a:extLst>
+              <a:ext uri="{FF2B5EF4-FFF2-40B4-BE49-F238E27FC236}">
+                <a16:creationId xmlns:a16="http://schemas.microsoft.com/office/drawing/2014/main" id="{59E5665D-3379-40D0-8817-FD0C98372C54}"/>
+              </a:ext>
+            </a:extLst>
+          </p:cNvPr>
+          <p:cNvSpPr txBox="1"/>
+          <p:nvPr/>
+        </p:nvSpPr>
+        <p:spPr>
+          <a:xfrm>
+            <a:off x="95250" y="104775"/>
+            <a:ext cx="4148572" cy="523220"/>
+          </a:xfrm>
+          <a:prstGeom prst="rect">
+            <a:avLst/>
+          </a:prstGeom>
+          <a:noFill/>
+        </p:spPr>
+        <p:txBody>
+          <a:bodyPr wrap="none" rtlCol="0">
+            <a:spAutoFit/>
+          </a:bodyPr>
+          <a:lstStyle/>
+          <a:p>
+            <a:r>
+              <a:rPr lang="en-US" sz="2800" b="1" dirty="0">
+                <a:solidFill>
+                  <a:srgbClr val="0070C0"/>
+                </a:solidFill>
+              </a:rPr>
+              <a:t>CFB + CFB: Volume Control</a:t>
+            </a:r>
+          </a:p>
+        </p:txBody>
+      </p:sp>
+      <p:pic>
+        <p:nvPicPr>
+          <p:cNvPr id="5" name="Picture 4" descr="A close up of a map&#10;&#10;Description automatically generated">
+            <a:extLst>
+              <a:ext uri="{FF2B5EF4-FFF2-40B4-BE49-F238E27FC236}">
+                <a16:creationId xmlns:a16="http://schemas.microsoft.com/office/drawing/2014/main" id="{C706C439-5452-4FE0-9671-65AD2B413D12}"/>
+              </a:ext>
+            </a:extLst>
+          </p:cNvPr>
+          <p:cNvPicPr>
+            <a:picLocks noChangeAspect="1"/>
+          </p:cNvPicPr>
+          <p:nvPr/>
+        </p:nvPicPr>
+        <p:blipFill>
+          <a:blip r:embed="rId2">
+            <a:extLst>
+              <a:ext uri="{28A0092B-C50C-407E-A947-70E740481C1C}">
+                <a14:useLocalDpi xmlns:a14="http://schemas.microsoft.com/office/drawing/2010/main" val="0"/>
+              </a:ext>
+            </a:extLst>
+          </a:blip>
+          <a:stretch>
+            <a:fillRect/>
+          </a:stretch>
+        </p:blipFill>
+        <p:spPr>
+          <a:xfrm>
+            <a:off x="1490472" y="1234440"/>
+            <a:ext cx="9389151" cy="5208044"/>
+          </a:xfrm>
+          <a:prstGeom prst="rect">
+            <a:avLst/>
+          </a:prstGeom>
+        </p:spPr>
+      </p:pic>
+    </p:spTree>
+    <p:extLst>
+      <p:ext uri="{BB962C8B-B14F-4D97-AF65-F5344CB8AC3E}">
+        <p14:creationId xmlns:p14="http://schemas.microsoft.com/office/powerpoint/2010/main" val="378319255"/>
+      </p:ext>
+    </p:extLst>
+  </p:cSld>
+  <p:clrMapOvr>
+    <a:masterClrMapping/>
+  </p:clrMapOvr>
+</p:sld>
+</file>
+
+<file path=ppt/slides/slide15.xml><?xml version="1.0" encoding="utf-8"?>
+<p:sld xmlns:a="http://schemas.openxmlformats.org/drawingml/2006/main" xmlns:r="http://schemas.openxmlformats.org/officeDocument/2006/relationships" xmlns:p="http://schemas.openxmlformats.org/presentationml/2006/main">
+  <p:cSld>
+    <p:spTree>
+      <p:nvGrpSpPr>
+        <p:cNvPr id="1" name=""/>
+        <p:cNvGrpSpPr/>
+        <p:nvPr/>
+      </p:nvGrpSpPr>
+      <p:grpSpPr>
+        <a:xfrm>
+          <a:off x="0" y="0"/>
+          <a:ext cx="0" cy="0"/>
+          <a:chOff x="0" y="0"/>
+          <a:chExt cx="0" cy="0"/>
+        </a:xfrm>
+      </p:grpSpPr>
+      <p:sp>
+        <p:nvSpPr>
+          <p:cNvPr id="2" name="TextBox 1">
+            <a:extLst>
+              <a:ext uri="{FF2B5EF4-FFF2-40B4-BE49-F238E27FC236}">
+                <a16:creationId xmlns:a16="http://schemas.microsoft.com/office/drawing/2014/main" id="{59E5665D-3379-40D0-8817-FD0C98372C54}"/>
+              </a:ext>
+            </a:extLst>
+          </p:cNvPr>
+          <p:cNvSpPr txBox="1"/>
+          <p:nvPr/>
+        </p:nvSpPr>
+        <p:spPr>
+          <a:xfrm>
+            <a:off x="95250" y="104775"/>
+            <a:ext cx="4287007" cy="523220"/>
+          </a:xfrm>
+          <a:prstGeom prst="rect">
+            <a:avLst/>
+          </a:prstGeom>
+          <a:noFill/>
+        </p:spPr>
+        <p:txBody>
+          <a:bodyPr wrap="none" rtlCol="0">
+            <a:spAutoFit/>
+          </a:bodyPr>
+          <a:lstStyle/>
+          <a:p>
+            <a:r>
+              <a:rPr lang="en-US" sz="2800" b="1" dirty="0">
+                <a:solidFill>
+                  <a:srgbClr val="0070C0"/>
+                </a:solidFill>
+              </a:rPr>
+              <a:t>CFB + CFB: Pressure Control</a:t>
+            </a:r>
+          </a:p>
+        </p:txBody>
+      </p:sp>
+      <p:pic>
+        <p:nvPicPr>
+          <p:cNvPr id="4" name="Picture 3">
+            <a:extLst>
+              <a:ext uri="{FF2B5EF4-FFF2-40B4-BE49-F238E27FC236}">
+                <a16:creationId xmlns:a16="http://schemas.microsoft.com/office/drawing/2014/main" id="{C4A59E13-6FC6-430A-B077-77E356EBBEE8}"/>
+              </a:ext>
+            </a:extLst>
+          </p:cNvPr>
+          <p:cNvPicPr>
+            <a:picLocks noChangeAspect="1"/>
+          </p:cNvPicPr>
+          <p:nvPr/>
+        </p:nvPicPr>
+        <p:blipFill>
+          <a:blip r:embed="rId2">
+            <a:extLst>
+              <a:ext uri="{28A0092B-C50C-407E-A947-70E740481C1C}">
+                <a14:useLocalDpi xmlns:a14="http://schemas.microsoft.com/office/drawing/2010/main" val="0"/>
+              </a:ext>
+            </a:extLst>
+          </a:blip>
+          <a:stretch>
+            <a:fillRect/>
+          </a:stretch>
+        </p:blipFill>
+        <p:spPr>
+          <a:xfrm>
+            <a:off x="1490472" y="1234440"/>
+            <a:ext cx="9389151" cy="5208044"/>
+          </a:xfrm>
+          <a:prstGeom prst="rect">
+            <a:avLst/>
+          </a:prstGeom>
+        </p:spPr>
+      </p:pic>
+    </p:spTree>
+    <p:extLst>
+      <p:ext uri="{BB962C8B-B14F-4D97-AF65-F5344CB8AC3E}">
+        <p14:creationId xmlns:p14="http://schemas.microsoft.com/office/powerpoint/2010/main" val="1623565896"/>
+      </p:ext>
+    </p:extLst>
+  </p:cSld>
+  <p:clrMapOvr>
+    <a:masterClrMapping/>
+  </p:clrMapOvr>
+</p:sld>
+</file>
+
+<file path=ppt/slides/slide16.xml><?xml version="1.0" encoding="utf-8"?>
+<p:sld xmlns:a="http://schemas.openxmlformats.org/drawingml/2006/main" xmlns:r="http://schemas.openxmlformats.org/officeDocument/2006/relationships" xmlns:p="http://schemas.openxmlformats.org/presentationml/2006/main">
+  <p:cSld>
+    <p:spTree>
+      <p:nvGrpSpPr>
+        <p:cNvPr id="1" name=""/>
+        <p:cNvGrpSpPr/>
+        <p:nvPr/>
+      </p:nvGrpSpPr>
+      <p:grpSpPr>
+        <a:xfrm>
+          <a:off x="0" y="0"/>
+          <a:ext cx="0" cy="0"/>
+          <a:chOff x="0" y="0"/>
+          <a:chExt cx="0" cy="0"/>
+        </a:xfrm>
+      </p:grpSpPr>
+      <p:sp>
+        <p:nvSpPr>
+          <p:cNvPr id="2" name="TextBox 1">
+            <a:extLst>
+              <a:ext uri="{FF2B5EF4-FFF2-40B4-BE49-F238E27FC236}">
+                <a16:creationId xmlns:a16="http://schemas.microsoft.com/office/drawing/2014/main" id="{59E5665D-3379-40D0-8817-FD0C98372C54}"/>
+              </a:ext>
+            </a:extLst>
+          </p:cNvPr>
+          <p:cNvSpPr txBox="1"/>
+          <p:nvPr/>
+        </p:nvSpPr>
+        <p:spPr>
+          <a:xfrm>
+            <a:off x="95250" y="104775"/>
+            <a:ext cx="5582682" cy="523220"/>
+          </a:xfrm>
+          <a:prstGeom prst="rect">
+            <a:avLst/>
+          </a:prstGeom>
+          <a:noFill/>
+        </p:spPr>
+        <p:txBody>
+          <a:bodyPr wrap="none" rtlCol="0">
+            <a:spAutoFit/>
+          </a:bodyPr>
+          <a:lstStyle/>
+          <a:p>
+            <a:r>
+              <a:rPr lang="en-US" sz="2800" b="1" dirty="0">
+                <a:solidFill>
+                  <a:srgbClr val="0070C0"/>
+                </a:solidFill>
+              </a:rPr>
+              <a:t>CFB + CFB: Pressure Control (details)</a:t>
+            </a:r>
+          </a:p>
+        </p:txBody>
+      </p:sp>
+      <p:pic>
+        <p:nvPicPr>
+          <p:cNvPr id="5" name="Picture 4" descr="A close up of a map&#10;&#10;Description automatically generated">
+            <a:extLst>
+              <a:ext uri="{FF2B5EF4-FFF2-40B4-BE49-F238E27FC236}">
+                <a16:creationId xmlns:a16="http://schemas.microsoft.com/office/drawing/2014/main" id="{08CDE1D8-BDF1-47FE-9A45-C298C7CF81E4}"/>
+              </a:ext>
+            </a:extLst>
+          </p:cNvPr>
+          <p:cNvPicPr>
+            <a:picLocks noChangeAspect="1"/>
+          </p:cNvPicPr>
+          <p:nvPr/>
+        </p:nvPicPr>
+        <p:blipFill>
+          <a:blip r:embed="rId2">
+            <a:extLst>
+              <a:ext uri="{28A0092B-C50C-407E-A947-70E740481C1C}">
+                <a14:useLocalDpi xmlns:a14="http://schemas.microsoft.com/office/drawing/2010/main" val="0"/>
+              </a:ext>
+            </a:extLst>
+          </a:blip>
+          <a:stretch>
+            <a:fillRect/>
+          </a:stretch>
+        </p:blipFill>
+        <p:spPr>
+          <a:xfrm>
+            <a:off x="1490472" y="1234440"/>
+            <a:ext cx="9389151" cy="5208044"/>
+          </a:xfrm>
+          <a:prstGeom prst="rect">
+            <a:avLst/>
+          </a:prstGeom>
+        </p:spPr>
+      </p:pic>
+    </p:spTree>
+    <p:extLst>
+      <p:ext uri="{BB962C8B-B14F-4D97-AF65-F5344CB8AC3E}">
+        <p14:creationId xmlns:p14="http://schemas.microsoft.com/office/powerpoint/2010/main" val="658984844"/>
       </p:ext>
     </p:extLst>
   </p:cSld>

--- a/models/simscape/analysis/analysis.pptx
+++ b/models/simscape/analysis/analysis.pptx
@@ -20,7 +20,6 @@
     <p:sldId id="271" r:id="rId14"/>
     <p:sldId id="272" r:id="rId15"/>
     <p:sldId id="273" r:id="rId16"/>
-    <p:sldId id="274" r:id="rId17"/>
   </p:sldIdLst>
   <p:sldSz cx="12192000" cy="6858000"/>
   <p:notesSz cx="6858000" cy="9144000"/>
@@ -2036,10 +2035,10 @@
       </p:sp>
       <p:pic>
         <p:nvPicPr>
-          <p:cNvPr id="4" name="Picture 3" descr="A close up of a map&#10;&#10;Description automatically generated">
+          <p:cNvPr id="3" name="Picture 2">
             <a:extLst>
               <a:ext uri="{FF2B5EF4-FFF2-40B4-BE49-F238E27FC236}">
-                <a16:creationId xmlns:a16="http://schemas.microsoft.com/office/drawing/2014/main" id="{A506F11A-90E4-4854-B7A9-859E298502F5}"/>
+                <a16:creationId xmlns:a16="http://schemas.microsoft.com/office/drawing/2014/main" id="{981D713B-8117-459E-9D26-9EB1DB5EE514}"/>
               </a:ext>
             </a:extLst>
           </p:cNvPr>
@@ -2049,21 +2048,15 @@
           <p:nvPr/>
         </p:nvPicPr>
         <p:blipFill>
-          <a:blip r:embed="rId2">
-            <a:extLst>
-              <a:ext uri="{28A0092B-C50C-407E-A947-70E740481C1C}">
-                <a14:useLocalDpi xmlns:a14="http://schemas.microsoft.com/office/drawing/2010/main" val="0"/>
-              </a:ext>
-            </a:extLst>
-          </a:blip>
+          <a:blip r:embed="rId2"/>
           <a:stretch>
             <a:fillRect/>
           </a:stretch>
         </p:blipFill>
         <p:spPr>
           <a:xfrm>
-            <a:off x="1490472" y="1234440"/>
-            <a:ext cx="9387333" cy="5207037"/>
+            <a:off x="404056" y="873014"/>
+            <a:ext cx="10451049" cy="5799246"/>
           </a:xfrm>
           <a:prstGeom prst="rect">
             <a:avLst/>
@@ -2141,10 +2134,10 @@
       </p:sp>
       <p:pic>
         <p:nvPicPr>
-          <p:cNvPr id="5" name="Picture 4" descr="A close up of a map&#10;&#10;Description automatically generated">
+          <p:cNvPr id="8" name="Picture 7">
             <a:extLst>
               <a:ext uri="{FF2B5EF4-FFF2-40B4-BE49-F238E27FC236}">
-                <a16:creationId xmlns:a16="http://schemas.microsoft.com/office/drawing/2014/main" id="{94517D38-EAD6-465A-989F-DAD9080A42C2}"/>
+                <a16:creationId xmlns:a16="http://schemas.microsoft.com/office/drawing/2014/main" id="{C22855C0-FC78-4E99-B347-09F8B25FF004}"/>
               </a:ext>
             </a:extLst>
           </p:cNvPr>
@@ -2154,21 +2147,15 @@
           <p:nvPr/>
         </p:nvPicPr>
         <p:blipFill>
-          <a:blip r:embed="rId2">
-            <a:extLst>
-              <a:ext uri="{28A0092B-C50C-407E-A947-70E740481C1C}">
-                <a14:useLocalDpi xmlns:a14="http://schemas.microsoft.com/office/drawing/2010/main" val="0"/>
-              </a:ext>
-            </a:extLst>
-          </a:blip>
+          <a:blip r:embed="rId2"/>
           <a:stretch>
             <a:fillRect/>
           </a:stretch>
         </p:blipFill>
         <p:spPr>
           <a:xfrm>
-            <a:off x="1490472" y="1234440"/>
-            <a:ext cx="9389151" cy="5208044"/>
+            <a:off x="402336" y="877824"/>
+            <a:ext cx="10560653" cy="5860066"/>
           </a:xfrm>
           <a:prstGeom prst="rect">
             <a:avLst/>
@@ -2246,10 +2233,10 @@
       </p:sp>
       <p:pic>
         <p:nvPicPr>
-          <p:cNvPr id="5" name="Picture 4" descr="A close up of a map&#10;&#10;Description automatically generated">
+          <p:cNvPr id="4" name="Picture 3">
             <a:extLst>
               <a:ext uri="{FF2B5EF4-FFF2-40B4-BE49-F238E27FC236}">
-                <a16:creationId xmlns:a16="http://schemas.microsoft.com/office/drawing/2014/main" id="{C706C439-5452-4FE0-9671-65AD2B413D12}"/>
+                <a16:creationId xmlns:a16="http://schemas.microsoft.com/office/drawing/2014/main" id="{60B60310-DEA3-466E-A365-09578A56C109}"/>
               </a:ext>
             </a:extLst>
           </p:cNvPr>
@@ -2259,21 +2246,15 @@
           <p:nvPr/>
         </p:nvPicPr>
         <p:blipFill>
-          <a:blip r:embed="rId2">
-            <a:extLst>
-              <a:ext uri="{28A0092B-C50C-407E-A947-70E740481C1C}">
-                <a14:useLocalDpi xmlns:a14="http://schemas.microsoft.com/office/drawing/2010/main" val="0"/>
-              </a:ext>
-            </a:extLst>
-          </a:blip>
+          <a:blip r:embed="rId2"/>
           <a:stretch>
             <a:fillRect/>
           </a:stretch>
         </p:blipFill>
         <p:spPr>
           <a:xfrm>
-            <a:off x="1490472" y="1234440"/>
-            <a:ext cx="9389151" cy="5208044"/>
+            <a:off x="402336" y="877824"/>
+            <a:ext cx="10560653" cy="5860066"/>
           </a:xfrm>
           <a:prstGeom prst="rect">
             <a:avLst/>
@@ -2351,10 +2332,10 @@
       </p:sp>
       <p:pic>
         <p:nvPicPr>
-          <p:cNvPr id="4" name="Picture 3">
+          <p:cNvPr id="5" name="Picture 4">
             <a:extLst>
               <a:ext uri="{FF2B5EF4-FFF2-40B4-BE49-F238E27FC236}">
-                <a16:creationId xmlns:a16="http://schemas.microsoft.com/office/drawing/2014/main" id="{C4A59E13-6FC6-430A-B077-77E356EBBEE8}"/>
+                <a16:creationId xmlns:a16="http://schemas.microsoft.com/office/drawing/2014/main" id="{58B14735-BAC6-4CF3-B3FD-248100B25C37}"/>
               </a:ext>
             </a:extLst>
           </p:cNvPr>
@@ -2364,21 +2345,15 @@
           <p:nvPr/>
         </p:nvPicPr>
         <p:blipFill>
-          <a:blip r:embed="rId2">
-            <a:extLst>
-              <a:ext uri="{28A0092B-C50C-407E-A947-70E740481C1C}">
-                <a14:useLocalDpi xmlns:a14="http://schemas.microsoft.com/office/drawing/2010/main" val="0"/>
-              </a:ext>
-            </a:extLst>
-          </a:blip>
+          <a:blip r:embed="rId2"/>
           <a:stretch>
             <a:fillRect/>
           </a:stretch>
         </p:blipFill>
         <p:spPr>
           <a:xfrm>
-            <a:off x="1490472" y="1234440"/>
-            <a:ext cx="9389151" cy="5208044"/>
+            <a:off x="402336" y="877824"/>
+            <a:ext cx="10560653" cy="5860066"/>
           </a:xfrm>
           <a:prstGeom prst="rect">
             <a:avLst/>
@@ -2389,111 +2364,6 @@
     <p:extLst>
       <p:ext uri="{BB962C8B-B14F-4D97-AF65-F5344CB8AC3E}">
         <p14:creationId xmlns:p14="http://schemas.microsoft.com/office/powerpoint/2010/main" val="1623565896"/>
-      </p:ext>
-    </p:extLst>
-  </p:cSld>
-  <p:clrMapOvr>
-    <a:masterClrMapping/>
-  </p:clrMapOvr>
-</p:sld>
-</file>
-
-<file path=ppt/slides/slide16.xml><?xml version="1.0" encoding="utf-8"?>
-<p:sld xmlns:a="http://schemas.openxmlformats.org/drawingml/2006/main" xmlns:r="http://schemas.openxmlformats.org/officeDocument/2006/relationships" xmlns:p="http://schemas.openxmlformats.org/presentationml/2006/main">
-  <p:cSld>
-    <p:spTree>
-      <p:nvGrpSpPr>
-        <p:cNvPr id="1" name=""/>
-        <p:cNvGrpSpPr/>
-        <p:nvPr/>
-      </p:nvGrpSpPr>
-      <p:grpSpPr>
-        <a:xfrm>
-          <a:off x="0" y="0"/>
-          <a:ext cx="0" cy="0"/>
-          <a:chOff x="0" y="0"/>
-          <a:chExt cx="0" cy="0"/>
-        </a:xfrm>
-      </p:grpSpPr>
-      <p:sp>
-        <p:nvSpPr>
-          <p:cNvPr id="2" name="TextBox 1">
-            <a:extLst>
-              <a:ext uri="{FF2B5EF4-FFF2-40B4-BE49-F238E27FC236}">
-                <a16:creationId xmlns:a16="http://schemas.microsoft.com/office/drawing/2014/main" id="{59E5665D-3379-40D0-8817-FD0C98372C54}"/>
-              </a:ext>
-            </a:extLst>
-          </p:cNvPr>
-          <p:cNvSpPr txBox="1"/>
-          <p:nvPr/>
-        </p:nvSpPr>
-        <p:spPr>
-          <a:xfrm>
-            <a:off x="95250" y="104775"/>
-            <a:ext cx="5582682" cy="523220"/>
-          </a:xfrm>
-          <a:prstGeom prst="rect">
-            <a:avLst/>
-          </a:prstGeom>
-          <a:noFill/>
-        </p:spPr>
-        <p:txBody>
-          <a:bodyPr wrap="none" rtlCol="0">
-            <a:spAutoFit/>
-          </a:bodyPr>
-          <a:lstStyle/>
-          <a:p>
-            <a:r>
-              <a:rPr lang="en-US" sz="2800" b="1" dirty="0">
-                <a:solidFill>
-                  <a:srgbClr val="0070C0"/>
-                </a:solidFill>
-              </a:rPr>
-              <a:t>CFB + CFB: Pressure Control (details)</a:t>
-            </a:r>
-          </a:p>
-        </p:txBody>
-      </p:sp>
-      <p:pic>
-        <p:nvPicPr>
-          <p:cNvPr id="5" name="Picture 4" descr="A close up of a map&#10;&#10;Description automatically generated">
-            <a:extLst>
-              <a:ext uri="{FF2B5EF4-FFF2-40B4-BE49-F238E27FC236}">
-                <a16:creationId xmlns:a16="http://schemas.microsoft.com/office/drawing/2014/main" id="{08CDE1D8-BDF1-47FE-9A45-C298C7CF81E4}"/>
-              </a:ext>
-            </a:extLst>
-          </p:cNvPr>
-          <p:cNvPicPr>
-            <a:picLocks noChangeAspect="1"/>
-          </p:cNvPicPr>
-          <p:nvPr/>
-        </p:nvPicPr>
-        <p:blipFill>
-          <a:blip r:embed="rId2">
-            <a:extLst>
-              <a:ext uri="{28A0092B-C50C-407E-A947-70E740481C1C}">
-                <a14:useLocalDpi xmlns:a14="http://schemas.microsoft.com/office/drawing/2010/main" val="0"/>
-              </a:ext>
-            </a:extLst>
-          </a:blip>
-          <a:stretch>
-            <a:fillRect/>
-          </a:stretch>
-        </p:blipFill>
-        <p:spPr>
-          <a:xfrm>
-            <a:off x="1490472" y="1234440"/>
-            <a:ext cx="9389151" cy="5208044"/>
-          </a:xfrm>
-          <a:prstGeom prst="rect">
-            <a:avLst/>
-          </a:prstGeom>
-        </p:spPr>
-      </p:pic>
-    </p:spTree>
-    <p:extLst>
-      <p:ext uri="{BB962C8B-B14F-4D97-AF65-F5344CB8AC3E}">
-        <p14:creationId xmlns:p14="http://schemas.microsoft.com/office/powerpoint/2010/main" val="658984844"/>
       </p:ext>
     </p:extLst>
   </p:cSld>
@@ -2569,10 +2439,10 @@
       </p:sp>
       <p:pic>
         <p:nvPicPr>
-          <p:cNvPr id="2" name="Picture 1">
+          <p:cNvPr id="3" name="Picture 2">
             <a:extLst>
               <a:ext uri="{FF2B5EF4-FFF2-40B4-BE49-F238E27FC236}">
-                <a16:creationId xmlns:a16="http://schemas.microsoft.com/office/drawing/2014/main" id="{0961ECD6-F019-4C1D-9875-CEC63D4A61A4}"/>
+                <a16:creationId xmlns:a16="http://schemas.microsoft.com/office/drawing/2014/main" id="{C73A7129-FD44-4EE7-A304-672524471BF4}"/>
               </a:ext>
             </a:extLst>
           </p:cNvPr>
@@ -2581,15 +2451,16 @@
           </p:cNvPicPr>
           <p:nvPr/>
         </p:nvPicPr>
-        <p:blipFill rotWithShape="1">
+        <p:blipFill>
           <a:blip r:embed="rId2"/>
-          <a:srcRect t="4126"/>
-          <a:stretch/>
+          <a:stretch>
+            <a:fillRect/>
+          </a:stretch>
         </p:blipFill>
         <p:spPr>
           <a:xfrm>
-            <a:off x="413594" y="1403286"/>
-            <a:ext cx="11208038" cy="5259403"/>
+            <a:off x="263292" y="1082428"/>
+            <a:ext cx="11665415" cy="5670797"/>
           </a:xfrm>
           <a:prstGeom prst="rect">
             <a:avLst/>
@@ -2919,10 +2790,10 @@
       </p:sp>
       <p:pic>
         <p:nvPicPr>
-          <p:cNvPr id="9" name="Picture 8">
+          <p:cNvPr id="3" name="Picture 2">
             <a:extLst>
               <a:ext uri="{FF2B5EF4-FFF2-40B4-BE49-F238E27FC236}">
-                <a16:creationId xmlns:a16="http://schemas.microsoft.com/office/drawing/2014/main" id="{9CCD30AA-CA4C-4301-8379-F2F61E9DBBD6}"/>
+                <a16:creationId xmlns:a16="http://schemas.microsoft.com/office/drawing/2014/main" id="{F7CD454F-036A-48B5-AD13-B12CF4FA70FE}"/>
               </a:ext>
             </a:extLst>
           </p:cNvPr>
@@ -2933,13 +2804,13 @@
         </p:nvPicPr>
         <p:blipFill rotWithShape="1">
           <a:blip r:embed="rId4"/>
-          <a:srcRect l="14766" t="20147" r="30937" b="30403"/>
+          <a:srcRect l="14703" t="12002" r="13935" b="10093"/>
           <a:stretch/>
         </p:blipFill>
         <p:spPr>
           <a:xfrm>
-            <a:off x="263809" y="926016"/>
-            <a:ext cx="5832191" cy="2543756"/>
+            <a:off x="5423026" y="3244219"/>
+            <a:ext cx="5981725" cy="3174486"/>
           </a:xfrm>
           <a:prstGeom prst="rect">
             <a:avLst/>
@@ -2955,10 +2826,10 @@
       </p:pic>
       <p:pic>
         <p:nvPicPr>
-          <p:cNvPr id="2" name="Picture 1">
+          <p:cNvPr id="9" name="Picture 8">
             <a:extLst>
               <a:ext uri="{FF2B5EF4-FFF2-40B4-BE49-F238E27FC236}">
-                <a16:creationId xmlns:a16="http://schemas.microsoft.com/office/drawing/2014/main" id="{E7BF05F5-083B-498A-A614-C6380B8FE809}"/>
+                <a16:creationId xmlns:a16="http://schemas.microsoft.com/office/drawing/2014/main" id="{9CCD30AA-CA4C-4301-8379-F2F61E9DBBD6}"/>
               </a:ext>
             </a:extLst>
           </p:cNvPr>
@@ -2969,13 +2840,13 @@
         </p:nvPicPr>
         <p:blipFill rotWithShape="1">
           <a:blip r:embed="rId5"/>
-          <a:srcRect l="9333" t="20290" r="15666" b="24206"/>
+          <a:srcRect l="14766" t="20147" r="30937" b="30403"/>
           <a:stretch/>
         </p:blipFill>
         <p:spPr>
           <a:xfrm>
-            <a:off x="4668519" y="3846883"/>
-            <a:ext cx="7240990" cy="2622847"/>
+            <a:off x="263809" y="926016"/>
+            <a:ext cx="5832191" cy="2543756"/>
           </a:xfrm>
           <a:prstGeom prst="rect">
             <a:avLst/>

--- a/models/simscape/analysis/analysis.pptx
+++ b/models/simscape/analysis/analysis.pptx
@@ -20,6 +20,8 @@
     <p:sldId id="271" r:id="rId14"/>
     <p:sldId id="272" r:id="rId15"/>
     <p:sldId id="273" r:id="rId16"/>
+    <p:sldId id="274" r:id="rId17"/>
+    <p:sldId id="275" r:id="rId18"/>
   </p:sldIdLst>
   <p:sldSz cx="12192000" cy="6858000"/>
   <p:notesSz cx="6858000" cy="9144000"/>
@@ -2373,6 +2375,204 @@
 </p:sld>
 </file>
 
+<file path=ppt/slides/slide16.xml><?xml version="1.0" encoding="utf-8"?>
+<p:sld xmlns:a="http://schemas.openxmlformats.org/drawingml/2006/main" xmlns:r="http://schemas.openxmlformats.org/officeDocument/2006/relationships" xmlns:p="http://schemas.openxmlformats.org/presentationml/2006/main">
+  <p:cSld>
+    <p:spTree>
+      <p:nvGrpSpPr>
+        <p:cNvPr id="1" name=""/>
+        <p:cNvGrpSpPr/>
+        <p:nvPr/>
+      </p:nvGrpSpPr>
+      <p:grpSpPr>
+        <a:xfrm>
+          <a:off x="0" y="0"/>
+          <a:ext cx="0" cy="0"/>
+          <a:chOff x="0" y="0"/>
+          <a:chExt cx="0" cy="0"/>
+        </a:xfrm>
+      </p:grpSpPr>
+      <p:sp>
+        <p:nvSpPr>
+          <p:cNvPr id="2" name="TextBox 1">
+            <a:extLst>
+              <a:ext uri="{FF2B5EF4-FFF2-40B4-BE49-F238E27FC236}">
+                <a16:creationId xmlns:a16="http://schemas.microsoft.com/office/drawing/2014/main" id="{59E5665D-3379-40D0-8817-FD0C98372C54}"/>
+              </a:ext>
+            </a:extLst>
+          </p:cNvPr>
+          <p:cNvSpPr txBox="1"/>
+          <p:nvPr/>
+        </p:nvSpPr>
+        <p:spPr>
+          <a:xfrm>
+            <a:off x="95250" y="104775"/>
+            <a:ext cx="3972241" cy="523220"/>
+          </a:xfrm>
+          <a:prstGeom prst="rect">
+            <a:avLst/>
+          </a:prstGeom>
+          <a:noFill/>
+        </p:spPr>
+        <p:txBody>
+          <a:bodyPr wrap="none" rtlCol="0">
+            <a:spAutoFit/>
+          </a:bodyPr>
+          <a:lstStyle/>
+          <a:p>
+            <a:r>
+              <a:rPr lang="en-US" sz="2800" b="1" dirty="0">
+                <a:solidFill>
+                  <a:srgbClr val="0070C0"/>
+                </a:solidFill>
+              </a:rPr>
+              <a:t>CP + CFB: Volume Control</a:t>
+            </a:r>
+          </a:p>
+        </p:txBody>
+      </p:sp>
+      <p:pic>
+        <p:nvPicPr>
+          <p:cNvPr id="5" name="Picture 4">
+            <a:extLst>
+              <a:ext uri="{FF2B5EF4-FFF2-40B4-BE49-F238E27FC236}">
+                <a16:creationId xmlns:a16="http://schemas.microsoft.com/office/drawing/2014/main" id="{8887E1BC-C4FC-4F42-A245-9AD46A32CB96}"/>
+              </a:ext>
+            </a:extLst>
+          </p:cNvPr>
+          <p:cNvPicPr>
+            <a:picLocks noChangeAspect="1"/>
+          </p:cNvPicPr>
+          <p:nvPr/>
+        </p:nvPicPr>
+        <p:blipFill>
+          <a:blip r:embed="rId2"/>
+          <a:stretch>
+            <a:fillRect/>
+          </a:stretch>
+        </p:blipFill>
+        <p:spPr>
+          <a:xfrm>
+            <a:off x="402336" y="877824"/>
+            <a:ext cx="10560653" cy="5860066"/>
+          </a:xfrm>
+          <a:prstGeom prst="rect">
+            <a:avLst/>
+          </a:prstGeom>
+        </p:spPr>
+      </p:pic>
+    </p:spTree>
+    <p:extLst>
+      <p:ext uri="{BB962C8B-B14F-4D97-AF65-F5344CB8AC3E}">
+        <p14:creationId xmlns:p14="http://schemas.microsoft.com/office/powerpoint/2010/main" val="1360289749"/>
+      </p:ext>
+    </p:extLst>
+  </p:cSld>
+  <p:clrMapOvr>
+    <a:masterClrMapping/>
+  </p:clrMapOvr>
+</p:sld>
+</file>
+
+<file path=ppt/slides/slide17.xml><?xml version="1.0" encoding="utf-8"?>
+<p:sld xmlns:a="http://schemas.openxmlformats.org/drawingml/2006/main" xmlns:r="http://schemas.openxmlformats.org/officeDocument/2006/relationships" xmlns:p="http://schemas.openxmlformats.org/presentationml/2006/main">
+  <p:cSld>
+    <p:spTree>
+      <p:nvGrpSpPr>
+        <p:cNvPr id="1" name=""/>
+        <p:cNvGrpSpPr/>
+        <p:nvPr/>
+      </p:nvGrpSpPr>
+      <p:grpSpPr>
+        <a:xfrm>
+          <a:off x="0" y="0"/>
+          <a:ext cx="0" cy="0"/>
+          <a:chOff x="0" y="0"/>
+          <a:chExt cx="0" cy="0"/>
+        </a:xfrm>
+      </p:grpSpPr>
+      <p:sp>
+        <p:nvSpPr>
+          <p:cNvPr id="2" name="TextBox 1">
+            <a:extLst>
+              <a:ext uri="{FF2B5EF4-FFF2-40B4-BE49-F238E27FC236}">
+                <a16:creationId xmlns:a16="http://schemas.microsoft.com/office/drawing/2014/main" id="{59E5665D-3379-40D0-8817-FD0C98372C54}"/>
+              </a:ext>
+            </a:extLst>
+          </p:cNvPr>
+          <p:cNvSpPr txBox="1"/>
+          <p:nvPr/>
+        </p:nvSpPr>
+        <p:spPr>
+          <a:xfrm>
+            <a:off x="95250" y="104775"/>
+            <a:ext cx="4110677" cy="523220"/>
+          </a:xfrm>
+          <a:prstGeom prst="rect">
+            <a:avLst/>
+          </a:prstGeom>
+          <a:noFill/>
+        </p:spPr>
+        <p:txBody>
+          <a:bodyPr wrap="none" rtlCol="0">
+            <a:spAutoFit/>
+          </a:bodyPr>
+          <a:lstStyle/>
+          <a:p>
+            <a:r>
+              <a:rPr lang="en-US" sz="2800" b="1" dirty="0">
+                <a:solidFill>
+                  <a:srgbClr val="0070C0"/>
+                </a:solidFill>
+              </a:rPr>
+              <a:t>CP + CFB: Pressure Control</a:t>
+            </a:r>
+          </a:p>
+        </p:txBody>
+      </p:sp>
+      <p:pic>
+        <p:nvPicPr>
+          <p:cNvPr id="3" name="Picture 2">
+            <a:extLst>
+              <a:ext uri="{FF2B5EF4-FFF2-40B4-BE49-F238E27FC236}">
+                <a16:creationId xmlns:a16="http://schemas.microsoft.com/office/drawing/2014/main" id="{D19EFB10-2D00-4AB7-83F4-6B2C48DF44FF}"/>
+              </a:ext>
+            </a:extLst>
+          </p:cNvPr>
+          <p:cNvPicPr>
+            <a:picLocks noChangeAspect="1"/>
+          </p:cNvPicPr>
+          <p:nvPr/>
+        </p:nvPicPr>
+        <p:blipFill>
+          <a:blip r:embed="rId2"/>
+          <a:stretch>
+            <a:fillRect/>
+          </a:stretch>
+        </p:blipFill>
+        <p:spPr>
+          <a:xfrm>
+            <a:off x="402336" y="877824"/>
+            <a:ext cx="10560653" cy="5860066"/>
+          </a:xfrm>
+          <a:prstGeom prst="rect">
+            <a:avLst/>
+          </a:prstGeom>
+        </p:spPr>
+      </p:pic>
+    </p:spTree>
+    <p:extLst>
+      <p:ext uri="{BB962C8B-B14F-4D97-AF65-F5344CB8AC3E}">
+        <p14:creationId xmlns:p14="http://schemas.microsoft.com/office/powerpoint/2010/main" val="1573749908"/>
+      </p:ext>
+    </p:extLst>
+  </p:cSld>
+  <p:clrMapOvr>
+    <a:masterClrMapping/>
+  </p:clrMapOvr>
+</p:sld>
+</file>
+
 <file path=ppt/slides/slide2.xml><?xml version="1.0" encoding="utf-8"?>
 <p:sld xmlns:a="http://schemas.openxmlformats.org/drawingml/2006/main" xmlns:r="http://schemas.openxmlformats.org/officeDocument/2006/relationships" xmlns:p="http://schemas.openxmlformats.org/presentationml/2006/main">
   <p:cSld>

--- a/models/simscape/analysis/analysis.pptx
+++ b/models/simscape/analysis/analysis.pptx
@@ -22,6 +22,10 @@
     <p:sldId id="273" r:id="rId16"/>
     <p:sldId id="274" r:id="rId17"/>
     <p:sldId id="275" r:id="rId18"/>
+    <p:sldId id="278" r:id="rId19"/>
+    <p:sldId id="279" r:id="rId20"/>
+    <p:sldId id="276" r:id="rId21"/>
+    <p:sldId id="277" r:id="rId22"/>
   </p:sldIdLst>
   <p:sldSz cx="12192000" cy="6858000"/>
   <p:notesSz cx="6858000" cy="9144000"/>
@@ -2573,6 +2577,212 @@
 </p:sld>
 </file>
 
+<file path=ppt/slides/slide18.xml><?xml version="1.0" encoding="utf-8"?>
+<p:sld xmlns:a="http://schemas.openxmlformats.org/drawingml/2006/main" xmlns:r="http://schemas.openxmlformats.org/officeDocument/2006/relationships" xmlns:p="http://schemas.openxmlformats.org/presentationml/2006/main">
+  <p:cSld>
+    <p:spTree>
+      <p:nvGrpSpPr>
+        <p:cNvPr id="1" name=""/>
+        <p:cNvGrpSpPr/>
+        <p:nvPr/>
+      </p:nvGrpSpPr>
+      <p:grpSpPr>
+        <a:xfrm>
+          <a:off x="0" y="0"/>
+          <a:ext cx="0" cy="0"/>
+          <a:chOff x="0" y="0"/>
+          <a:chExt cx="0" cy="0"/>
+        </a:xfrm>
+      </p:grpSpPr>
+      <p:sp>
+        <p:nvSpPr>
+          <p:cNvPr id="2" name="TextBox 1">
+            <a:extLst>
+              <a:ext uri="{FF2B5EF4-FFF2-40B4-BE49-F238E27FC236}">
+                <a16:creationId xmlns:a16="http://schemas.microsoft.com/office/drawing/2014/main" id="{E5542B49-B554-420F-B437-801A3D42C308}"/>
+              </a:ext>
+            </a:extLst>
+          </p:cNvPr>
+          <p:cNvSpPr txBox="1"/>
+          <p:nvPr/>
+        </p:nvSpPr>
+        <p:spPr>
+          <a:xfrm>
+            <a:off x="95250" y="104775"/>
+            <a:ext cx="4554388" cy="523220"/>
+          </a:xfrm>
+          <a:prstGeom prst="rect">
+            <a:avLst/>
+          </a:prstGeom>
+          <a:noFill/>
+        </p:spPr>
+        <p:txBody>
+          <a:bodyPr wrap="none" rtlCol="0">
+            <a:spAutoFit/>
+          </a:bodyPr>
+          <a:lstStyle/>
+          <a:p>
+            <a:r>
+              <a:rPr lang="en-US" sz="2800" b="1" dirty="0" err="1">
+                <a:solidFill>
+                  <a:srgbClr val="0070C0"/>
+                </a:solidFill>
+              </a:rPr>
+              <a:t>Simscape</a:t>
+            </a:r>
+            <a:r>
+              <a:rPr lang="en-US" sz="2800" b="1" dirty="0">
+                <a:solidFill>
+                  <a:srgbClr val="0070C0"/>
+                </a:solidFill>
+              </a:rPr>
+              <a:t> Model (w/ sensors)</a:t>
+            </a:r>
+          </a:p>
+        </p:txBody>
+      </p:sp>
+      <p:pic>
+        <p:nvPicPr>
+          <p:cNvPr id="3" name="Picture 2">
+            <a:extLst>
+              <a:ext uri="{FF2B5EF4-FFF2-40B4-BE49-F238E27FC236}">
+                <a16:creationId xmlns:a16="http://schemas.microsoft.com/office/drawing/2014/main" id="{28E3E967-45AC-4036-A5AA-35741D62C58B}"/>
+              </a:ext>
+            </a:extLst>
+          </p:cNvPr>
+          <p:cNvPicPr>
+            <a:picLocks noChangeAspect="1"/>
+          </p:cNvPicPr>
+          <p:nvPr/>
+        </p:nvPicPr>
+        <p:blipFill>
+          <a:blip r:embed="rId2"/>
+          <a:stretch>
+            <a:fillRect/>
+          </a:stretch>
+        </p:blipFill>
+        <p:spPr>
+          <a:xfrm>
+            <a:off x="778599" y="1127239"/>
+            <a:ext cx="10270353" cy="5536112"/>
+          </a:xfrm>
+          <a:prstGeom prst="rect">
+            <a:avLst/>
+          </a:prstGeom>
+        </p:spPr>
+      </p:pic>
+    </p:spTree>
+    <p:extLst>
+      <p:ext uri="{BB962C8B-B14F-4D97-AF65-F5344CB8AC3E}">
+        <p14:creationId xmlns:p14="http://schemas.microsoft.com/office/powerpoint/2010/main" val="2464479170"/>
+      </p:ext>
+    </p:extLst>
+  </p:cSld>
+  <p:clrMapOvr>
+    <a:masterClrMapping/>
+  </p:clrMapOvr>
+</p:sld>
+</file>
+
+<file path=ppt/slides/slide19.xml><?xml version="1.0" encoding="utf-8"?>
+<p:sld xmlns:a="http://schemas.openxmlformats.org/drawingml/2006/main" xmlns:r="http://schemas.openxmlformats.org/officeDocument/2006/relationships" xmlns:p="http://schemas.openxmlformats.org/presentationml/2006/main">
+  <p:cSld>
+    <p:spTree>
+      <p:nvGrpSpPr>
+        <p:cNvPr id="1" name=""/>
+        <p:cNvGrpSpPr/>
+        <p:nvPr/>
+      </p:nvGrpSpPr>
+      <p:grpSpPr>
+        <a:xfrm>
+          <a:off x="0" y="0"/>
+          <a:ext cx="0" cy="0"/>
+          <a:chOff x="0" y="0"/>
+          <a:chExt cx="0" cy="0"/>
+        </a:xfrm>
+      </p:grpSpPr>
+      <p:pic>
+        <p:nvPicPr>
+          <p:cNvPr id="2" name="Picture 1">
+            <a:extLst>
+              <a:ext uri="{FF2B5EF4-FFF2-40B4-BE49-F238E27FC236}">
+                <a16:creationId xmlns:a16="http://schemas.microsoft.com/office/drawing/2014/main" id="{8B30355C-F631-4608-9590-95FBC17C1F6D}"/>
+              </a:ext>
+            </a:extLst>
+          </p:cNvPr>
+          <p:cNvPicPr>
+            <a:picLocks noChangeAspect="1"/>
+          </p:cNvPicPr>
+          <p:nvPr/>
+        </p:nvPicPr>
+        <p:blipFill>
+          <a:blip r:embed="rId2"/>
+          <a:stretch>
+            <a:fillRect/>
+          </a:stretch>
+        </p:blipFill>
+        <p:spPr>
+          <a:xfrm>
+            <a:off x="642796" y="1114950"/>
+            <a:ext cx="10254558" cy="5527598"/>
+          </a:xfrm>
+          <a:prstGeom prst="rect">
+            <a:avLst/>
+          </a:prstGeom>
+        </p:spPr>
+      </p:pic>
+      <p:sp>
+        <p:nvSpPr>
+          <p:cNvPr id="3" name="TextBox 2">
+            <a:extLst>
+              <a:ext uri="{FF2B5EF4-FFF2-40B4-BE49-F238E27FC236}">
+                <a16:creationId xmlns:a16="http://schemas.microsoft.com/office/drawing/2014/main" id="{324A01C3-CCD3-4EDF-AFF8-1B2B5F228D3E}"/>
+              </a:ext>
+            </a:extLst>
+          </p:cNvPr>
+          <p:cNvSpPr txBox="1"/>
+          <p:nvPr/>
+        </p:nvSpPr>
+        <p:spPr>
+          <a:xfrm>
+            <a:off x="95250" y="104775"/>
+            <a:ext cx="1683794" cy="523220"/>
+          </a:xfrm>
+          <a:prstGeom prst="rect">
+            <a:avLst/>
+          </a:prstGeom>
+          <a:noFill/>
+        </p:spPr>
+        <p:txBody>
+          <a:bodyPr wrap="none" rtlCol="0">
+            <a:spAutoFit/>
+          </a:bodyPr>
+          <a:lstStyle/>
+          <a:p>
+            <a:r>
+              <a:rPr lang="en-US" sz="2800" b="1" dirty="0">
+                <a:solidFill>
+                  <a:srgbClr val="0070C0"/>
+                </a:solidFill>
+              </a:rPr>
+              <a:t>Controller</a:t>
+            </a:r>
+          </a:p>
+        </p:txBody>
+      </p:sp>
+    </p:spTree>
+    <p:extLst>
+      <p:ext uri="{BB962C8B-B14F-4D97-AF65-F5344CB8AC3E}">
+        <p14:creationId xmlns:p14="http://schemas.microsoft.com/office/powerpoint/2010/main" val="3844403784"/>
+      </p:ext>
+    </p:extLst>
+  </p:cSld>
+  <p:clrMapOvr>
+    <a:masterClrMapping/>
+  </p:clrMapOvr>
+</p:sld>
+</file>
+
 <file path=ppt/slides/slide2.xml><?xml version="1.0" encoding="utf-8"?>
 <p:sld xmlns:a="http://schemas.openxmlformats.org/drawingml/2006/main" xmlns:r="http://schemas.openxmlformats.org/officeDocument/2006/relationships" xmlns:p="http://schemas.openxmlformats.org/presentationml/2006/main">
   <p:cSld>
@@ -2671,6 +2881,204 @@
     <p:extLst>
       <p:ext uri="{BB962C8B-B14F-4D97-AF65-F5344CB8AC3E}">
         <p14:creationId xmlns:p14="http://schemas.microsoft.com/office/powerpoint/2010/main" val="1611541614"/>
+      </p:ext>
+    </p:extLst>
+  </p:cSld>
+  <p:clrMapOvr>
+    <a:masterClrMapping/>
+  </p:clrMapOvr>
+</p:sld>
+</file>
+
+<file path=ppt/slides/slide20.xml><?xml version="1.0" encoding="utf-8"?>
+<p:sld xmlns:a="http://schemas.openxmlformats.org/drawingml/2006/main" xmlns:r="http://schemas.openxmlformats.org/officeDocument/2006/relationships" xmlns:p="http://schemas.openxmlformats.org/presentationml/2006/main">
+  <p:cSld>
+    <p:spTree>
+      <p:nvGrpSpPr>
+        <p:cNvPr id="1" name=""/>
+        <p:cNvGrpSpPr/>
+        <p:nvPr/>
+      </p:nvGrpSpPr>
+      <p:grpSpPr>
+        <a:xfrm>
+          <a:off x="0" y="0"/>
+          <a:ext cx="0" cy="0"/>
+          <a:chOff x="0" y="0"/>
+          <a:chExt cx="0" cy="0"/>
+        </a:xfrm>
+      </p:grpSpPr>
+      <p:sp>
+        <p:nvSpPr>
+          <p:cNvPr id="2" name="TextBox 1">
+            <a:extLst>
+              <a:ext uri="{FF2B5EF4-FFF2-40B4-BE49-F238E27FC236}">
+                <a16:creationId xmlns:a16="http://schemas.microsoft.com/office/drawing/2014/main" id="{59E5665D-3379-40D0-8817-FD0C98372C54}"/>
+              </a:ext>
+            </a:extLst>
+          </p:cNvPr>
+          <p:cNvSpPr txBox="1"/>
+          <p:nvPr/>
+        </p:nvSpPr>
+        <p:spPr>
+          <a:xfrm>
+            <a:off x="95250" y="104775"/>
+            <a:ext cx="5926751" cy="523220"/>
+          </a:xfrm>
+          <a:prstGeom prst="rect">
+            <a:avLst/>
+          </a:prstGeom>
+          <a:noFill/>
+        </p:spPr>
+        <p:txBody>
+          <a:bodyPr wrap="none" rtlCol="0">
+            <a:spAutoFit/>
+          </a:bodyPr>
+          <a:lstStyle/>
+          <a:p>
+            <a:r>
+              <a:rPr lang="en-US" sz="2800" b="1" dirty="0">
+                <a:solidFill>
+                  <a:srgbClr val="0070C0"/>
+                </a:solidFill>
+              </a:rPr>
+              <a:t>AP + CFB: Volume Control (w/ sensors)</a:t>
+            </a:r>
+          </a:p>
+        </p:txBody>
+      </p:sp>
+      <p:pic>
+        <p:nvPicPr>
+          <p:cNvPr id="4" name="Picture 3">
+            <a:extLst>
+              <a:ext uri="{FF2B5EF4-FFF2-40B4-BE49-F238E27FC236}">
+                <a16:creationId xmlns:a16="http://schemas.microsoft.com/office/drawing/2014/main" id="{55B8FC0C-D929-4D37-9AB6-BA4E9AE739D6}"/>
+              </a:ext>
+            </a:extLst>
+          </p:cNvPr>
+          <p:cNvPicPr>
+            <a:picLocks noChangeAspect="1"/>
+          </p:cNvPicPr>
+          <p:nvPr/>
+        </p:nvPicPr>
+        <p:blipFill>
+          <a:blip r:embed="rId2"/>
+          <a:stretch>
+            <a:fillRect/>
+          </a:stretch>
+        </p:blipFill>
+        <p:spPr>
+          <a:xfrm>
+            <a:off x="402336" y="877824"/>
+            <a:ext cx="10560653" cy="5860066"/>
+          </a:xfrm>
+          <a:prstGeom prst="rect">
+            <a:avLst/>
+          </a:prstGeom>
+        </p:spPr>
+      </p:pic>
+    </p:spTree>
+    <p:extLst>
+      <p:ext uri="{BB962C8B-B14F-4D97-AF65-F5344CB8AC3E}">
+        <p14:creationId xmlns:p14="http://schemas.microsoft.com/office/powerpoint/2010/main" val="3517033425"/>
+      </p:ext>
+    </p:extLst>
+  </p:cSld>
+  <p:clrMapOvr>
+    <a:masterClrMapping/>
+  </p:clrMapOvr>
+</p:sld>
+</file>
+
+<file path=ppt/slides/slide21.xml><?xml version="1.0" encoding="utf-8"?>
+<p:sld xmlns:a="http://schemas.openxmlformats.org/drawingml/2006/main" xmlns:r="http://schemas.openxmlformats.org/officeDocument/2006/relationships" xmlns:p="http://schemas.openxmlformats.org/presentationml/2006/main">
+  <p:cSld>
+    <p:spTree>
+      <p:nvGrpSpPr>
+        <p:cNvPr id="1" name=""/>
+        <p:cNvGrpSpPr/>
+        <p:nvPr/>
+      </p:nvGrpSpPr>
+      <p:grpSpPr>
+        <a:xfrm>
+          <a:off x="0" y="0"/>
+          <a:ext cx="0" cy="0"/>
+          <a:chOff x="0" y="0"/>
+          <a:chExt cx="0" cy="0"/>
+        </a:xfrm>
+      </p:grpSpPr>
+      <p:sp>
+        <p:nvSpPr>
+          <p:cNvPr id="2" name="TextBox 1">
+            <a:extLst>
+              <a:ext uri="{FF2B5EF4-FFF2-40B4-BE49-F238E27FC236}">
+                <a16:creationId xmlns:a16="http://schemas.microsoft.com/office/drawing/2014/main" id="{59E5665D-3379-40D0-8817-FD0C98372C54}"/>
+              </a:ext>
+            </a:extLst>
+          </p:cNvPr>
+          <p:cNvSpPr txBox="1"/>
+          <p:nvPr/>
+        </p:nvSpPr>
+        <p:spPr>
+          <a:xfrm>
+            <a:off x="95250" y="104775"/>
+            <a:ext cx="6065187" cy="523220"/>
+          </a:xfrm>
+          <a:prstGeom prst="rect">
+            <a:avLst/>
+          </a:prstGeom>
+          <a:noFill/>
+        </p:spPr>
+        <p:txBody>
+          <a:bodyPr wrap="none" rtlCol="0">
+            <a:spAutoFit/>
+          </a:bodyPr>
+          <a:lstStyle/>
+          <a:p>
+            <a:r>
+              <a:rPr lang="en-US" sz="2800" b="1" dirty="0">
+                <a:solidFill>
+                  <a:srgbClr val="0070C0"/>
+                </a:solidFill>
+              </a:rPr>
+              <a:t>AP + CFB: Pressure Control (w/ sensors)</a:t>
+            </a:r>
+          </a:p>
+        </p:txBody>
+      </p:sp>
+      <p:pic>
+        <p:nvPicPr>
+          <p:cNvPr id="5" name="Picture 4">
+            <a:extLst>
+              <a:ext uri="{FF2B5EF4-FFF2-40B4-BE49-F238E27FC236}">
+                <a16:creationId xmlns:a16="http://schemas.microsoft.com/office/drawing/2014/main" id="{659E3AB1-3941-47C2-A689-6C38BB05744A}"/>
+              </a:ext>
+            </a:extLst>
+          </p:cNvPr>
+          <p:cNvPicPr>
+            <a:picLocks noChangeAspect="1"/>
+          </p:cNvPicPr>
+          <p:nvPr/>
+        </p:nvPicPr>
+        <p:blipFill>
+          <a:blip r:embed="rId2"/>
+          <a:stretch>
+            <a:fillRect/>
+          </a:stretch>
+        </p:blipFill>
+        <p:spPr>
+          <a:xfrm>
+            <a:off x="402336" y="877824"/>
+            <a:ext cx="10560653" cy="5860066"/>
+          </a:xfrm>
+          <a:prstGeom prst="rect">
+            <a:avLst/>
+          </a:prstGeom>
+        </p:spPr>
+      </p:pic>
+    </p:spTree>
+    <p:extLst>
+      <p:ext uri="{BB962C8B-B14F-4D97-AF65-F5344CB8AC3E}">
+        <p14:creationId xmlns:p14="http://schemas.microsoft.com/office/powerpoint/2010/main" val="2587667636"/>
       </p:ext>
     </p:extLst>
   </p:cSld>

--- a/models/simscape/analysis/analysis.pptx
+++ b/models/simscape/analysis/analysis.pptx
@@ -25,7 +25,9 @@
     <p:sldId id="278" r:id="rId19"/>
     <p:sldId id="279" r:id="rId20"/>
     <p:sldId id="276" r:id="rId21"/>
-    <p:sldId id="277" r:id="rId22"/>
+    <p:sldId id="282" r:id="rId22"/>
+    <p:sldId id="280" r:id="rId23"/>
+    <p:sldId id="281" r:id="rId24"/>
   </p:sldIdLst>
   <p:sldSz cx="12192000" cy="6858000"/>
   <p:notesSz cx="6858000" cy="9144000"/>
@@ -2609,7 +2611,7 @@
         <p:spPr>
           <a:xfrm>
             <a:off x="95250" y="104775"/>
-            <a:ext cx="4554388" cy="523220"/>
+            <a:ext cx="3869521" cy="523220"/>
           </a:xfrm>
           <a:prstGeom prst="rect">
             <a:avLst/>
@@ -2636,7 +2638,15 @@
                   <a:srgbClr val="0070C0"/>
                 </a:solidFill>
               </a:rPr>
-              <a:t> Model (w/ sensors)</a:t>
+              <a:t> Model </a:t>
+            </a:r>
+            <a:r>
+              <a:rPr lang="en-US" sz="2000" b="1" dirty="0">
+                <a:solidFill>
+                  <a:srgbClr val="0070C0"/>
+                </a:solidFill>
+              </a:rPr>
+              <a:t>w/ sensors</a:t>
             </a:r>
           </a:p>
         </p:txBody>
@@ -2922,7 +2932,7 @@
         <p:spPr>
           <a:xfrm>
             <a:off x="95250" y="104775"/>
-            <a:ext cx="5926751" cy="523220"/>
+            <a:ext cx="5402184" cy="523220"/>
           </a:xfrm>
           <a:prstGeom prst="rect">
             <a:avLst/>
@@ -2941,17 +2951,30 @@
                   <a:srgbClr val="0070C0"/>
                 </a:solidFill>
               </a:rPr>
-              <a:t>AP + CFB: Volume Control (w/ sensors)</a:t>
+              <a:t>AP + CFB: Volume Control </a:t>
             </a:r>
+            <a:r>
+              <a:rPr lang="en-US" sz="2000" b="1" dirty="0">
+                <a:solidFill>
+                  <a:srgbClr val="0070C0"/>
+                </a:solidFill>
+              </a:rPr>
+              <a:t>w/ sensors</a:t>
+            </a:r>
+            <a:endParaRPr lang="en-US" sz="2800" b="1" dirty="0">
+              <a:solidFill>
+                <a:srgbClr val="0070C0"/>
+              </a:solidFill>
+            </a:endParaRPr>
           </a:p>
         </p:txBody>
       </p:sp>
       <p:pic>
         <p:nvPicPr>
-          <p:cNvPr id="4" name="Picture 3">
+          <p:cNvPr id="3" name="Picture 2">
             <a:extLst>
               <a:ext uri="{FF2B5EF4-FFF2-40B4-BE49-F238E27FC236}">
-                <a16:creationId xmlns:a16="http://schemas.microsoft.com/office/drawing/2014/main" id="{55B8FC0C-D929-4D37-9AB6-BA4E9AE739D6}"/>
+                <a16:creationId xmlns:a16="http://schemas.microsoft.com/office/drawing/2014/main" id="{4EEF5266-E541-4E15-B49A-B5D53BA7C167}"/>
               </a:ext>
             </a:extLst>
           </p:cNvPr>
@@ -3008,10 +3031,10 @@
       </p:grpSpPr>
       <p:sp>
         <p:nvSpPr>
-          <p:cNvPr id="2" name="TextBox 1">
+          <p:cNvPr id="4" name="TextBox 3">
             <a:extLst>
               <a:ext uri="{FF2B5EF4-FFF2-40B4-BE49-F238E27FC236}">
-                <a16:creationId xmlns:a16="http://schemas.microsoft.com/office/drawing/2014/main" id="{59E5665D-3379-40D0-8817-FD0C98372C54}"/>
+                <a16:creationId xmlns:a16="http://schemas.microsoft.com/office/drawing/2014/main" id="{F45F2009-1C5C-4A0A-95DB-F8B67E9C5C53}"/>
               </a:ext>
             </a:extLst>
           </p:cNvPr>
@@ -3021,7 +3044,7 @@
         <p:spPr>
           <a:xfrm>
             <a:off x="95250" y="104775"/>
-            <a:ext cx="6065187" cy="523220"/>
+            <a:ext cx="8059835" cy="523220"/>
           </a:xfrm>
           <a:prstGeom prst="rect">
             <a:avLst/>
@@ -3040,17 +3063,415 @@
                   <a:srgbClr val="0070C0"/>
                 </a:solidFill>
               </a:rPr>
-              <a:t>AP + CFB: Pressure Control (w/ sensors)</a:t>
+              <a:t>AP + CFB: Pressure Control </a:t>
+            </a:r>
+            <a:r>
+              <a:rPr lang="en-US" sz="2000" b="1" dirty="0">
+                <a:solidFill>
+                  <a:srgbClr val="0070C0"/>
+                </a:solidFill>
+              </a:rPr>
+              <a:t>w/ feedback-filtering, input-shaping</a:t>
             </a:r>
           </a:p>
         </p:txBody>
       </p:sp>
+      <p:grpSp>
+        <p:nvGrpSpPr>
+          <p:cNvPr id="2" name="Group 1">
+            <a:extLst>
+              <a:ext uri="{FF2B5EF4-FFF2-40B4-BE49-F238E27FC236}">
+                <a16:creationId xmlns:a16="http://schemas.microsoft.com/office/drawing/2014/main" id="{AB92549B-C634-4958-ABE6-183346A7F910}"/>
+              </a:ext>
+            </a:extLst>
+          </p:cNvPr>
+          <p:cNvGrpSpPr/>
+          <p:nvPr/>
+        </p:nvGrpSpPr>
+        <p:grpSpPr>
+          <a:xfrm>
+            <a:off x="402336" y="877824"/>
+            <a:ext cx="10560653" cy="5860066"/>
+            <a:chOff x="402336" y="877824"/>
+            <a:chExt cx="10560653" cy="5860066"/>
+          </a:xfrm>
+        </p:grpSpPr>
+        <p:pic>
+          <p:nvPicPr>
+            <p:cNvPr id="3" name="Picture 2">
+              <a:extLst>
+                <a:ext uri="{FF2B5EF4-FFF2-40B4-BE49-F238E27FC236}">
+                  <a16:creationId xmlns:a16="http://schemas.microsoft.com/office/drawing/2014/main" id="{F07DD9ED-377B-4351-B02D-6BFD0F46A56E}"/>
+                </a:ext>
+              </a:extLst>
+            </p:cNvPr>
+            <p:cNvPicPr>
+              <a:picLocks noChangeAspect="1"/>
+            </p:cNvPicPr>
+            <p:nvPr/>
+          </p:nvPicPr>
+          <p:blipFill>
+            <a:blip r:embed="rId2"/>
+            <a:stretch>
+              <a:fillRect/>
+            </a:stretch>
+          </p:blipFill>
+          <p:spPr>
+            <a:xfrm>
+              <a:off x="402336" y="877824"/>
+              <a:ext cx="10560653" cy="5860066"/>
+            </a:xfrm>
+            <a:prstGeom prst="rect">
+              <a:avLst/>
+            </a:prstGeom>
+          </p:spPr>
+        </p:pic>
+        <p:sp>
+          <p:nvSpPr>
+            <p:cNvPr id="5" name="TextBox 4">
+              <a:extLst>
+                <a:ext uri="{FF2B5EF4-FFF2-40B4-BE49-F238E27FC236}">
+                  <a16:creationId xmlns:a16="http://schemas.microsoft.com/office/drawing/2014/main" id="{CF5901D5-ECE4-4F00-9395-CF36A9FCE786}"/>
+                </a:ext>
+              </a:extLst>
+            </p:cNvPr>
+            <p:cNvSpPr txBox="1"/>
+            <p:nvPr/>
+          </p:nvSpPr>
+          <p:spPr>
+            <a:xfrm>
+              <a:off x="8390305" y="4544840"/>
+              <a:ext cx="2476897" cy="1938992"/>
+            </a:xfrm>
+            <a:prstGeom prst="rect">
+              <a:avLst/>
+            </a:prstGeom>
+            <a:solidFill>
+              <a:schemeClr val="bg1"/>
+            </a:solidFill>
+            <a:ln>
+              <a:solidFill>
+                <a:schemeClr val="accent1"/>
+              </a:solidFill>
+            </a:ln>
+          </p:spPr>
+          <p:txBody>
+            <a:bodyPr wrap="none" rtlCol="0">
+              <a:spAutoFit/>
+            </a:bodyPr>
+            <a:lstStyle/>
+            <a:p>
+              <a:r>
+                <a:rPr lang="en-US" dirty="0"/>
+                <a:t>Feedback Filtering</a:t>
+              </a:r>
+            </a:p>
+            <a:p>
+              <a:pPr marL="285750" indent="-285750">
+                <a:buFont typeface="Arial" panose="020B0604020202020204" pitchFamily="34" charset="0"/>
+                <a:buChar char="•"/>
+              </a:pPr>
+              <a:r>
+                <a:rPr lang="en-US" sz="1400" dirty="0"/>
+                <a:t>IIR 2</a:t>
+              </a:r>
+              <a:r>
+                <a:rPr lang="en-US" sz="1400" baseline="30000" dirty="0"/>
+                <a:t>nd</a:t>
+              </a:r>
+              <a:r>
+                <a:rPr lang="en-US" sz="1400" dirty="0"/>
+                <a:t> order</a:t>
+              </a:r>
+            </a:p>
+            <a:p>
+              <a:pPr marL="285750" indent="-285750">
+                <a:buFont typeface="Arial" panose="020B0604020202020204" pitchFamily="34" charset="0"/>
+                <a:buChar char="•"/>
+              </a:pPr>
+              <a:r>
+                <a:rPr lang="en-US" sz="1400" dirty="0"/>
+                <a:t>5 Hz cutoff </a:t>
+              </a:r>
+            </a:p>
+            <a:p>
+              <a:pPr marL="285750" indent="-285750">
+                <a:buFont typeface="Arial" panose="020B0604020202020204" pitchFamily="34" charset="0"/>
+                <a:buChar char="•"/>
+              </a:pPr>
+              <a:r>
+                <a:rPr lang="en-US" sz="1400" dirty="0"/>
+                <a:t>25 dB attenuation</a:t>
+              </a:r>
+            </a:p>
+            <a:p>
+              <a:pPr marL="285750" indent="-285750">
+                <a:buFont typeface="Arial" panose="020B0604020202020204" pitchFamily="34" charset="0"/>
+                <a:buChar char="•"/>
+              </a:pPr>
+              <a:r>
+                <a:rPr lang="en-US" sz="1400" dirty="0"/>
+                <a:t>0.1 dB passband max ripple</a:t>
+              </a:r>
+            </a:p>
+            <a:p>
+              <a:pPr marL="285750" indent="-285750">
+                <a:buFont typeface="Arial" panose="020B0604020202020204" pitchFamily="34" charset="0"/>
+                <a:buChar char="•"/>
+              </a:pPr>
+              <a:endParaRPr lang="en-US" sz="1400" dirty="0"/>
+            </a:p>
+            <a:p>
+              <a:r>
+                <a:rPr lang="en-US" dirty="0"/>
+                <a:t>Input Shaping</a:t>
+              </a:r>
+            </a:p>
+            <a:p>
+              <a:pPr marL="285750" indent="-285750">
+                <a:buFont typeface="Arial" panose="020B0604020202020204" pitchFamily="34" charset="0"/>
+                <a:buChar char="•"/>
+              </a:pPr>
+              <a:r>
+                <a:rPr lang="en-US" sz="1400" dirty="0"/>
+                <a:t>Minimum Jerk 3rd order</a:t>
+              </a:r>
+            </a:p>
+          </p:txBody>
+        </p:sp>
+      </p:grpSp>
+    </p:spTree>
+    <p:extLst>
+      <p:ext uri="{BB962C8B-B14F-4D97-AF65-F5344CB8AC3E}">
+        <p14:creationId xmlns:p14="http://schemas.microsoft.com/office/powerpoint/2010/main" val="2232485470"/>
+      </p:ext>
+    </p:extLst>
+  </p:cSld>
+  <p:clrMapOvr>
+    <a:masterClrMapping/>
+  </p:clrMapOvr>
+</p:sld>
+</file>
+
+<file path=ppt/slides/slide22.xml><?xml version="1.0" encoding="utf-8"?>
+<p:sld xmlns:a="http://schemas.openxmlformats.org/drawingml/2006/main" xmlns:r="http://schemas.openxmlformats.org/officeDocument/2006/relationships" xmlns:p="http://schemas.openxmlformats.org/presentationml/2006/main">
+  <p:cSld>
+    <p:spTree>
+      <p:nvGrpSpPr>
+        <p:cNvPr id="1" name=""/>
+        <p:cNvGrpSpPr/>
+        <p:nvPr/>
+      </p:nvGrpSpPr>
+      <p:grpSpPr>
+        <a:xfrm>
+          <a:off x="0" y="0"/>
+          <a:ext cx="0" cy="0"/>
+          <a:chOff x="0" y="0"/>
+          <a:chExt cx="0" cy="0"/>
+        </a:xfrm>
+      </p:grpSpPr>
+      <p:sp>
+        <p:nvSpPr>
+          <p:cNvPr id="2" name="TextBox 1">
+            <a:extLst>
+              <a:ext uri="{FF2B5EF4-FFF2-40B4-BE49-F238E27FC236}">
+                <a16:creationId xmlns:a16="http://schemas.microsoft.com/office/drawing/2014/main" id="{59E5665D-3379-40D0-8817-FD0C98372C54}"/>
+              </a:ext>
+            </a:extLst>
+          </p:cNvPr>
+          <p:cNvSpPr txBox="1"/>
+          <p:nvPr/>
+        </p:nvSpPr>
+        <p:spPr>
+          <a:xfrm>
+            <a:off x="95250" y="104775"/>
+            <a:ext cx="9939003" cy="523220"/>
+          </a:xfrm>
+          <a:prstGeom prst="rect">
+            <a:avLst/>
+          </a:prstGeom>
+          <a:noFill/>
+        </p:spPr>
+        <p:txBody>
+          <a:bodyPr wrap="none" rtlCol="0">
+            <a:spAutoFit/>
+          </a:bodyPr>
+          <a:lstStyle/>
+          <a:p>
+            <a:r>
+              <a:rPr lang="en-US" sz="2800" b="1" dirty="0">
+                <a:solidFill>
+                  <a:srgbClr val="0070C0"/>
+                </a:solidFill>
+              </a:rPr>
+              <a:t>AP + CFB: Pressure Control </a:t>
+            </a:r>
+            <a:r>
+              <a:rPr lang="en-US" sz="2000" b="1" dirty="0">
+                <a:solidFill>
+                  <a:srgbClr val="0070C0"/>
+                </a:solidFill>
+              </a:rPr>
+              <a:t>w/ feedback-filtering input-shaping, gain-scheduling</a:t>
+            </a:r>
+          </a:p>
+        </p:txBody>
+      </p:sp>
+      <p:grpSp>
+        <p:nvGrpSpPr>
+          <p:cNvPr id="4" name="Group 3">
+            <a:extLst>
+              <a:ext uri="{FF2B5EF4-FFF2-40B4-BE49-F238E27FC236}">
+                <a16:creationId xmlns:a16="http://schemas.microsoft.com/office/drawing/2014/main" id="{50805AAF-BB2B-4E5E-87AE-E3A9C536BDB3}"/>
+              </a:ext>
+            </a:extLst>
+          </p:cNvPr>
+          <p:cNvGrpSpPr/>
+          <p:nvPr/>
+        </p:nvGrpSpPr>
+        <p:grpSpPr>
+          <a:xfrm>
+            <a:off x="402336" y="877824"/>
+            <a:ext cx="10560653" cy="5860066"/>
+            <a:chOff x="402336" y="877824"/>
+            <a:chExt cx="10560653" cy="5860066"/>
+          </a:xfrm>
+        </p:grpSpPr>
+        <p:pic>
+          <p:nvPicPr>
+            <p:cNvPr id="3" name="Picture 2">
+              <a:extLst>
+                <a:ext uri="{FF2B5EF4-FFF2-40B4-BE49-F238E27FC236}">
+                  <a16:creationId xmlns:a16="http://schemas.microsoft.com/office/drawing/2014/main" id="{D2D4173C-2615-4705-BB4B-464754AA7C41}"/>
+                </a:ext>
+              </a:extLst>
+            </p:cNvPr>
+            <p:cNvPicPr>
+              <a:picLocks noChangeAspect="1"/>
+            </p:cNvPicPr>
+            <p:nvPr/>
+          </p:nvPicPr>
+          <p:blipFill>
+            <a:blip r:embed="rId2"/>
+            <a:stretch>
+              <a:fillRect/>
+            </a:stretch>
+          </p:blipFill>
+          <p:spPr>
+            <a:xfrm>
+              <a:off x="402336" y="877824"/>
+              <a:ext cx="10560653" cy="5860066"/>
+            </a:xfrm>
+            <a:prstGeom prst="rect">
+              <a:avLst/>
+            </a:prstGeom>
+          </p:spPr>
+        </p:pic>
+        <p:sp>
+          <p:nvSpPr>
+            <p:cNvPr id="6" name="TextBox 5">
+              <a:extLst>
+                <a:ext uri="{FF2B5EF4-FFF2-40B4-BE49-F238E27FC236}">
+                  <a16:creationId xmlns:a16="http://schemas.microsoft.com/office/drawing/2014/main" id="{0AB7A68F-6AD3-4C2B-A924-2E18F6114909}"/>
+                </a:ext>
+              </a:extLst>
+            </p:cNvPr>
+            <p:cNvSpPr txBox="1"/>
+            <p:nvPr/>
+          </p:nvSpPr>
+          <p:spPr>
+            <a:xfrm>
+              <a:off x="8700414" y="5893804"/>
+              <a:ext cx="2166812" cy="584775"/>
+            </a:xfrm>
+            <a:prstGeom prst="rect">
+              <a:avLst/>
+            </a:prstGeom>
+            <a:solidFill>
+              <a:schemeClr val="bg1"/>
+            </a:solidFill>
+            <a:ln>
+              <a:solidFill>
+                <a:schemeClr val="accent1"/>
+              </a:solidFill>
+            </a:ln>
+          </p:spPr>
+          <p:txBody>
+            <a:bodyPr wrap="none" rtlCol="0">
+              <a:spAutoFit/>
+            </a:bodyPr>
+            <a:lstStyle/>
+            <a:p>
+              <a:r>
+                <a:rPr lang="en-US" dirty="0"/>
+                <a:t>Gain Scheduling</a:t>
+              </a:r>
+            </a:p>
+            <a:p>
+              <a:pPr marL="285750" indent="-285750">
+                <a:buFont typeface="Arial" panose="020B0604020202020204" pitchFamily="34" charset="0"/>
+                <a:buChar char="•"/>
+              </a:pPr>
+              <a:r>
+                <a:rPr lang="en-US" sz="1400" dirty="0"/>
+                <a:t>Different I</a:t>
+              </a:r>
+              <a:r>
+                <a:rPr lang="en-US" sz="1400" baseline="30000" dirty="0"/>
+                <a:t>+</a:t>
+              </a:r>
+              <a:r>
+                <a:rPr lang="en-US" sz="1400" dirty="0"/>
+                <a:t> and I</a:t>
+              </a:r>
+              <a:r>
+                <a:rPr lang="en-US" sz="1400" baseline="30000" dirty="0"/>
+                <a:t>-</a:t>
+              </a:r>
+              <a:r>
+                <a:rPr lang="en-US" sz="1400" dirty="0"/>
+                <a:t> gains</a:t>
+              </a:r>
+            </a:p>
+          </p:txBody>
+        </p:sp>
+      </p:grpSp>
+    </p:spTree>
+    <p:extLst>
+      <p:ext uri="{BB962C8B-B14F-4D97-AF65-F5344CB8AC3E}">
+        <p14:creationId xmlns:p14="http://schemas.microsoft.com/office/powerpoint/2010/main" val="751251320"/>
+      </p:ext>
+    </p:extLst>
+  </p:cSld>
+  <p:clrMapOvr>
+    <a:masterClrMapping/>
+  </p:clrMapOvr>
+</p:sld>
+</file>
+
+<file path=ppt/slides/slide23.xml><?xml version="1.0" encoding="utf-8"?>
+<p:sld xmlns:a="http://schemas.openxmlformats.org/drawingml/2006/main" xmlns:r="http://schemas.openxmlformats.org/officeDocument/2006/relationships" xmlns:p="http://schemas.openxmlformats.org/presentationml/2006/main">
+  <p:cSld>
+    <p:spTree>
+      <p:nvGrpSpPr>
+        <p:cNvPr id="1" name=""/>
+        <p:cNvGrpSpPr/>
+        <p:nvPr/>
+      </p:nvGrpSpPr>
+      <p:grpSpPr>
+        <a:xfrm>
+          <a:off x="0" y="0"/>
+          <a:ext cx="0" cy="0"/>
+          <a:chOff x="0" y="0"/>
+          <a:chExt cx="0" cy="0"/>
+        </a:xfrm>
+      </p:grpSpPr>
       <p:pic>
         <p:nvPicPr>
-          <p:cNvPr id="5" name="Picture 4">
+          <p:cNvPr id="2" name="Picture 1">
             <a:extLst>
               <a:ext uri="{FF2B5EF4-FFF2-40B4-BE49-F238E27FC236}">
-                <a16:creationId xmlns:a16="http://schemas.microsoft.com/office/drawing/2014/main" id="{659E3AB1-3941-47C2-A689-6C38BB05744A}"/>
+                <a16:creationId xmlns:a16="http://schemas.microsoft.com/office/drawing/2014/main" id="{8AAFD0E2-81AC-4BB5-BE12-C23D30D79D20}"/>
               </a:ext>
             </a:extLst>
           </p:cNvPr>
@@ -3059,26 +3480,72 @@
           </p:cNvPicPr>
           <p:nvPr/>
         </p:nvPicPr>
-        <p:blipFill>
+        <p:blipFill rotWithShape="1">
           <a:blip r:embed="rId2"/>
-          <a:stretch>
-            <a:fillRect/>
-          </a:stretch>
+          <a:srcRect l="6484" t="5412" r="7554" b="3367"/>
+          <a:stretch/>
         </p:blipFill>
         <p:spPr>
           <a:xfrm>
-            <a:off x="402336" y="877824"/>
-            <a:ext cx="10560653" cy="5860066"/>
+            <a:off x="2390114" y="1167897"/>
+            <a:ext cx="6778622" cy="5459240"/>
           </a:xfrm>
           <a:prstGeom prst="rect">
             <a:avLst/>
           </a:prstGeom>
         </p:spPr>
       </p:pic>
+      <p:sp>
+        <p:nvSpPr>
+          <p:cNvPr id="3" name="TextBox 2">
+            <a:extLst>
+              <a:ext uri="{FF2B5EF4-FFF2-40B4-BE49-F238E27FC236}">
+                <a16:creationId xmlns:a16="http://schemas.microsoft.com/office/drawing/2014/main" id="{EA852191-5ACA-494F-9E4D-353F7E9104AD}"/>
+              </a:ext>
+            </a:extLst>
+          </p:cNvPr>
+          <p:cNvSpPr txBox="1"/>
+          <p:nvPr/>
+        </p:nvSpPr>
+        <p:spPr>
+          <a:xfrm>
+            <a:off x="95250" y="104775"/>
+            <a:ext cx="8799717" cy="523220"/>
+          </a:xfrm>
+          <a:prstGeom prst="rect">
+            <a:avLst/>
+          </a:prstGeom>
+          <a:noFill/>
+        </p:spPr>
+        <p:txBody>
+          <a:bodyPr wrap="none" rtlCol="0">
+            <a:spAutoFit/>
+          </a:bodyPr>
+          <a:lstStyle/>
+          <a:p>
+            <a:r>
+              <a:rPr lang="en-US" sz="2800" b="1" dirty="0">
+                <a:solidFill>
+                  <a:srgbClr val="0070C0"/>
+                </a:solidFill>
+              </a:rPr>
+              <a:t>AP + CFB: Pressure Control </a:t>
+            </a:r>
+            <a:r>
+              <a:rPr lang="en-US" sz="2000" b="1" dirty="0">
+                <a:solidFill>
+                  <a:srgbClr val="0070C0"/>
+                </a:solidFill>
+              </a:rPr>
+              <a:t>comparison w/ and w/o gain-scheduling</a:t>
+            </a:r>
+          </a:p>
+        </p:txBody>
+      </p:sp>
     </p:spTree>
     <p:extLst>
       <p:ext uri="{BB962C8B-B14F-4D97-AF65-F5344CB8AC3E}">
-        <p14:creationId xmlns:p14="http://schemas.microsoft.com/office/powerpoint/2010/main" val="2587667636"/>
+        <p14:creationId xmlns:p14="http://schemas.microsoft.com/office/powerpoint/2010/main" val="3291414827"/>
       </p:ext>
     </p:extLst>
   </p:cSld>

--- a/models/simscape/analysis/analysis.pptx
+++ b/models/simscape/analysis/analysis.pptx
@@ -28,6 +28,7 @@
     <p:sldId id="282" r:id="rId22"/>
     <p:sldId id="280" r:id="rId23"/>
     <p:sldId id="281" r:id="rId24"/>
+    <p:sldId id="283" r:id="rId25"/>
   </p:sldIdLst>
   <p:sldSz cx="12192000" cy="6858000"/>
   <p:notesSz cx="6858000" cy="9144000"/>
@@ -2999,6 +3000,45 @@
           </a:prstGeom>
         </p:spPr>
       </p:pic>
+      <p:sp>
+        <p:nvSpPr>
+          <p:cNvPr id="4" name="TextBox 3">
+            <a:extLst>
+              <a:ext uri="{FF2B5EF4-FFF2-40B4-BE49-F238E27FC236}">
+                <a16:creationId xmlns:a16="http://schemas.microsoft.com/office/drawing/2014/main" id="{998F8CFA-4134-4363-874F-86B920C93E67}"/>
+              </a:ext>
+            </a:extLst>
+          </p:cNvPr>
+          <p:cNvSpPr txBox="1"/>
+          <p:nvPr/>
+        </p:nvSpPr>
+        <p:spPr>
+          <a:xfrm>
+            <a:off x="9744386" y="627995"/>
+            <a:ext cx="1218603" cy="461665"/>
+          </a:xfrm>
+          <a:prstGeom prst="rect">
+            <a:avLst/>
+          </a:prstGeom>
+          <a:noFill/>
+        </p:spPr>
+        <p:txBody>
+          <a:bodyPr wrap="none" rtlCol="0">
+            <a:spAutoFit/>
+          </a:bodyPr>
+          <a:lstStyle/>
+          <a:p>
+            <a:r>
+              <a:rPr lang="en-US" sz="2400" b="1" dirty="0">
+                <a:solidFill>
+                  <a:srgbClr val="0070C0"/>
+                </a:solidFill>
+              </a:rPr>
+              <a:t>@ 1 kHz</a:t>
+            </a:r>
+          </a:p>
+        </p:txBody>
+      </p:sp>
     </p:spTree>
     <p:extLst>
       <p:ext uri="{BB962C8B-B14F-4D97-AF65-F5344CB8AC3E}">
@@ -3240,6 +3280,45 @@
           </p:txBody>
         </p:sp>
       </p:grpSp>
+      <p:sp>
+        <p:nvSpPr>
+          <p:cNvPr id="6" name="TextBox 5">
+            <a:extLst>
+              <a:ext uri="{FF2B5EF4-FFF2-40B4-BE49-F238E27FC236}">
+                <a16:creationId xmlns:a16="http://schemas.microsoft.com/office/drawing/2014/main" id="{19C75726-5A8B-4731-9A83-479134600867}"/>
+              </a:ext>
+            </a:extLst>
+          </p:cNvPr>
+          <p:cNvSpPr txBox="1"/>
+          <p:nvPr/>
+        </p:nvSpPr>
+        <p:spPr>
+          <a:xfrm>
+            <a:off x="9744386" y="627995"/>
+            <a:ext cx="1218603" cy="461665"/>
+          </a:xfrm>
+          <a:prstGeom prst="rect">
+            <a:avLst/>
+          </a:prstGeom>
+          <a:noFill/>
+        </p:spPr>
+        <p:txBody>
+          <a:bodyPr wrap="none" rtlCol="0">
+            <a:spAutoFit/>
+          </a:bodyPr>
+          <a:lstStyle/>
+          <a:p>
+            <a:r>
+              <a:rPr lang="en-US" sz="2400" b="1" dirty="0">
+                <a:solidFill>
+                  <a:srgbClr val="0070C0"/>
+                </a:solidFill>
+              </a:rPr>
+              <a:t>@ 1 kHz</a:t>
+            </a:r>
+          </a:p>
+        </p:txBody>
+      </p:sp>
     </p:spTree>
     <p:extLst>
       <p:ext uri="{BB962C8B-B14F-4D97-AF65-F5344CB8AC3E}">
@@ -3436,6 +3515,45 @@
           </p:txBody>
         </p:sp>
       </p:grpSp>
+      <p:sp>
+        <p:nvSpPr>
+          <p:cNvPr id="7" name="TextBox 6">
+            <a:extLst>
+              <a:ext uri="{FF2B5EF4-FFF2-40B4-BE49-F238E27FC236}">
+                <a16:creationId xmlns:a16="http://schemas.microsoft.com/office/drawing/2014/main" id="{3DC46C3E-CB2E-4C01-9DED-2B03A54E388E}"/>
+              </a:ext>
+            </a:extLst>
+          </p:cNvPr>
+          <p:cNvSpPr txBox="1"/>
+          <p:nvPr/>
+        </p:nvSpPr>
+        <p:spPr>
+          <a:xfrm>
+            <a:off x="9744386" y="627995"/>
+            <a:ext cx="1218603" cy="461665"/>
+          </a:xfrm>
+          <a:prstGeom prst="rect">
+            <a:avLst/>
+          </a:prstGeom>
+          <a:noFill/>
+        </p:spPr>
+        <p:txBody>
+          <a:bodyPr wrap="none" rtlCol="0">
+            <a:spAutoFit/>
+          </a:bodyPr>
+          <a:lstStyle/>
+          <a:p>
+            <a:r>
+              <a:rPr lang="en-US" sz="2400" b="1" dirty="0">
+                <a:solidFill>
+                  <a:srgbClr val="0070C0"/>
+                </a:solidFill>
+              </a:rPr>
+              <a:t>@ 1 kHz</a:t>
+            </a:r>
+          </a:p>
+        </p:txBody>
+      </p:sp>
     </p:spTree>
     <p:extLst>
       <p:ext uri="{BB962C8B-B14F-4D97-AF65-F5344CB8AC3E}">
@@ -3546,6 +3664,286 @@
     <p:extLst>
       <p:ext uri="{BB962C8B-B14F-4D97-AF65-F5344CB8AC3E}">
         <p14:creationId xmlns:p14="http://schemas.microsoft.com/office/powerpoint/2010/main" val="3291414827"/>
+      </p:ext>
+    </p:extLst>
+  </p:cSld>
+  <p:clrMapOvr>
+    <a:masterClrMapping/>
+  </p:clrMapOvr>
+</p:sld>
+</file>
+
+<file path=ppt/slides/slide24.xml><?xml version="1.0" encoding="utf-8"?>
+<p:sld xmlns:a="http://schemas.openxmlformats.org/drawingml/2006/main" xmlns:r="http://schemas.openxmlformats.org/officeDocument/2006/relationships" xmlns:p="http://schemas.openxmlformats.org/presentationml/2006/main">
+  <p:cSld>
+    <p:spTree>
+      <p:nvGrpSpPr>
+        <p:cNvPr id="1" name=""/>
+        <p:cNvGrpSpPr/>
+        <p:nvPr/>
+      </p:nvGrpSpPr>
+      <p:grpSpPr>
+        <a:xfrm>
+          <a:off x="0" y="0"/>
+          <a:ext cx="0" cy="0"/>
+          <a:chOff x="0" y="0"/>
+          <a:chExt cx="0" cy="0"/>
+        </a:xfrm>
+      </p:grpSpPr>
+      <p:sp>
+        <p:nvSpPr>
+          <p:cNvPr id="2" name="TextBox 1">
+            <a:extLst>
+              <a:ext uri="{FF2B5EF4-FFF2-40B4-BE49-F238E27FC236}">
+                <a16:creationId xmlns:a16="http://schemas.microsoft.com/office/drawing/2014/main" id="{59E5665D-3379-40D0-8817-FD0C98372C54}"/>
+              </a:ext>
+            </a:extLst>
+          </p:cNvPr>
+          <p:cNvSpPr txBox="1"/>
+          <p:nvPr/>
+        </p:nvSpPr>
+        <p:spPr>
+          <a:xfrm>
+            <a:off x="95250" y="104775"/>
+            <a:ext cx="9939003" cy="523220"/>
+          </a:xfrm>
+          <a:prstGeom prst="rect">
+            <a:avLst/>
+          </a:prstGeom>
+          <a:noFill/>
+        </p:spPr>
+        <p:txBody>
+          <a:bodyPr wrap="none" rtlCol="0">
+            <a:spAutoFit/>
+          </a:bodyPr>
+          <a:lstStyle/>
+          <a:p>
+            <a:r>
+              <a:rPr lang="en-US" sz="2800" b="1" dirty="0">
+                <a:solidFill>
+                  <a:srgbClr val="0070C0"/>
+                </a:solidFill>
+              </a:rPr>
+              <a:t>AP + CFB: Pressure Control </a:t>
+            </a:r>
+            <a:r>
+              <a:rPr lang="en-US" sz="2000" b="1" dirty="0">
+                <a:solidFill>
+                  <a:srgbClr val="0070C0"/>
+                </a:solidFill>
+              </a:rPr>
+              <a:t>w/ feedback-filtering input-shaping, gain-scheduling</a:t>
+            </a:r>
+          </a:p>
+        </p:txBody>
+      </p:sp>
+      <p:grpSp>
+        <p:nvGrpSpPr>
+          <p:cNvPr id="9" name="Group 8">
+            <a:extLst>
+              <a:ext uri="{FF2B5EF4-FFF2-40B4-BE49-F238E27FC236}">
+                <a16:creationId xmlns:a16="http://schemas.microsoft.com/office/drawing/2014/main" id="{FFF244A2-9259-4CF6-84A0-E481B80200C1}"/>
+              </a:ext>
+            </a:extLst>
+          </p:cNvPr>
+          <p:cNvGrpSpPr/>
+          <p:nvPr/>
+        </p:nvGrpSpPr>
+        <p:grpSpPr>
+          <a:xfrm>
+            <a:off x="402336" y="877824"/>
+            <a:ext cx="10560653" cy="5860066"/>
+            <a:chOff x="402336" y="877824"/>
+            <a:chExt cx="10560653" cy="5860066"/>
+          </a:xfrm>
+        </p:grpSpPr>
+        <p:pic>
+          <p:nvPicPr>
+            <p:cNvPr id="5" name="Picture 4">
+              <a:extLst>
+                <a:ext uri="{FF2B5EF4-FFF2-40B4-BE49-F238E27FC236}">
+                  <a16:creationId xmlns:a16="http://schemas.microsoft.com/office/drawing/2014/main" id="{F4ABA3D4-AB42-44C1-A715-79BC308B9A3C}"/>
+                </a:ext>
+              </a:extLst>
+            </p:cNvPr>
+            <p:cNvPicPr>
+              <a:picLocks noChangeAspect="1"/>
+            </p:cNvPicPr>
+            <p:nvPr/>
+          </p:nvPicPr>
+          <p:blipFill>
+            <a:blip r:embed="rId2"/>
+            <a:stretch>
+              <a:fillRect/>
+            </a:stretch>
+          </p:blipFill>
+          <p:spPr>
+            <a:xfrm>
+              <a:off x="402336" y="877824"/>
+              <a:ext cx="10560653" cy="5860066"/>
+            </a:xfrm>
+            <a:prstGeom prst="rect">
+              <a:avLst/>
+            </a:prstGeom>
+          </p:spPr>
+        </p:pic>
+        <p:sp>
+          <p:nvSpPr>
+            <p:cNvPr id="8" name="TextBox 7">
+              <a:extLst>
+                <a:ext uri="{FF2B5EF4-FFF2-40B4-BE49-F238E27FC236}">
+                  <a16:creationId xmlns:a16="http://schemas.microsoft.com/office/drawing/2014/main" id="{B0E6FFAF-A3C8-4FB4-B25E-BE95560F8C7D}"/>
+                </a:ext>
+              </a:extLst>
+            </p:cNvPr>
+            <p:cNvSpPr txBox="1"/>
+            <p:nvPr/>
+          </p:nvSpPr>
+          <p:spPr>
+            <a:xfrm>
+              <a:off x="8390305" y="4544840"/>
+              <a:ext cx="2476897" cy="1938992"/>
+            </a:xfrm>
+            <a:prstGeom prst="rect">
+              <a:avLst/>
+            </a:prstGeom>
+            <a:solidFill>
+              <a:schemeClr val="bg1"/>
+            </a:solidFill>
+            <a:ln>
+              <a:solidFill>
+                <a:schemeClr val="accent1"/>
+              </a:solidFill>
+            </a:ln>
+          </p:spPr>
+          <p:txBody>
+            <a:bodyPr wrap="none" rtlCol="0">
+              <a:spAutoFit/>
+            </a:bodyPr>
+            <a:lstStyle/>
+            <a:p>
+              <a:r>
+                <a:rPr lang="en-US" dirty="0"/>
+                <a:t>Feedback Filtering</a:t>
+              </a:r>
+            </a:p>
+            <a:p>
+              <a:pPr marL="285750" indent="-285750">
+                <a:buFont typeface="Arial" panose="020B0604020202020204" pitchFamily="34" charset="0"/>
+                <a:buChar char="•"/>
+              </a:pPr>
+              <a:r>
+                <a:rPr lang="en-US" sz="1400" dirty="0"/>
+                <a:t>IIR 2</a:t>
+              </a:r>
+              <a:r>
+                <a:rPr lang="en-US" sz="1400" baseline="30000" dirty="0"/>
+                <a:t>nd</a:t>
+              </a:r>
+              <a:r>
+                <a:rPr lang="en-US" sz="1400" dirty="0"/>
+                <a:t> order</a:t>
+              </a:r>
+            </a:p>
+            <a:p>
+              <a:pPr marL="285750" indent="-285750">
+                <a:buFont typeface="Arial" panose="020B0604020202020204" pitchFamily="34" charset="0"/>
+                <a:buChar char="•"/>
+              </a:pPr>
+              <a:r>
+                <a:rPr lang="en-US" sz="1400" dirty="0"/>
+                <a:t>10 Hz cutoff </a:t>
+              </a:r>
+            </a:p>
+            <a:p>
+              <a:pPr marL="285750" indent="-285750">
+                <a:buFont typeface="Arial" panose="020B0604020202020204" pitchFamily="34" charset="0"/>
+                <a:buChar char="•"/>
+              </a:pPr>
+              <a:r>
+                <a:rPr lang="en-US" sz="1400" dirty="0"/>
+                <a:t>25 dB attenuation</a:t>
+              </a:r>
+            </a:p>
+            <a:p>
+              <a:pPr marL="285750" indent="-285750">
+                <a:buFont typeface="Arial" panose="020B0604020202020204" pitchFamily="34" charset="0"/>
+                <a:buChar char="•"/>
+              </a:pPr>
+              <a:r>
+                <a:rPr lang="en-US" sz="1400" dirty="0"/>
+                <a:t>0.1 dB passband max ripple</a:t>
+              </a:r>
+            </a:p>
+            <a:p>
+              <a:pPr marL="285750" indent="-285750">
+                <a:buFont typeface="Arial" panose="020B0604020202020204" pitchFamily="34" charset="0"/>
+                <a:buChar char="•"/>
+              </a:pPr>
+              <a:endParaRPr lang="en-US" sz="1400" dirty="0"/>
+            </a:p>
+            <a:p>
+              <a:r>
+                <a:rPr lang="en-US" dirty="0"/>
+                <a:t>Input Shaping</a:t>
+              </a:r>
+            </a:p>
+            <a:p>
+              <a:pPr marL="285750" indent="-285750">
+                <a:buFont typeface="Arial" panose="020B0604020202020204" pitchFamily="34" charset="0"/>
+                <a:buChar char="•"/>
+              </a:pPr>
+              <a:r>
+                <a:rPr lang="en-US" sz="1400" dirty="0"/>
+                <a:t>Minimum Jerk 3rd order</a:t>
+              </a:r>
+            </a:p>
+          </p:txBody>
+        </p:sp>
+      </p:grpSp>
+      <p:sp>
+        <p:nvSpPr>
+          <p:cNvPr id="7" name="TextBox 6">
+            <a:extLst>
+              <a:ext uri="{FF2B5EF4-FFF2-40B4-BE49-F238E27FC236}">
+                <a16:creationId xmlns:a16="http://schemas.microsoft.com/office/drawing/2014/main" id="{3DC46C3E-CB2E-4C01-9DED-2B03A54E388E}"/>
+              </a:ext>
+            </a:extLst>
+          </p:cNvPr>
+          <p:cNvSpPr txBox="1"/>
+          <p:nvPr/>
+        </p:nvSpPr>
+        <p:spPr>
+          <a:xfrm>
+            <a:off x="9608587" y="627995"/>
+            <a:ext cx="1382110" cy="461665"/>
+          </a:xfrm>
+          <a:prstGeom prst="rect">
+            <a:avLst/>
+          </a:prstGeom>
+          <a:noFill/>
+        </p:spPr>
+        <p:txBody>
+          <a:bodyPr wrap="none" rtlCol="0">
+            <a:spAutoFit/>
+          </a:bodyPr>
+          <a:lstStyle/>
+          <a:p>
+            <a:r>
+              <a:rPr lang="en-US" sz="2400" b="1" dirty="0">
+                <a:solidFill>
+                  <a:srgbClr val="0070C0"/>
+                </a:solidFill>
+              </a:rPr>
+              <a:t>@ 100 Hz</a:t>
+            </a:r>
+          </a:p>
+        </p:txBody>
+      </p:sp>
+    </p:spTree>
+    <p:extLst>
+      <p:ext uri="{BB962C8B-B14F-4D97-AF65-F5344CB8AC3E}">
+        <p14:creationId xmlns:p14="http://schemas.microsoft.com/office/powerpoint/2010/main" val="333066055"/>
       </p:ext>
     </p:extLst>
   </p:cSld>

--- a/models/simscape/analysis/analysis.pptx
+++ b/models/simscape/analysis/analysis.pptx
@@ -29,6 +29,8 @@
     <p:sldId id="280" r:id="rId23"/>
     <p:sldId id="281" r:id="rId24"/>
     <p:sldId id="283" r:id="rId25"/>
+    <p:sldId id="284" r:id="rId26"/>
+    <p:sldId id="285" r:id="rId27"/>
   </p:sldIdLst>
   <p:sldSz cx="12192000" cy="6858000"/>
   <p:notesSz cx="6858000" cy="9144000"/>
@@ -3953,6 +3955,584 @@
 </p:sld>
 </file>
 
+<file path=ppt/slides/slide25.xml><?xml version="1.0" encoding="utf-8"?>
+<p:sld xmlns:a="http://schemas.openxmlformats.org/drawingml/2006/main" xmlns:r="http://schemas.openxmlformats.org/officeDocument/2006/relationships" xmlns:p="http://schemas.openxmlformats.org/presentationml/2006/main">
+  <p:cSld>
+    <p:spTree>
+      <p:nvGrpSpPr>
+        <p:cNvPr id="1" name=""/>
+        <p:cNvGrpSpPr/>
+        <p:nvPr/>
+      </p:nvGrpSpPr>
+      <p:grpSpPr>
+        <a:xfrm>
+          <a:off x="0" y="0"/>
+          <a:ext cx="0" cy="0"/>
+          <a:chOff x="0" y="0"/>
+          <a:chExt cx="0" cy="0"/>
+        </a:xfrm>
+      </p:grpSpPr>
+      <p:sp>
+        <p:nvSpPr>
+          <p:cNvPr id="2" name="TextBox 1">
+            <a:extLst>
+              <a:ext uri="{FF2B5EF4-FFF2-40B4-BE49-F238E27FC236}">
+                <a16:creationId xmlns:a16="http://schemas.microsoft.com/office/drawing/2014/main" id="{59E5665D-3379-40D0-8817-FD0C98372C54}"/>
+              </a:ext>
+            </a:extLst>
+          </p:cNvPr>
+          <p:cNvSpPr txBox="1"/>
+          <p:nvPr/>
+        </p:nvSpPr>
+        <p:spPr>
+          <a:xfrm>
+            <a:off x="95250" y="104775"/>
+            <a:ext cx="6641562" cy="523220"/>
+          </a:xfrm>
+          <a:prstGeom prst="rect">
+            <a:avLst/>
+          </a:prstGeom>
+          <a:noFill/>
+        </p:spPr>
+        <p:txBody>
+          <a:bodyPr wrap="none" rtlCol="0">
+            <a:spAutoFit/>
+          </a:bodyPr>
+          <a:lstStyle/>
+          <a:p>
+            <a:r>
+              <a:rPr lang="en-US" sz="2800" b="1" dirty="0">
+                <a:solidFill>
+                  <a:srgbClr val="0070C0"/>
+                </a:solidFill>
+              </a:rPr>
+              <a:t>AP + CFB: Pressure Control </a:t>
+            </a:r>
+            <a:r>
+              <a:rPr lang="en-US" sz="2000" b="1" dirty="0">
+                <a:solidFill>
+                  <a:srgbClr val="0070C0"/>
+                </a:solidFill>
+              </a:rPr>
+              <a:t>w/ latest tabled values</a:t>
+            </a:r>
+          </a:p>
+        </p:txBody>
+      </p:sp>
+      <p:grpSp>
+        <p:nvGrpSpPr>
+          <p:cNvPr id="4" name="Group 3">
+            <a:extLst>
+              <a:ext uri="{FF2B5EF4-FFF2-40B4-BE49-F238E27FC236}">
+                <a16:creationId xmlns:a16="http://schemas.microsoft.com/office/drawing/2014/main" id="{A86E6949-8CF4-4900-9D76-7877776E7901}"/>
+              </a:ext>
+            </a:extLst>
+          </p:cNvPr>
+          <p:cNvGrpSpPr/>
+          <p:nvPr/>
+        </p:nvGrpSpPr>
+        <p:grpSpPr>
+          <a:xfrm>
+            <a:off x="402336" y="877824"/>
+            <a:ext cx="10560653" cy="5860066"/>
+            <a:chOff x="402336" y="877824"/>
+            <a:chExt cx="10560653" cy="5860066"/>
+          </a:xfrm>
+        </p:grpSpPr>
+        <p:pic>
+          <p:nvPicPr>
+            <p:cNvPr id="3" name="Picture 2">
+              <a:extLst>
+                <a:ext uri="{FF2B5EF4-FFF2-40B4-BE49-F238E27FC236}">
+                  <a16:creationId xmlns:a16="http://schemas.microsoft.com/office/drawing/2014/main" id="{9AAAC45A-FD72-4BF8-98FE-3CCCAFD961DF}"/>
+                </a:ext>
+              </a:extLst>
+            </p:cNvPr>
+            <p:cNvPicPr>
+              <a:picLocks noChangeAspect="1"/>
+            </p:cNvPicPr>
+            <p:nvPr/>
+          </p:nvPicPr>
+          <p:blipFill>
+            <a:blip r:embed="rId2"/>
+            <a:stretch>
+              <a:fillRect/>
+            </a:stretch>
+          </p:blipFill>
+          <p:spPr>
+            <a:xfrm>
+              <a:off x="402336" y="877824"/>
+              <a:ext cx="10560653" cy="5860066"/>
+            </a:xfrm>
+            <a:prstGeom prst="rect">
+              <a:avLst/>
+            </a:prstGeom>
+          </p:spPr>
+        </p:pic>
+        <p:sp>
+          <p:nvSpPr>
+            <p:cNvPr id="10" name="TextBox 9">
+              <a:extLst>
+                <a:ext uri="{FF2B5EF4-FFF2-40B4-BE49-F238E27FC236}">
+                  <a16:creationId xmlns:a16="http://schemas.microsoft.com/office/drawing/2014/main" id="{B10409F0-1FAE-47B0-BD05-CC02968524F0}"/>
+                </a:ext>
+              </a:extLst>
+            </p:cNvPr>
+            <p:cNvSpPr txBox="1"/>
+            <p:nvPr/>
+          </p:nvSpPr>
+          <p:spPr>
+            <a:xfrm>
+              <a:off x="7754130" y="4043126"/>
+              <a:ext cx="3115340" cy="2431435"/>
+            </a:xfrm>
+            <a:prstGeom prst="rect">
+              <a:avLst/>
+            </a:prstGeom>
+            <a:solidFill>
+              <a:schemeClr val="bg1"/>
+            </a:solidFill>
+            <a:ln>
+              <a:solidFill>
+                <a:schemeClr val="accent1"/>
+              </a:solidFill>
+            </a:ln>
+          </p:spPr>
+          <p:txBody>
+            <a:bodyPr wrap="none" rtlCol="0">
+              <a:spAutoFit/>
+            </a:bodyPr>
+            <a:lstStyle/>
+            <a:p>
+              <a:r>
+                <a:rPr lang="en-US" dirty="0"/>
+                <a:t>Feedback Filtering</a:t>
+              </a:r>
+            </a:p>
+            <a:p>
+              <a:pPr marL="285750" indent="-285750">
+                <a:buFont typeface="Arial" panose="020B0604020202020204" pitchFamily="34" charset="0"/>
+                <a:buChar char="•"/>
+              </a:pPr>
+              <a:r>
+                <a:rPr lang="en-US" sz="1400" dirty="0"/>
+                <a:t>IIR 3</a:t>
+              </a:r>
+              <a:r>
+                <a:rPr lang="en-US" sz="1400" baseline="30000" dirty="0"/>
+                <a:t>rd</a:t>
+              </a:r>
+              <a:r>
+                <a:rPr lang="en-US" sz="1400" dirty="0"/>
+                <a:t> order</a:t>
+              </a:r>
+            </a:p>
+            <a:p>
+              <a:pPr marL="285750" indent="-285750">
+                <a:buFont typeface="Arial" panose="020B0604020202020204" pitchFamily="34" charset="0"/>
+                <a:buChar char="•"/>
+              </a:pPr>
+              <a:r>
+                <a:rPr lang="en-US" sz="1400" dirty="0"/>
+                <a:t>8 Hz cutoff </a:t>
+              </a:r>
+            </a:p>
+            <a:p>
+              <a:pPr marL="285750" indent="-285750">
+                <a:buFont typeface="Arial" panose="020B0604020202020204" pitchFamily="34" charset="0"/>
+                <a:buChar char="•"/>
+              </a:pPr>
+              <a:r>
+                <a:rPr lang="en-US" sz="1400" dirty="0"/>
+                <a:t>30 dB attenuation</a:t>
+              </a:r>
+            </a:p>
+            <a:p>
+              <a:pPr marL="285750" indent="-285750">
+                <a:buFont typeface="Arial" panose="020B0604020202020204" pitchFamily="34" charset="0"/>
+                <a:buChar char="•"/>
+              </a:pPr>
+              <a:r>
+                <a:rPr lang="en-US" sz="1400" dirty="0"/>
+                <a:t>0.5 dB passband max ripple</a:t>
+              </a:r>
+            </a:p>
+            <a:p>
+              <a:pPr marL="285750" indent="-285750">
+                <a:buFont typeface="Arial" panose="020B0604020202020204" pitchFamily="34" charset="0"/>
+                <a:buChar char="•"/>
+              </a:pPr>
+              <a:endParaRPr lang="en-US" sz="1400" dirty="0"/>
+            </a:p>
+            <a:p>
+              <a:r>
+                <a:rPr lang="en-US" dirty="0"/>
+                <a:t>Input Shaping</a:t>
+              </a:r>
+            </a:p>
+            <a:p>
+              <a:pPr marL="285750" indent="-285750">
+                <a:buFont typeface="Arial" panose="020B0604020202020204" pitchFamily="34" charset="0"/>
+                <a:buChar char="•"/>
+              </a:pPr>
+              <a:r>
+                <a:rPr lang="en-US" sz="1400" dirty="0"/>
+                <a:t>Minimum Jerk 3rd order</a:t>
+              </a:r>
+            </a:p>
+            <a:p>
+              <a:endParaRPr lang="en-US" sz="1400" dirty="0"/>
+            </a:p>
+            <a:p>
+              <a:r>
+                <a:rPr lang="en-US" dirty="0"/>
+                <a:t>Gain Scheduling is not required</a:t>
+              </a:r>
+            </a:p>
+          </p:txBody>
+        </p:sp>
+      </p:grpSp>
+      <p:sp>
+        <p:nvSpPr>
+          <p:cNvPr id="7" name="TextBox 6">
+            <a:extLst>
+              <a:ext uri="{FF2B5EF4-FFF2-40B4-BE49-F238E27FC236}">
+                <a16:creationId xmlns:a16="http://schemas.microsoft.com/office/drawing/2014/main" id="{3DC46C3E-CB2E-4C01-9DED-2B03A54E388E}"/>
+              </a:ext>
+            </a:extLst>
+          </p:cNvPr>
+          <p:cNvSpPr txBox="1"/>
+          <p:nvPr/>
+        </p:nvSpPr>
+        <p:spPr>
+          <a:xfrm>
+            <a:off x="9608587" y="627995"/>
+            <a:ext cx="1382110" cy="461665"/>
+          </a:xfrm>
+          <a:prstGeom prst="rect">
+            <a:avLst/>
+          </a:prstGeom>
+          <a:noFill/>
+        </p:spPr>
+        <p:txBody>
+          <a:bodyPr wrap="none" rtlCol="0">
+            <a:spAutoFit/>
+          </a:bodyPr>
+          <a:lstStyle/>
+          <a:p>
+            <a:r>
+              <a:rPr lang="en-US" sz="2400" b="1" dirty="0">
+                <a:solidFill>
+                  <a:srgbClr val="0070C0"/>
+                </a:solidFill>
+              </a:rPr>
+              <a:t>@ 100 Hz</a:t>
+            </a:r>
+          </a:p>
+        </p:txBody>
+      </p:sp>
+    </p:spTree>
+    <p:extLst>
+      <p:ext uri="{BB962C8B-B14F-4D97-AF65-F5344CB8AC3E}">
+        <p14:creationId xmlns:p14="http://schemas.microsoft.com/office/powerpoint/2010/main" val="3900797588"/>
+      </p:ext>
+    </p:extLst>
+  </p:cSld>
+  <p:clrMapOvr>
+    <a:masterClrMapping/>
+  </p:clrMapOvr>
+</p:sld>
+</file>
+
+<file path=ppt/slides/slide26.xml><?xml version="1.0" encoding="utf-8"?>
+<p:sld xmlns:a="http://schemas.openxmlformats.org/drawingml/2006/main" xmlns:r="http://schemas.openxmlformats.org/officeDocument/2006/relationships" xmlns:p="http://schemas.openxmlformats.org/presentationml/2006/main">
+  <p:cSld>
+    <p:spTree>
+      <p:nvGrpSpPr>
+        <p:cNvPr id="1" name=""/>
+        <p:cNvGrpSpPr/>
+        <p:nvPr/>
+      </p:nvGrpSpPr>
+      <p:grpSpPr>
+        <a:xfrm>
+          <a:off x="0" y="0"/>
+          <a:ext cx="0" cy="0"/>
+          <a:chOff x="0" y="0"/>
+          <a:chExt cx="0" cy="0"/>
+        </a:xfrm>
+      </p:grpSpPr>
+      <p:sp>
+        <p:nvSpPr>
+          <p:cNvPr id="2" name="TextBox 1">
+            <a:extLst>
+              <a:ext uri="{FF2B5EF4-FFF2-40B4-BE49-F238E27FC236}">
+                <a16:creationId xmlns:a16="http://schemas.microsoft.com/office/drawing/2014/main" id="{2C1E3128-FFBB-4A61-80F8-1B43F41CBAFA}"/>
+              </a:ext>
+            </a:extLst>
+          </p:cNvPr>
+          <p:cNvSpPr txBox="1"/>
+          <p:nvPr/>
+        </p:nvSpPr>
+        <p:spPr>
+          <a:xfrm>
+            <a:off x="95250" y="104775"/>
+            <a:ext cx="6614311" cy="523220"/>
+          </a:xfrm>
+          <a:prstGeom prst="rect">
+            <a:avLst/>
+          </a:prstGeom>
+          <a:noFill/>
+        </p:spPr>
+        <p:txBody>
+          <a:bodyPr wrap="none" rtlCol="0">
+            <a:spAutoFit/>
+          </a:bodyPr>
+          <a:lstStyle/>
+          <a:p>
+            <a:r>
+              <a:rPr lang="en-US" sz="2800" b="1" dirty="0">
+                <a:solidFill>
+                  <a:srgbClr val="0070C0"/>
+                </a:solidFill>
+              </a:rPr>
+              <a:t>CP + CFB: Pressure Control </a:t>
+            </a:r>
+            <a:r>
+              <a:rPr lang="en-US" sz="2000" b="1" dirty="0">
+                <a:solidFill>
+                  <a:srgbClr val="0070C0"/>
+                </a:solidFill>
+              </a:rPr>
+              <a:t>w/ latest tabled values</a:t>
+            </a:r>
+          </a:p>
+        </p:txBody>
+      </p:sp>
+      <p:grpSp>
+        <p:nvGrpSpPr>
+          <p:cNvPr id="5" name="Group 4">
+            <a:extLst>
+              <a:ext uri="{FF2B5EF4-FFF2-40B4-BE49-F238E27FC236}">
+                <a16:creationId xmlns:a16="http://schemas.microsoft.com/office/drawing/2014/main" id="{DD7D5F36-AE53-43DC-ADB4-60AA08AB8D30}"/>
+              </a:ext>
+            </a:extLst>
+          </p:cNvPr>
+          <p:cNvGrpSpPr/>
+          <p:nvPr/>
+        </p:nvGrpSpPr>
+        <p:grpSpPr>
+          <a:xfrm>
+            <a:off x="402336" y="877824"/>
+            <a:ext cx="10560653" cy="5860066"/>
+            <a:chOff x="402336" y="877824"/>
+            <a:chExt cx="10560653" cy="5860066"/>
+          </a:xfrm>
+        </p:grpSpPr>
+        <p:pic>
+          <p:nvPicPr>
+            <p:cNvPr id="3" name="Picture 2">
+              <a:extLst>
+                <a:ext uri="{FF2B5EF4-FFF2-40B4-BE49-F238E27FC236}">
+                  <a16:creationId xmlns:a16="http://schemas.microsoft.com/office/drawing/2014/main" id="{C210949F-3B42-4834-8BEE-BA39DF537412}"/>
+                </a:ext>
+              </a:extLst>
+            </p:cNvPr>
+            <p:cNvPicPr>
+              <a:picLocks noChangeAspect="1"/>
+            </p:cNvPicPr>
+            <p:nvPr/>
+          </p:nvPicPr>
+          <p:blipFill>
+            <a:blip r:embed="rId2"/>
+            <a:stretch>
+              <a:fillRect/>
+            </a:stretch>
+          </p:blipFill>
+          <p:spPr>
+            <a:xfrm>
+              <a:off x="402336" y="877824"/>
+              <a:ext cx="10560653" cy="5860066"/>
+            </a:xfrm>
+            <a:prstGeom prst="rect">
+              <a:avLst/>
+            </a:prstGeom>
+          </p:spPr>
+        </p:pic>
+        <p:sp>
+          <p:nvSpPr>
+            <p:cNvPr id="4" name="TextBox 3">
+              <a:extLst>
+                <a:ext uri="{FF2B5EF4-FFF2-40B4-BE49-F238E27FC236}">
+                  <a16:creationId xmlns:a16="http://schemas.microsoft.com/office/drawing/2014/main" id="{DBD7C7AC-F591-400F-8B7D-5214B19ECC4F}"/>
+                </a:ext>
+              </a:extLst>
+            </p:cNvPr>
+            <p:cNvSpPr txBox="1"/>
+            <p:nvPr/>
+          </p:nvSpPr>
+          <p:spPr>
+            <a:xfrm>
+              <a:off x="7754130" y="4043126"/>
+              <a:ext cx="3115340" cy="2431435"/>
+            </a:xfrm>
+            <a:prstGeom prst="rect">
+              <a:avLst/>
+            </a:prstGeom>
+            <a:solidFill>
+              <a:schemeClr val="bg1"/>
+            </a:solidFill>
+            <a:ln>
+              <a:solidFill>
+                <a:schemeClr val="accent1"/>
+              </a:solidFill>
+            </a:ln>
+          </p:spPr>
+          <p:txBody>
+            <a:bodyPr wrap="none" rtlCol="0">
+              <a:spAutoFit/>
+            </a:bodyPr>
+            <a:lstStyle/>
+            <a:p>
+              <a:r>
+                <a:rPr lang="en-US" dirty="0"/>
+                <a:t>Feedback Filtering</a:t>
+              </a:r>
+            </a:p>
+            <a:p>
+              <a:pPr marL="285750" indent="-285750">
+                <a:buFont typeface="Arial" panose="020B0604020202020204" pitchFamily="34" charset="0"/>
+                <a:buChar char="•"/>
+              </a:pPr>
+              <a:r>
+                <a:rPr lang="en-US" sz="1400" dirty="0"/>
+                <a:t>IIR 3</a:t>
+              </a:r>
+              <a:r>
+                <a:rPr lang="en-US" sz="1400" baseline="30000" dirty="0"/>
+                <a:t>rd</a:t>
+              </a:r>
+              <a:r>
+                <a:rPr lang="en-US" sz="1400" dirty="0"/>
+                <a:t> order</a:t>
+              </a:r>
+            </a:p>
+            <a:p>
+              <a:pPr marL="285750" indent="-285750">
+                <a:buFont typeface="Arial" panose="020B0604020202020204" pitchFamily="34" charset="0"/>
+                <a:buChar char="•"/>
+              </a:pPr>
+              <a:r>
+                <a:rPr lang="en-US" sz="1400" dirty="0"/>
+                <a:t>8 Hz cutoff </a:t>
+              </a:r>
+            </a:p>
+            <a:p>
+              <a:pPr marL="285750" indent="-285750">
+                <a:buFont typeface="Arial" panose="020B0604020202020204" pitchFamily="34" charset="0"/>
+                <a:buChar char="•"/>
+              </a:pPr>
+              <a:r>
+                <a:rPr lang="en-US" sz="1400" dirty="0"/>
+                <a:t>30 dB attenuation</a:t>
+              </a:r>
+            </a:p>
+            <a:p>
+              <a:pPr marL="285750" indent="-285750">
+                <a:buFont typeface="Arial" panose="020B0604020202020204" pitchFamily="34" charset="0"/>
+                <a:buChar char="•"/>
+              </a:pPr>
+              <a:r>
+                <a:rPr lang="en-US" sz="1400" dirty="0"/>
+                <a:t>0.5 dB passband max ripple</a:t>
+              </a:r>
+            </a:p>
+            <a:p>
+              <a:pPr marL="285750" indent="-285750">
+                <a:buFont typeface="Arial" panose="020B0604020202020204" pitchFamily="34" charset="0"/>
+                <a:buChar char="•"/>
+              </a:pPr>
+              <a:endParaRPr lang="en-US" sz="1400" dirty="0"/>
+            </a:p>
+            <a:p>
+              <a:r>
+                <a:rPr lang="en-US" dirty="0"/>
+                <a:t>Input Shaping</a:t>
+              </a:r>
+            </a:p>
+            <a:p>
+              <a:pPr marL="285750" indent="-285750">
+                <a:buFont typeface="Arial" panose="020B0604020202020204" pitchFamily="34" charset="0"/>
+                <a:buChar char="•"/>
+              </a:pPr>
+              <a:r>
+                <a:rPr lang="en-US" sz="1400" dirty="0"/>
+                <a:t>Minimum Jerk 3rd order</a:t>
+              </a:r>
+            </a:p>
+            <a:p>
+              <a:endParaRPr lang="en-US" sz="1400" dirty="0"/>
+            </a:p>
+            <a:p>
+              <a:r>
+                <a:rPr lang="en-US" dirty="0"/>
+                <a:t>Gain Scheduling is not required</a:t>
+              </a:r>
+            </a:p>
+          </p:txBody>
+        </p:sp>
+      </p:grpSp>
+      <p:sp>
+        <p:nvSpPr>
+          <p:cNvPr id="6" name="TextBox 5">
+            <a:extLst>
+              <a:ext uri="{FF2B5EF4-FFF2-40B4-BE49-F238E27FC236}">
+                <a16:creationId xmlns:a16="http://schemas.microsoft.com/office/drawing/2014/main" id="{48EA0E53-AA00-4C76-A5D5-E03AEF39D931}"/>
+              </a:ext>
+            </a:extLst>
+          </p:cNvPr>
+          <p:cNvSpPr txBox="1"/>
+          <p:nvPr/>
+        </p:nvSpPr>
+        <p:spPr>
+          <a:xfrm>
+            <a:off x="9608587" y="627995"/>
+            <a:ext cx="1382110" cy="461665"/>
+          </a:xfrm>
+          <a:prstGeom prst="rect">
+            <a:avLst/>
+          </a:prstGeom>
+          <a:noFill/>
+        </p:spPr>
+        <p:txBody>
+          <a:bodyPr wrap="none" rtlCol="0">
+            <a:spAutoFit/>
+          </a:bodyPr>
+          <a:lstStyle/>
+          <a:p>
+            <a:r>
+              <a:rPr lang="en-US" sz="2400" b="1" dirty="0">
+                <a:solidFill>
+                  <a:srgbClr val="0070C0"/>
+                </a:solidFill>
+              </a:rPr>
+              <a:t>@ 100 Hz</a:t>
+            </a:r>
+          </a:p>
+        </p:txBody>
+      </p:sp>
+    </p:spTree>
+    <p:extLst>
+      <p:ext uri="{BB962C8B-B14F-4D97-AF65-F5344CB8AC3E}">
+        <p14:creationId xmlns:p14="http://schemas.microsoft.com/office/powerpoint/2010/main" val="2921362397"/>
+      </p:ext>
+    </p:extLst>
+  </p:cSld>
+  <p:clrMapOvr>
+    <a:masterClrMapping/>
+  </p:clrMapOvr>
+</p:sld>
+</file>
+
 <file path=ppt/slides/slide3.xml><?xml version="1.0" encoding="utf-8"?>
 <p:sld xmlns:a="http://schemas.openxmlformats.org/drawingml/2006/main" xmlns:r="http://schemas.openxmlformats.org/officeDocument/2006/relationships" xmlns:p="http://schemas.openxmlformats.org/presentationml/2006/main">
   <p:cSld>

--- a/models/simscape/analysis/analysis.pptx
+++ b/models/simscape/analysis/analysis.pptx
@@ -31,6 +31,10 @@
     <p:sldId id="283" r:id="rId25"/>
     <p:sldId id="284" r:id="rId26"/>
     <p:sldId id="285" r:id="rId27"/>
+    <p:sldId id="286" r:id="rId28"/>
+    <p:sldId id="287" r:id="rId29"/>
+    <p:sldId id="288" r:id="rId30"/>
+    <p:sldId id="289" r:id="rId31"/>
   </p:sldIdLst>
   <p:sldSz cx="12192000" cy="6858000"/>
   <p:notesSz cx="6858000" cy="9144000"/>
@@ -4533,6 +4537,623 @@
 </p:sld>
 </file>
 
+<file path=ppt/slides/slide27.xml><?xml version="1.0" encoding="utf-8"?>
+<p:sld xmlns:a="http://schemas.openxmlformats.org/drawingml/2006/main" xmlns:r="http://schemas.openxmlformats.org/officeDocument/2006/relationships" xmlns:p="http://schemas.openxmlformats.org/presentationml/2006/main">
+  <p:cSld>
+    <p:spTree>
+      <p:nvGrpSpPr>
+        <p:cNvPr id="1" name=""/>
+        <p:cNvGrpSpPr/>
+        <p:nvPr/>
+      </p:nvGrpSpPr>
+      <p:grpSpPr>
+        <a:xfrm>
+          <a:off x="0" y="0"/>
+          <a:ext cx="0" cy="0"/>
+          <a:chOff x="0" y="0"/>
+          <a:chExt cx="0" cy="0"/>
+        </a:xfrm>
+      </p:grpSpPr>
+      <p:sp>
+        <p:nvSpPr>
+          <p:cNvPr id="2" name="TextBox 1">
+            <a:extLst>
+              <a:ext uri="{FF2B5EF4-FFF2-40B4-BE49-F238E27FC236}">
+                <a16:creationId xmlns:a16="http://schemas.microsoft.com/office/drawing/2014/main" id="{E5542B49-B554-420F-B437-801A3D42C308}"/>
+              </a:ext>
+            </a:extLst>
+          </p:cNvPr>
+          <p:cNvSpPr txBox="1"/>
+          <p:nvPr/>
+        </p:nvSpPr>
+        <p:spPr>
+          <a:xfrm>
+            <a:off x="95250" y="104775"/>
+            <a:ext cx="3621889" cy="523220"/>
+          </a:xfrm>
+          <a:prstGeom prst="rect">
+            <a:avLst/>
+          </a:prstGeom>
+          <a:noFill/>
+        </p:spPr>
+        <p:txBody>
+          <a:bodyPr wrap="none" rtlCol="0">
+            <a:spAutoFit/>
+          </a:bodyPr>
+          <a:lstStyle/>
+          <a:p>
+            <a:r>
+              <a:rPr lang="en-US" sz="2800" b="1" dirty="0" err="1">
+                <a:solidFill>
+                  <a:srgbClr val="0070C0"/>
+                </a:solidFill>
+              </a:rPr>
+              <a:t>Simscape</a:t>
+            </a:r>
+            <a:r>
+              <a:rPr lang="en-US" sz="2800" b="1" dirty="0">
+                <a:solidFill>
+                  <a:srgbClr val="0070C0"/>
+                </a:solidFill>
+              </a:rPr>
+              <a:t> Model </a:t>
+            </a:r>
+            <a:r>
+              <a:rPr lang="en-US" sz="2000" b="1" dirty="0">
+                <a:solidFill>
+                  <a:srgbClr val="0070C0"/>
+                </a:solidFill>
+              </a:rPr>
+              <a:t>(update)</a:t>
+            </a:r>
+          </a:p>
+        </p:txBody>
+      </p:sp>
+      <p:pic>
+        <p:nvPicPr>
+          <p:cNvPr id="4" name="Picture 3">
+            <a:extLst>
+              <a:ext uri="{FF2B5EF4-FFF2-40B4-BE49-F238E27FC236}">
+                <a16:creationId xmlns:a16="http://schemas.microsoft.com/office/drawing/2014/main" id="{E797F079-0A12-4FC5-9D0C-6F45BE684222}"/>
+              </a:ext>
+            </a:extLst>
+          </p:cNvPr>
+          <p:cNvPicPr>
+            <a:picLocks noChangeAspect="1"/>
+          </p:cNvPicPr>
+          <p:nvPr/>
+        </p:nvPicPr>
+        <p:blipFill>
+          <a:blip r:embed="rId2"/>
+          <a:stretch>
+            <a:fillRect/>
+          </a:stretch>
+        </p:blipFill>
+        <p:spPr>
+          <a:xfrm>
+            <a:off x="239352" y="1160921"/>
+            <a:ext cx="10892776" cy="5592304"/>
+          </a:xfrm>
+          <a:prstGeom prst="rect">
+            <a:avLst/>
+          </a:prstGeom>
+        </p:spPr>
+      </p:pic>
+    </p:spTree>
+    <p:extLst>
+      <p:ext uri="{BB962C8B-B14F-4D97-AF65-F5344CB8AC3E}">
+        <p14:creationId xmlns:p14="http://schemas.microsoft.com/office/powerpoint/2010/main" val="3684920766"/>
+      </p:ext>
+    </p:extLst>
+  </p:cSld>
+  <p:clrMapOvr>
+    <a:masterClrMapping/>
+  </p:clrMapOvr>
+</p:sld>
+</file>
+
+<file path=ppt/slides/slide28.xml><?xml version="1.0" encoding="utf-8"?>
+<p:sld xmlns:a="http://schemas.openxmlformats.org/drawingml/2006/main" xmlns:r="http://schemas.openxmlformats.org/officeDocument/2006/relationships" xmlns:p="http://schemas.openxmlformats.org/presentationml/2006/main">
+  <p:cSld>
+    <p:spTree>
+      <p:nvGrpSpPr>
+        <p:cNvPr id="1" name=""/>
+        <p:cNvGrpSpPr/>
+        <p:nvPr/>
+      </p:nvGrpSpPr>
+      <p:grpSpPr>
+        <a:xfrm>
+          <a:off x="0" y="0"/>
+          <a:ext cx="0" cy="0"/>
+          <a:chOff x="0" y="0"/>
+          <a:chExt cx="0" cy="0"/>
+        </a:xfrm>
+      </p:grpSpPr>
+      <p:sp>
+        <p:nvSpPr>
+          <p:cNvPr id="2" name="TextBox 1">
+            <a:extLst>
+              <a:ext uri="{FF2B5EF4-FFF2-40B4-BE49-F238E27FC236}">
+                <a16:creationId xmlns:a16="http://schemas.microsoft.com/office/drawing/2014/main" id="{59E5665D-3379-40D0-8817-FD0C98372C54}"/>
+              </a:ext>
+            </a:extLst>
+          </p:cNvPr>
+          <p:cNvSpPr txBox="1"/>
+          <p:nvPr/>
+        </p:nvSpPr>
+        <p:spPr>
+          <a:xfrm>
+            <a:off x="95250" y="104775"/>
+            <a:ext cx="8104847" cy="523220"/>
+          </a:xfrm>
+          <a:prstGeom prst="rect">
+            <a:avLst/>
+          </a:prstGeom>
+          <a:noFill/>
+        </p:spPr>
+        <p:txBody>
+          <a:bodyPr wrap="none" rtlCol="0">
+            <a:spAutoFit/>
+          </a:bodyPr>
+          <a:lstStyle/>
+          <a:p>
+            <a:r>
+              <a:rPr lang="en-US" sz="2800" b="1" dirty="0">
+                <a:solidFill>
+                  <a:srgbClr val="0070C0"/>
+                </a:solidFill>
+              </a:rPr>
+              <a:t>AP + CFB: Pressure Control </a:t>
+            </a:r>
+            <a:r>
+              <a:rPr lang="en-US" sz="2000" b="1" dirty="0">
+                <a:solidFill>
+                  <a:srgbClr val="0070C0"/>
+                </a:solidFill>
+              </a:rPr>
+              <a:t>w/ new pressure profiles from MVM</a:t>
+            </a:r>
+          </a:p>
+        </p:txBody>
+      </p:sp>
+      <p:grpSp>
+        <p:nvGrpSpPr>
+          <p:cNvPr id="15" name="Group 14">
+            <a:extLst>
+              <a:ext uri="{FF2B5EF4-FFF2-40B4-BE49-F238E27FC236}">
+                <a16:creationId xmlns:a16="http://schemas.microsoft.com/office/drawing/2014/main" id="{9F049121-B586-44C6-9C37-4933B2530649}"/>
+              </a:ext>
+            </a:extLst>
+          </p:cNvPr>
+          <p:cNvGrpSpPr/>
+          <p:nvPr/>
+        </p:nvGrpSpPr>
+        <p:grpSpPr>
+          <a:xfrm>
+            <a:off x="402336" y="877824"/>
+            <a:ext cx="10560653" cy="5860066"/>
+            <a:chOff x="402336" y="877824"/>
+            <a:chExt cx="10560653" cy="5860066"/>
+          </a:xfrm>
+        </p:grpSpPr>
+        <p:pic>
+          <p:nvPicPr>
+            <p:cNvPr id="5" name="Picture 4">
+              <a:extLst>
+                <a:ext uri="{FF2B5EF4-FFF2-40B4-BE49-F238E27FC236}">
+                  <a16:creationId xmlns:a16="http://schemas.microsoft.com/office/drawing/2014/main" id="{DF635C99-5E75-48CB-9A60-784D2D9F2499}"/>
+                </a:ext>
+              </a:extLst>
+            </p:cNvPr>
+            <p:cNvPicPr>
+              <a:picLocks noChangeAspect="1"/>
+            </p:cNvPicPr>
+            <p:nvPr/>
+          </p:nvPicPr>
+          <p:blipFill>
+            <a:blip r:embed="rId2"/>
+            <a:stretch>
+              <a:fillRect/>
+            </a:stretch>
+          </p:blipFill>
+          <p:spPr>
+            <a:xfrm>
+              <a:off x="402336" y="877824"/>
+              <a:ext cx="10560653" cy="5860066"/>
+            </a:xfrm>
+            <a:prstGeom prst="rect">
+              <a:avLst/>
+            </a:prstGeom>
+          </p:spPr>
+        </p:pic>
+        <p:cxnSp>
+          <p:nvCxnSpPr>
+            <p:cNvPr id="8" name="Straight Arrow Connector 7">
+              <a:extLst>
+                <a:ext uri="{FF2B5EF4-FFF2-40B4-BE49-F238E27FC236}">
+                  <a16:creationId xmlns:a16="http://schemas.microsoft.com/office/drawing/2014/main" id="{5D9125D1-5134-4FBA-A6A4-B18BCCA107F3}"/>
+                </a:ext>
+              </a:extLst>
+            </p:cNvPr>
+            <p:cNvCxnSpPr>
+              <a:cxnSpLocks/>
+            </p:cNvCxnSpPr>
+            <p:nvPr/>
+          </p:nvCxnSpPr>
+          <p:spPr>
+            <a:xfrm flipV="1">
+              <a:off x="4852555" y="2961409"/>
+              <a:ext cx="0" cy="457200"/>
+            </a:xfrm>
+            <a:prstGeom prst="straightConnector1">
+              <a:avLst/>
+            </a:prstGeom>
+            <a:ln w="12700">
+              <a:solidFill>
+                <a:srgbClr val="FF0000"/>
+              </a:solidFill>
+              <a:headEnd type="triangle" w="lg" len="med"/>
+              <a:tailEnd type="triangle" w="lg" len="med"/>
+            </a:ln>
+          </p:spPr>
+          <p:style>
+            <a:lnRef idx="1">
+              <a:schemeClr val="accent1"/>
+            </a:lnRef>
+            <a:fillRef idx="0">
+              <a:schemeClr val="accent1"/>
+            </a:fillRef>
+            <a:effectRef idx="0">
+              <a:schemeClr val="accent1"/>
+            </a:effectRef>
+            <a:fontRef idx="minor">
+              <a:schemeClr val="tx1"/>
+            </a:fontRef>
+          </p:style>
+        </p:cxnSp>
+        <p:cxnSp>
+          <p:nvCxnSpPr>
+            <p:cNvPr id="11" name="Straight Arrow Connector 10">
+              <a:extLst>
+                <a:ext uri="{FF2B5EF4-FFF2-40B4-BE49-F238E27FC236}">
+                  <a16:creationId xmlns:a16="http://schemas.microsoft.com/office/drawing/2014/main" id="{E7EFA30E-6F8E-4091-9315-44710D55491B}"/>
+                </a:ext>
+              </a:extLst>
+            </p:cNvPr>
+            <p:cNvCxnSpPr>
+              <a:cxnSpLocks/>
+            </p:cNvCxnSpPr>
+            <p:nvPr/>
+          </p:nvCxnSpPr>
+          <p:spPr>
+            <a:xfrm flipV="1">
+              <a:off x="4852555" y="2597727"/>
+              <a:ext cx="446809" cy="270164"/>
+            </a:xfrm>
+            <a:prstGeom prst="straightConnector1">
+              <a:avLst/>
+            </a:prstGeom>
+            <a:ln w="12700">
+              <a:solidFill>
+                <a:srgbClr val="FF0000"/>
+              </a:solidFill>
+              <a:headEnd type="triangle" w="lg" len="med"/>
+              <a:tailEnd type="triangle" w="lg" len="med"/>
+            </a:ln>
+          </p:spPr>
+          <p:style>
+            <a:lnRef idx="1">
+              <a:schemeClr val="accent1"/>
+            </a:lnRef>
+            <a:fillRef idx="0">
+              <a:schemeClr val="accent1"/>
+            </a:fillRef>
+            <a:effectRef idx="0">
+              <a:schemeClr val="accent1"/>
+            </a:effectRef>
+            <a:fontRef idx="minor">
+              <a:schemeClr val="tx1"/>
+            </a:fontRef>
+          </p:style>
+        </p:cxnSp>
+        <p:sp>
+          <p:nvSpPr>
+            <p:cNvPr id="14" name="Oval 13">
+              <a:extLst>
+                <a:ext uri="{FF2B5EF4-FFF2-40B4-BE49-F238E27FC236}">
+                  <a16:creationId xmlns:a16="http://schemas.microsoft.com/office/drawing/2014/main" id="{ECFDF977-1AEF-4537-8982-BD1A1B9A66DF}"/>
+                </a:ext>
+              </a:extLst>
+            </p:cNvPr>
+            <p:cNvSpPr/>
+            <p:nvPr/>
+          </p:nvSpPr>
+          <p:spPr>
+            <a:xfrm>
+              <a:off x="4717473" y="4094018"/>
+              <a:ext cx="581883" cy="270164"/>
+            </a:xfrm>
+            <a:prstGeom prst="ellipse">
+              <a:avLst/>
+            </a:prstGeom>
+            <a:noFill/>
+            <a:ln>
+              <a:solidFill>
+                <a:srgbClr val="FF0000"/>
+              </a:solidFill>
+            </a:ln>
+          </p:spPr>
+          <p:style>
+            <a:lnRef idx="2">
+              <a:schemeClr val="accent1">
+                <a:shade val="50000"/>
+              </a:schemeClr>
+            </a:lnRef>
+            <a:fillRef idx="1">
+              <a:schemeClr val="accent1"/>
+            </a:fillRef>
+            <a:effectRef idx="0">
+              <a:schemeClr val="accent1"/>
+            </a:effectRef>
+            <a:fontRef idx="minor">
+              <a:schemeClr val="lt1"/>
+            </a:fontRef>
+          </p:style>
+          <p:txBody>
+            <a:bodyPr rtlCol="0" anchor="ctr"/>
+            <a:lstStyle/>
+            <a:p>
+              <a:pPr algn="ctr"/>
+              <a:endParaRPr lang="en-US"/>
+            </a:p>
+          </p:txBody>
+        </p:sp>
+      </p:grpSp>
+    </p:spTree>
+    <p:extLst>
+      <p:ext uri="{BB962C8B-B14F-4D97-AF65-F5344CB8AC3E}">
+        <p14:creationId xmlns:p14="http://schemas.microsoft.com/office/powerpoint/2010/main" val="2827634627"/>
+      </p:ext>
+    </p:extLst>
+  </p:cSld>
+  <p:clrMapOvr>
+    <a:masterClrMapping/>
+  </p:clrMapOvr>
+</p:sld>
+</file>
+
+<file path=ppt/slides/slide29.xml><?xml version="1.0" encoding="utf-8"?>
+<p:sld xmlns:a="http://schemas.openxmlformats.org/drawingml/2006/main" xmlns:r="http://schemas.openxmlformats.org/officeDocument/2006/relationships" xmlns:p="http://schemas.openxmlformats.org/presentationml/2006/main">
+  <p:cSld>
+    <p:spTree>
+      <p:nvGrpSpPr>
+        <p:cNvPr id="1" name=""/>
+        <p:cNvGrpSpPr/>
+        <p:nvPr/>
+      </p:nvGrpSpPr>
+      <p:grpSpPr>
+        <a:xfrm>
+          <a:off x="0" y="0"/>
+          <a:ext cx="0" cy="0"/>
+          <a:chOff x="0" y="0"/>
+          <a:chExt cx="0" cy="0"/>
+        </a:xfrm>
+      </p:grpSpPr>
+      <p:sp>
+        <p:nvSpPr>
+          <p:cNvPr id="2" name="TextBox 1">
+            <a:extLst>
+              <a:ext uri="{FF2B5EF4-FFF2-40B4-BE49-F238E27FC236}">
+                <a16:creationId xmlns:a16="http://schemas.microsoft.com/office/drawing/2014/main" id="{59E5665D-3379-40D0-8817-FD0C98372C54}"/>
+              </a:ext>
+            </a:extLst>
+          </p:cNvPr>
+          <p:cNvSpPr txBox="1"/>
+          <p:nvPr/>
+        </p:nvSpPr>
+        <p:spPr>
+          <a:xfrm>
+            <a:off x="95250" y="104775"/>
+            <a:ext cx="8104847" cy="523220"/>
+          </a:xfrm>
+          <a:prstGeom prst="rect">
+            <a:avLst/>
+          </a:prstGeom>
+          <a:noFill/>
+        </p:spPr>
+        <p:txBody>
+          <a:bodyPr wrap="none" rtlCol="0">
+            <a:spAutoFit/>
+          </a:bodyPr>
+          <a:lstStyle/>
+          <a:p>
+            <a:r>
+              <a:rPr lang="en-US" sz="2800" b="1" dirty="0">
+                <a:solidFill>
+                  <a:srgbClr val="0070C0"/>
+                </a:solidFill>
+              </a:rPr>
+              <a:t>AP + CFB: Pressure Control </a:t>
+            </a:r>
+            <a:r>
+              <a:rPr lang="en-US" sz="2000" b="1" dirty="0">
+                <a:solidFill>
+                  <a:srgbClr val="0070C0"/>
+                </a:solidFill>
+              </a:rPr>
+              <a:t>w/ new pressure profiles from MVM</a:t>
+            </a:r>
+          </a:p>
+        </p:txBody>
+      </p:sp>
+      <p:grpSp>
+        <p:nvGrpSpPr>
+          <p:cNvPr id="4" name="Group 3">
+            <a:extLst>
+              <a:ext uri="{FF2B5EF4-FFF2-40B4-BE49-F238E27FC236}">
+                <a16:creationId xmlns:a16="http://schemas.microsoft.com/office/drawing/2014/main" id="{DF6C297A-11E8-45D5-8F1A-4954FC2A9BE6}"/>
+              </a:ext>
+            </a:extLst>
+          </p:cNvPr>
+          <p:cNvGrpSpPr/>
+          <p:nvPr/>
+        </p:nvGrpSpPr>
+        <p:grpSpPr>
+          <a:xfrm>
+            <a:off x="402336" y="877824"/>
+            <a:ext cx="10560653" cy="5860066"/>
+            <a:chOff x="402336" y="877824"/>
+            <a:chExt cx="10560653" cy="5860066"/>
+          </a:xfrm>
+        </p:grpSpPr>
+        <p:pic>
+          <p:nvPicPr>
+            <p:cNvPr id="3" name="Picture 2">
+              <a:extLst>
+                <a:ext uri="{FF2B5EF4-FFF2-40B4-BE49-F238E27FC236}">
+                  <a16:creationId xmlns:a16="http://schemas.microsoft.com/office/drawing/2014/main" id="{DA455315-7434-48F8-98F8-5B982FF4EABB}"/>
+                </a:ext>
+              </a:extLst>
+            </p:cNvPr>
+            <p:cNvPicPr>
+              <a:picLocks noChangeAspect="1"/>
+            </p:cNvPicPr>
+            <p:nvPr/>
+          </p:nvPicPr>
+          <p:blipFill>
+            <a:blip r:embed="rId2"/>
+            <a:stretch>
+              <a:fillRect/>
+            </a:stretch>
+          </p:blipFill>
+          <p:spPr>
+            <a:xfrm>
+              <a:off x="402336" y="877824"/>
+              <a:ext cx="10560653" cy="5860066"/>
+            </a:xfrm>
+            <a:prstGeom prst="rect">
+              <a:avLst/>
+            </a:prstGeom>
+          </p:spPr>
+        </p:pic>
+        <p:sp>
+          <p:nvSpPr>
+            <p:cNvPr id="10" name="Oval 9">
+              <a:extLst>
+                <a:ext uri="{FF2B5EF4-FFF2-40B4-BE49-F238E27FC236}">
+                  <a16:creationId xmlns:a16="http://schemas.microsoft.com/office/drawing/2014/main" id="{C9933404-F666-4231-8BD6-A81933B6E699}"/>
+                </a:ext>
+              </a:extLst>
+            </p:cNvPr>
+            <p:cNvSpPr/>
+            <p:nvPr/>
+          </p:nvSpPr>
+          <p:spPr>
+            <a:xfrm rot="18257107">
+              <a:off x="826255" y="2625055"/>
+              <a:ext cx="805511" cy="270164"/>
+            </a:xfrm>
+            <a:prstGeom prst="ellipse">
+              <a:avLst/>
+            </a:prstGeom>
+            <a:noFill/>
+            <a:ln>
+              <a:solidFill>
+                <a:srgbClr val="FF0000"/>
+              </a:solidFill>
+            </a:ln>
+          </p:spPr>
+          <p:style>
+            <a:lnRef idx="2">
+              <a:schemeClr val="accent1">
+                <a:shade val="50000"/>
+              </a:schemeClr>
+            </a:lnRef>
+            <a:fillRef idx="1">
+              <a:schemeClr val="accent1"/>
+            </a:fillRef>
+            <a:effectRef idx="0">
+              <a:schemeClr val="accent1"/>
+            </a:effectRef>
+            <a:fontRef idx="minor">
+              <a:schemeClr val="lt1"/>
+            </a:fontRef>
+          </p:style>
+          <p:txBody>
+            <a:bodyPr rtlCol="0" anchor="ctr"/>
+            <a:lstStyle/>
+            <a:p>
+              <a:pPr algn="ctr"/>
+              <a:endParaRPr lang="en-US"/>
+            </a:p>
+          </p:txBody>
+        </p:sp>
+        <p:sp>
+          <p:nvSpPr>
+            <p:cNvPr id="12" name="Oval 11">
+              <a:extLst>
+                <a:ext uri="{FF2B5EF4-FFF2-40B4-BE49-F238E27FC236}">
+                  <a16:creationId xmlns:a16="http://schemas.microsoft.com/office/drawing/2014/main" id="{95B7638B-05FD-4E72-90D0-57F2ADB56B75}"/>
+                </a:ext>
+              </a:extLst>
+            </p:cNvPr>
+            <p:cNvSpPr/>
+            <p:nvPr/>
+          </p:nvSpPr>
+          <p:spPr>
+            <a:xfrm>
+              <a:off x="890522" y="3917371"/>
+              <a:ext cx="581883" cy="270164"/>
+            </a:xfrm>
+            <a:prstGeom prst="ellipse">
+              <a:avLst/>
+            </a:prstGeom>
+            <a:noFill/>
+            <a:ln>
+              <a:solidFill>
+                <a:srgbClr val="FF0000"/>
+              </a:solidFill>
+            </a:ln>
+          </p:spPr>
+          <p:style>
+            <a:lnRef idx="2">
+              <a:schemeClr val="accent1">
+                <a:shade val="50000"/>
+              </a:schemeClr>
+            </a:lnRef>
+            <a:fillRef idx="1">
+              <a:schemeClr val="accent1"/>
+            </a:fillRef>
+            <a:effectRef idx="0">
+              <a:schemeClr val="accent1"/>
+            </a:effectRef>
+            <a:fontRef idx="minor">
+              <a:schemeClr val="lt1"/>
+            </a:fontRef>
+          </p:style>
+          <p:txBody>
+            <a:bodyPr rtlCol="0" anchor="ctr"/>
+            <a:lstStyle/>
+            <a:p>
+              <a:pPr algn="ctr"/>
+              <a:endParaRPr lang="en-US"/>
+            </a:p>
+          </p:txBody>
+        </p:sp>
+      </p:grpSp>
+    </p:spTree>
+    <p:extLst>
+      <p:ext uri="{BB962C8B-B14F-4D97-AF65-F5344CB8AC3E}">
+        <p14:creationId xmlns:p14="http://schemas.microsoft.com/office/powerpoint/2010/main" val="631604294"/>
+      </p:ext>
+    </p:extLst>
+  </p:cSld>
+  <p:clrMapOvr>
+    <a:masterClrMapping/>
+  </p:clrMapOvr>
+</p:sld>
+</file>
+
 <file path=ppt/slides/slide3.xml><?xml version="1.0" encoding="utf-8"?>
 <p:sld xmlns:a="http://schemas.openxmlformats.org/drawingml/2006/main" xmlns:r="http://schemas.openxmlformats.org/officeDocument/2006/relationships" xmlns:p="http://schemas.openxmlformats.org/presentationml/2006/main">
   <p:cSld>
@@ -4917,6 +5538,113 @@
     <p:extLst>
       <p:ext uri="{BB962C8B-B14F-4D97-AF65-F5344CB8AC3E}">
         <p14:creationId xmlns:p14="http://schemas.microsoft.com/office/powerpoint/2010/main" val="1049786551"/>
+      </p:ext>
+    </p:extLst>
+  </p:cSld>
+  <p:clrMapOvr>
+    <a:masterClrMapping/>
+  </p:clrMapOvr>
+</p:sld>
+</file>
+
+<file path=ppt/slides/slide30.xml><?xml version="1.0" encoding="utf-8"?>
+<p:sld xmlns:a="http://schemas.openxmlformats.org/drawingml/2006/main" xmlns:r="http://schemas.openxmlformats.org/officeDocument/2006/relationships" xmlns:p="http://schemas.openxmlformats.org/presentationml/2006/main">
+  <p:cSld>
+    <p:spTree>
+      <p:nvGrpSpPr>
+        <p:cNvPr id="1" name=""/>
+        <p:cNvGrpSpPr/>
+        <p:nvPr/>
+      </p:nvGrpSpPr>
+      <p:grpSpPr>
+        <a:xfrm>
+          <a:off x="0" y="0"/>
+          <a:ext cx="0" cy="0"/>
+          <a:chOff x="0" y="0"/>
+          <a:chExt cx="0" cy="0"/>
+        </a:xfrm>
+      </p:grpSpPr>
+      <p:sp>
+        <p:nvSpPr>
+          <p:cNvPr id="2" name="TextBox 1">
+            <a:extLst>
+              <a:ext uri="{FF2B5EF4-FFF2-40B4-BE49-F238E27FC236}">
+                <a16:creationId xmlns:a16="http://schemas.microsoft.com/office/drawing/2014/main" id="{59E5665D-3379-40D0-8817-FD0C98372C54}"/>
+              </a:ext>
+            </a:extLst>
+          </p:cNvPr>
+          <p:cNvSpPr txBox="1"/>
+          <p:nvPr/>
+        </p:nvSpPr>
+        <p:spPr>
+          <a:xfrm>
+            <a:off x="95250" y="104775"/>
+            <a:ext cx="8077596" cy="523220"/>
+          </a:xfrm>
+          <a:prstGeom prst="rect">
+            <a:avLst/>
+          </a:prstGeom>
+          <a:noFill/>
+        </p:spPr>
+        <p:txBody>
+          <a:bodyPr wrap="none" rtlCol="0">
+            <a:spAutoFit/>
+          </a:bodyPr>
+          <a:lstStyle/>
+          <a:p>
+            <a:r>
+              <a:rPr lang="en-US" sz="2800" b="1" dirty="0">
+                <a:solidFill>
+                  <a:srgbClr val="0070C0"/>
+                </a:solidFill>
+              </a:rPr>
+              <a:t>CP + CFB: Pressure Control </a:t>
+            </a:r>
+            <a:r>
+              <a:rPr lang="en-US" sz="2000" b="1" dirty="0">
+                <a:solidFill>
+                  <a:srgbClr val="0070C0"/>
+                </a:solidFill>
+              </a:rPr>
+              <a:t>w/ new pressure profiles from MVM</a:t>
+            </a:r>
+          </a:p>
+        </p:txBody>
+      </p:sp>
+      <p:pic>
+        <p:nvPicPr>
+          <p:cNvPr id="4" name="Picture 3">
+            <a:extLst>
+              <a:ext uri="{FF2B5EF4-FFF2-40B4-BE49-F238E27FC236}">
+                <a16:creationId xmlns:a16="http://schemas.microsoft.com/office/drawing/2014/main" id="{AC8E38AA-3348-4BE3-8783-78BD431E8827}"/>
+              </a:ext>
+            </a:extLst>
+          </p:cNvPr>
+          <p:cNvPicPr>
+            <a:picLocks noChangeAspect="1"/>
+          </p:cNvPicPr>
+          <p:nvPr/>
+        </p:nvPicPr>
+        <p:blipFill>
+          <a:blip r:embed="rId2"/>
+          <a:stretch>
+            <a:fillRect/>
+          </a:stretch>
+        </p:blipFill>
+        <p:spPr>
+          <a:xfrm>
+            <a:off x="402336" y="877824"/>
+            <a:ext cx="10560653" cy="5860066"/>
+          </a:xfrm>
+          <a:prstGeom prst="rect">
+            <a:avLst/>
+          </a:prstGeom>
+        </p:spPr>
+      </p:pic>
+    </p:spTree>
+    <p:extLst>
+      <p:ext uri="{BB962C8B-B14F-4D97-AF65-F5344CB8AC3E}">
+        <p14:creationId xmlns:p14="http://schemas.microsoft.com/office/powerpoint/2010/main" val="2184847114"/>
       </p:ext>
     </p:extLst>
   </p:cSld>

--- a/models/simscape/analysis/analysis.pptx
+++ b/models/simscape/analysis/analysis.pptx
@@ -35,6 +35,7 @@
     <p:sldId id="287" r:id="rId29"/>
     <p:sldId id="288" r:id="rId30"/>
     <p:sldId id="289" r:id="rId31"/>
+    <p:sldId id="290" r:id="rId32"/>
   </p:sldIdLst>
   <p:sldSz cx="12192000" cy="6858000"/>
   <p:notesSz cx="6858000" cy="9144000"/>
@@ -5654,6 +5655,319 @@
 </p:sld>
 </file>
 
+<file path=ppt/slides/slide31.xml><?xml version="1.0" encoding="utf-8"?>
+<p:sld xmlns:a="http://schemas.openxmlformats.org/drawingml/2006/main" xmlns:r="http://schemas.openxmlformats.org/officeDocument/2006/relationships" xmlns:p="http://schemas.openxmlformats.org/presentationml/2006/main">
+  <p:cSld>
+    <p:spTree>
+      <p:nvGrpSpPr>
+        <p:cNvPr id="1" name=""/>
+        <p:cNvGrpSpPr/>
+        <p:nvPr/>
+      </p:nvGrpSpPr>
+      <p:grpSpPr>
+        <a:xfrm>
+          <a:off x="0" y="0"/>
+          <a:ext cx="0" cy="0"/>
+          <a:chOff x="0" y="0"/>
+          <a:chExt cx="0" cy="0"/>
+        </a:xfrm>
+      </p:grpSpPr>
+      <p:sp>
+        <p:nvSpPr>
+          <p:cNvPr id="2" name="TextBox 1">
+            <a:extLst>
+              <a:ext uri="{FF2B5EF4-FFF2-40B4-BE49-F238E27FC236}">
+                <a16:creationId xmlns:a16="http://schemas.microsoft.com/office/drawing/2014/main" id="{59E5665D-3379-40D0-8817-FD0C98372C54}"/>
+              </a:ext>
+            </a:extLst>
+          </p:cNvPr>
+          <p:cNvSpPr txBox="1"/>
+          <p:nvPr/>
+        </p:nvSpPr>
+        <p:spPr>
+          <a:xfrm>
+            <a:off x="95250" y="104775"/>
+            <a:ext cx="5958939" cy="523220"/>
+          </a:xfrm>
+          <a:prstGeom prst="rect">
+            <a:avLst/>
+          </a:prstGeom>
+          <a:noFill/>
+        </p:spPr>
+        <p:txBody>
+          <a:bodyPr wrap="none" rtlCol="0">
+            <a:spAutoFit/>
+          </a:bodyPr>
+          <a:lstStyle/>
+          <a:p>
+            <a:r>
+              <a:rPr lang="en-US" sz="2800" b="1" dirty="0">
+                <a:solidFill>
+                  <a:srgbClr val="0070C0"/>
+                </a:solidFill>
+              </a:rPr>
+              <a:t>CP + CFB: Pressure Control </a:t>
+            </a:r>
+            <a:r>
+              <a:rPr lang="en-US" sz="2000" b="1" dirty="0">
+                <a:solidFill>
+                  <a:srgbClr val="0070C0"/>
+                </a:solidFill>
+              </a:rPr>
+              <a:t>w/ full dynamics</a:t>
+            </a:r>
+          </a:p>
+        </p:txBody>
+      </p:sp>
+      <p:grpSp>
+        <p:nvGrpSpPr>
+          <p:cNvPr id="7" name="Group 6">
+            <a:extLst>
+              <a:ext uri="{FF2B5EF4-FFF2-40B4-BE49-F238E27FC236}">
+                <a16:creationId xmlns:a16="http://schemas.microsoft.com/office/drawing/2014/main" id="{0A9DCBF0-FBAE-4164-9F60-B3D7B6218FE7}"/>
+              </a:ext>
+            </a:extLst>
+          </p:cNvPr>
+          <p:cNvGrpSpPr/>
+          <p:nvPr/>
+        </p:nvGrpSpPr>
+        <p:grpSpPr>
+          <a:xfrm>
+            <a:off x="402336" y="877824"/>
+            <a:ext cx="10560653" cy="5842159"/>
+            <a:chOff x="402336" y="877824"/>
+            <a:chExt cx="10560653" cy="5842159"/>
+          </a:xfrm>
+        </p:grpSpPr>
+        <p:pic>
+          <p:nvPicPr>
+            <p:cNvPr id="3" name="Picture 2">
+              <a:extLst>
+                <a:ext uri="{FF2B5EF4-FFF2-40B4-BE49-F238E27FC236}">
+                  <a16:creationId xmlns:a16="http://schemas.microsoft.com/office/drawing/2014/main" id="{CD37D7BA-1CEA-4183-8AAA-76AE823CC723}"/>
+                </a:ext>
+              </a:extLst>
+            </p:cNvPr>
+            <p:cNvPicPr>
+              <a:picLocks noChangeAspect="1"/>
+            </p:cNvPicPr>
+            <p:nvPr/>
+          </p:nvPicPr>
+          <p:blipFill>
+            <a:blip r:embed="rId2"/>
+            <a:stretch>
+              <a:fillRect/>
+            </a:stretch>
+          </p:blipFill>
+          <p:spPr>
+            <a:xfrm>
+              <a:off x="402336" y="877824"/>
+              <a:ext cx="10560653" cy="5842159"/>
+            </a:xfrm>
+            <a:prstGeom prst="rect">
+              <a:avLst/>
+            </a:prstGeom>
+          </p:spPr>
+        </p:pic>
+        <p:sp>
+          <p:nvSpPr>
+            <p:cNvPr id="5" name="Oval 4">
+              <a:extLst>
+                <a:ext uri="{FF2B5EF4-FFF2-40B4-BE49-F238E27FC236}">
+                  <a16:creationId xmlns:a16="http://schemas.microsoft.com/office/drawing/2014/main" id="{1E9FABDA-FAF3-404B-AC52-2565112BF0BC}"/>
+                </a:ext>
+              </a:extLst>
+            </p:cNvPr>
+            <p:cNvSpPr/>
+            <p:nvPr/>
+          </p:nvSpPr>
+          <p:spPr>
+            <a:xfrm rot="16200000">
+              <a:off x="4662530" y="1178691"/>
+              <a:ext cx="572854" cy="270164"/>
+            </a:xfrm>
+            <a:prstGeom prst="ellipse">
+              <a:avLst/>
+            </a:prstGeom>
+            <a:noFill/>
+            <a:ln>
+              <a:solidFill>
+                <a:srgbClr val="FF0000"/>
+              </a:solidFill>
+            </a:ln>
+          </p:spPr>
+          <p:style>
+            <a:lnRef idx="2">
+              <a:schemeClr val="accent1">
+                <a:shade val="50000"/>
+              </a:schemeClr>
+            </a:lnRef>
+            <a:fillRef idx="1">
+              <a:schemeClr val="accent1"/>
+            </a:fillRef>
+            <a:effectRef idx="0">
+              <a:schemeClr val="accent1"/>
+            </a:effectRef>
+            <a:fontRef idx="minor">
+              <a:schemeClr val="lt1"/>
+            </a:fontRef>
+          </p:style>
+          <p:txBody>
+            <a:bodyPr rtlCol="0" anchor="ctr"/>
+            <a:lstStyle/>
+            <a:p>
+              <a:pPr algn="ctr"/>
+              <a:endParaRPr lang="en-US"/>
+            </a:p>
+          </p:txBody>
+        </p:sp>
+        <p:sp>
+          <p:nvSpPr>
+            <p:cNvPr id="6" name="TextBox 5">
+              <a:extLst>
+                <a:ext uri="{FF2B5EF4-FFF2-40B4-BE49-F238E27FC236}">
+                  <a16:creationId xmlns:a16="http://schemas.microsoft.com/office/drawing/2014/main" id="{37E7B3D1-A08A-4939-9764-AD650AA956BB}"/>
+                </a:ext>
+              </a:extLst>
+            </p:cNvPr>
+            <p:cNvSpPr txBox="1"/>
+            <p:nvPr/>
+          </p:nvSpPr>
+          <p:spPr>
+            <a:xfrm>
+              <a:off x="8387977" y="4095081"/>
+              <a:ext cx="2476897" cy="2369880"/>
+            </a:xfrm>
+            <a:prstGeom prst="rect">
+              <a:avLst/>
+            </a:prstGeom>
+            <a:solidFill>
+              <a:schemeClr val="bg1"/>
+            </a:solidFill>
+            <a:ln>
+              <a:solidFill>
+                <a:schemeClr val="accent1"/>
+              </a:solidFill>
+            </a:ln>
+          </p:spPr>
+          <p:txBody>
+            <a:bodyPr wrap="none" rtlCol="0">
+              <a:spAutoFit/>
+            </a:bodyPr>
+            <a:lstStyle/>
+            <a:p>
+              <a:r>
+                <a:rPr lang="en-US" dirty="0"/>
+                <a:t>Feedback Filtering</a:t>
+              </a:r>
+            </a:p>
+            <a:p>
+              <a:pPr marL="285750" indent="-285750">
+                <a:buFont typeface="Arial" panose="020B0604020202020204" pitchFamily="34" charset="0"/>
+                <a:buChar char="•"/>
+              </a:pPr>
+              <a:r>
+                <a:rPr lang="en-US" sz="1400" dirty="0"/>
+                <a:t>IIR 3</a:t>
+              </a:r>
+              <a:r>
+                <a:rPr lang="en-US" sz="1400" baseline="30000" dirty="0"/>
+                <a:t>rd</a:t>
+              </a:r>
+              <a:r>
+                <a:rPr lang="en-US" sz="1400" dirty="0"/>
+                <a:t> order</a:t>
+              </a:r>
+            </a:p>
+            <a:p>
+              <a:pPr marL="285750" indent="-285750">
+                <a:buFont typeface="Arial" panose="020B0604020202020204" pitchFamily="34" charset="0"/>
+                <a:buChar char="•"/>
+              </a:pPr>
+              <a:r>
+                <a:rPr lang="en-US" sz="1400" dirty="0"/>
+                <a:t>20 Hz cutoff </a:t>
+              </a:r>
+            </a:p>
+            <a:p>
+              <a:pPr marL="285750" indent="-285750">
+                <a:buFont typeface="Arial" panose="020B0604020202020204" pitchFamily="34" charset="0"/>
+                <a:buChar char="•"/>
+              </a:pPr>
+              <a:r>
+                <a:rPr lang="en-US" sz="1400" dirty="0"/>
+                <a:t>30 dB attenuation</a:t>
+              </a:r>
+            </a:p>
+            <a:p>
+              <a:pPr marL="285750" indent="-285750">
+                <a:buFont typeface="Arial" panose="020B0604020202020204" pitchFamily="34" charset="0"/>
+                <a:buChar char="•"/>
+              </a:pPr>
+              <a:r>
+                <a:rPr lang="en-US" sz="1400" dirty="0"/>
+                <a:t>0.5 dB passband max ripple</a:t>
+              </a:r>
+            </a:p>
+            <a:p>
+              <a:pPr marL="285750" indent="-285750">
+                <a:buFont typeface="Arial" panose="020B0604020202020204" pitchFamily="34" charset="0"/>
+                <a:buChar char="•"/>
+              </a:pPr>
+              <a:endParaRPr lang="en-US" sz="1400" dirty="0"/>
+            </a:p>
+            <a:p>
+              <a:r>
+                <a:rPr lang="en-US" dirty="0"/>
+                <a:t>PID Controller</a:t>
+              </a:r>
+            </a:p>
+            <a:p>
+              <a:pPr marL="285750" indent="-285750">
+                <a:buFont typeface="Arial" panose="020B0604020202020204" pitchFamily="34" charset="0"/>
+                <a:buChar char="•"/>
+              </a:pPr>
+              <a:r>
+                <a:rPr lang="en-US" sz="1400" dirty="0"/>
+                <a:t>FFW = 40 (%FS)</a:t>
+              </a:r>
+            </a:p>
+            <a:p>
+              <a:pPr marL="285750" indent="-285750">
+                <a:buFont typeface="Arial" panose="020B0604020202020204" pitchFamily="34" charset="0"/>
+                <a:buChar char="•"/>
+              </a:pPr>
+              <a:r>
+                <a:rPr lang="en-US" sz="1400" dirty="0"/>
+                <a:t>P = 5 (%FS/cmH2O)</a:t>
+              </a:r>
+            </a:p>
+            <a:p>
+              <a:pPr marL="285750" indent="-285750">
+                <a:buFont typeface="Arial" panose="020B0604020202020204" pitchFamily="34" charset="0"/>
+                <a:buChar char="•"/>
+              </a:pPr>
+              <a:r>
+                <a:rPr lang="en-US" sz="1400" dirty="0"/>
+                <a:t>I = 10 (%FS/(cmH2O*s))</a:t>
+              </a:r>
+            </a:p>
+          </p:txBody>
+        </p:sp>
+      </p:grpSp>
+    </p:spTree>
+    <p:extLst>
+      <p:ext uri="{BB962C8B-B14F-4D97-AF65-F5344CB8AC3E}">
+        <p14:creationId xmlns:p14="http://schemas.microsoft.com/office/powerpoint/2010/main" val="353410821"/>
+      </p:ext>
+    </p:extLst>
+  </p:cSld>
+  <p:clrMapOvr>
+    <a:masterClrMapping/>
+  </p:clrMapOvr>
+</p:sld>
+</file>
+
 <file path=ppt/slides/slide4.xml><?xml version="1.0" encoding="utf-8"?>
 <p:sld xmlns:a="http://schemas.openxmlformats.org/drawingml/2006/main" xmlns:r="http://schemas.openxmlformats.org/officeDocument/2006/relationships" xmlns:p="http://schemas.openxmlformats.org/presentationml/2006/main">
   <p:cSld>

--- a/models/simscape/analysis/analysis.pptx
+++ b/models/simscape/analysis/analysis.pptx
@@ -36,6 +36,7 @@
     <p:sldId id="288" r:id="rId30"/>
     <p:sldId id="289" r:id="rId31"/>
     <p:sldId id="290" r:id="rId32"/>
+    <p:sldId id="291" r:id="rId33"/>
   </p:sldIdLst>
   <p:sldSz cx="12192000" cy="6858000"/>
   <p:notesSz cx="6858000" cy="9144000"/>
@@ -5968,6 +5969,352 @@
 </p:sld>
 </file>
 
+<file path=ppt/slides/slide32.xml><?xml version="1.0" encoding="utf-8"?>
+<p:sld xmlns:a="http://schemas.openxmlformats.org/drawingml/2006/main" xmlns:r="http://schemas.openxmlformats.org/officeDocument/2006/relationships" xmlns:p="http://schemas.openxmlformats.org/presentationml/2006/main">
+  <p:cSld>
+    <p:spTree>
+      <p:nvGrpSpPr>
+        <p:cNvPr id="1" name=""/>
+        <p:cNvGrpSpPr/>
+        <p:nvPr/>
+      </p:nvGrpSpPr>
+      <p:grpSpPr>
+        <a:xfrm>
+          <a:off x="0" y="0"/>
+          <a:ext cx="0" cy="0"/>
+          <a:chOff x="0" y="0"/>
+          <a:chExt cx="0" cy="0"/>
+        </a:xfrm>
+      </p:grpSpPr>
+      <p:sp>
+        <p:nvSpPr>
+          <p:cNvPr id="2" name="TextBox 1">
+            <a:extLst>
+              <a:ext uri="{FF2B5EF4-FFF2-40B4-BE49-F238E27FC236}">
+                <a16:creationId xmlns:a16="http://schemas.microsoft.com/office/drawing/2014/main" id="{59E5665D-3379-40D0-8817-FD0C98372C54}"/>
+              </a:ext>
+            </a:extLst>
+          </p:cNvPr>
+          <p:cNvSpPr txBox="1"/>
+          <p:nvPr/>
+        </p:nvSpPr>
+        <p:spPr>
+          <a:xfrm>
+            <a:off x="95250" y="104775"/>
+            <a:ext cx="5958939" cy="523220"/>
+          </a:xfrm>
+          <a:prstGeom prst="rect">
+            <a:avLst/>
+          </a:prstGeom>
+          <a:noFill/>
+        </p:spPr>
+        <p:txBody>
+          <a:bodyPr wrap="none" rtlCol="0">
+            <a:spAutoFit/>
+          </a:bodyPr>
+          <a:lstStyle/>
+          <a:p>
+            <a:r>
+              <a:rPr lang="en-US" sz="2800" b="1" dirty="0">
+                <a:solidFill>
+                  <a:srgbClr val="0070C0"/>
+                </a:solidFill>
+              </a:rPr>
+              <a:t>CP + CFB: Pressure Control </a:t>
+            </a:r>
+            <a:r>
+              <a:rPr lang="en-US" sz="2000" b="1" dirty="0">
+                <a:solidFill>
+                  <a:srgbClr val="0070C0"/>
+                </a:solidFill>
+              </a:rPr>
+              <a:t>w/ full dynamics</a:t>
+            </a:r>
+          </a:p>
+        </p:txBody>
+      </p:sp>
+      <p:grpSp>
+        <p:nvGrpSpPr>
+          <p:cNvPr id="15" name="Group 14">
+            <a:extLst>
+              <a:ext uri="{FF2B5EF4-FFF2-40B4-BE49-F238E27FC236}">
+                <a16:creationId xmlns:a16="http://schemas.microsoft.com/office/drawing/2014/main" id="{DA8561C5-E07F-4D1F-9C86-94B31260161C}"/>
+              </a:ext>
+            </a:extLst>
+          </p:cNvPr>
+          <p:cNvGrpSpPr/>
+          <p:nvPr/>
+        </p:nvGrpSpPr>
+        <p:grpSpPr>
+          <a:xfrm>
+            <a:off x="402336" y="877824"/>
+            <a:ext cx="10560653" cy="5842159"/>
+            <a:chOff x="402336" y="877824"/>
+            <a:chExt cx="10560653" cy="5842159"/>
+          </a:xfrm>
+        </p:grpSpPr>
+        <p:pic>
+          <p:nvPicPr>
+            <p:cNvPr id="4" name="Picture 3">
+              <a:extLst>
+                <a:ext uri="{FF2B5EF4-FFF2-40B4-BE49-F238E27FC236}">
+                  <a16:creationId xmlns:a16="http://schemas.microsoft.com/office/drawing/2014/main" id="{304E1485-BE32-482E-AB7C-D3574F2D72B5}"/>
+                </a:ext>
+              </a:extLst>
+            </p:cNvPr>
+            <p:cNvPicPr>
+              <a:picLocks noChangeAspect="1"/>
+            </p:cNvPicPr>
+            <p:nvPr/>
+          </p:nvPicPr>
+          <p:blipFill>
+            <a:blip r:embed="rId2"/>
+            <a:stretch>
+              <a:fillRect/>
+            </a:stretch>
+          </p:blipFill>
+          <p:spPr>
+            <a:xfrm>
+              <a:off x="402336" y="877824"/>
+              <a:ext cx="10560653" cy="5842159"/>
+            </a:xfrm>
+            <a:prstGeom prst="rect">
+              <a:avLst/>
+            </a:prstGeom>
+          </p:spPr>
+        </p:pic>
+        <p:sp>
+          <p:nvSpPr>
+            <p:cNvPr id="8" name="TextBox 7">
+              <a:extLst>
+                <a:ext uri="{FF2B5EF4-FFF2-40B4-BE49-F238E27FC236}">
+                  <a16:creationId xmlns:a16="http://schemas.microsoft.com/office/drawing/2014/main" id="{C4026858-4C2B-45E9-8866-D0AE0D866FA8}"/>
+                </a:ext>
+              </a:extLst>
+            </p:cNvPr>
+            <p:cNvSpPr txBox="1"/>
+            <p:nvPr/>
+          </p:nvSpPr>
+          <p:spPr>
+            <a:xfrm>
+              <a:off x="8387977" y="4095081"/>
+              <a:ext cx="2476897" cy="2369880"/>
+            </a:xfrm>
+            <a:prstGeom prst="rect">
+              <a:avLst/>
+            </a:prstGeom>
+            <a:solidFill>
+              <a:schemeClr val="bg1"/>
+            </a:solidFill>
+            <a:ln>
+              <a:solidFill>
+                <a:schemeClr val="accent1"/>
+              </a:solidFill>
+            </a:ln>
+          </p:spPr>
+          <p:txBody>
+            <a:bodyPr wrap="none" rtlCol="0">
+              <a:spAutoFit/>
+            </a:bodyPr>
+            <a:lstStyle/>
+            <a:p>
+              <a:r>
+                <a:rPr lang="en-US" dirty="0"/>
+                <a:t>Feedback Filtering</a:t>
+              </a:r>
+            </a:p>
+            <a:p>
+              <a:pPr marL="285750" indent="-285750">
+                <a:buFont typeface="Arial" panose="020B0604020202020204" pitchFamily="34" charset="0"/>
+                <a:buChar char="•"/>
+              </a:pPr>
+              <a:r>
+                <a:rPr lang="en-US" sz="1400" dirty="0"/>
+                <a:t>IIR 3</a:t>
+              </a:r>
+              <a:r>
+                <a:rPr lang="en-US" sz="1400" baseline="30000" dirty="0"/>
+                <a:t>rd</a:t>
+              </a:r>
+              <a:r>
+                <a:rPr lang="en-US" sz="1400" dirty="0"/>
+                <a:t> order</a:t>
+              </a:r>
+            </a:p>
+            <a:p>
+              <a:pPr marL="285750" indent="-285750">
+                <a:buFont typeface="Arial" panose="020B0604020202020204" pitchFamily="34" charset="0"/>
+                <a:buChar char="•"/>
+              </a:pPr>
+              <a:r>
+                <a:rPr lang="en-US" sz="1400" dirty="0"/>
+                <a:t>20 Hz cutoff </a:t>
+              </a:r>
+            </a:p>
+            <a:p>
+              <a:pPr marL="285750" indent="-285750">
+                <a:buFont typeface="Arial" panose="020B0604020202020204" pitchFamily="34" charset="0"/>
+                <a:buChar char="•"/>
+              </a:pPr>
+              <a:r>
+                <a:rPr lang="en-US" sz="1400" dirty="0"/>
+                <a:t>30 dB attenuation</a:t>
+              </a:r>
+            </a:p>
+            <a:p>
+              <a:pPr marL="285750" indent="-285750">
+                <a:buFont typeface="Arial" panose="020B0604020202020204" pitchFamily="34" charset="0"/>
+                <a:buChar char="•"/>
+              </a:pPr>
+              <a:r>
+                <a:rPr lang="en-US" sz="1400" dirty="0"/>
+                <a:t>0.5 dB passband max ripple</a:t>
+              </a:r>
+            </a:p>
+            <a:p>
+              <a:pPr marL="285750" indent="-285750">
+                <a:buFont typeface="Arial" panose="020B0604020202020204" pitchFamily="34" charset="0"/>
+                <a:buChar char="•"/>
+              </a:pPr>
+              <a:endParaRPr lang="en-US" sz="1400" dirty="0"/>
+            </a:p>
+            <a:p>
+              <a:r>
+                <a:rPr lang="en-US" dirty="0"/>
+                <a:t>PID Controller</a:t>
+              </a:r>
+            </a:p>
+            <a:p>
+              <a:pPr marL="285750" indent="-285750">
+                <a:buFont typeface="Arial" panose="020B0604020202020204" pitchFamily="34" charset="0"/>
+                <a:buChar char="•"/>
+              </a:pPr>
+              <a:r>
+                <a:rPr lang="en-US" sz="1400" dirty="0"/>
+                <a:t>FFW = 40 (%FS)</a:t>
+              </a:r>
+            </a:p>
+            <a:p>
+              <a:pPr marL="285750" indent="-285750">
+                <a:buFont typeface="Arial" panose="020B0604020202020204" pitchFamily="34" charset="0"/>
+                <a:buChar char="•"/>
+              </a:pPr>
+              <a:r>
+                <a:rPr lang="en-US" sz="1400" dirty="0"/>
+                <a:t>P = 5 (%FS/cmH2O)</a:t>
+              </a:r>
+            </a:p>
+            <a:p>
+              <a:pPr marL="285750" indent="-285750">
+                <a:buFont typeface="Arial" panose="020B0604020202020204" pitchFamily="34" charset="0"/>
+                <a:buChar char="•"/>
+              </a:pPr>
+              <a:r>
+                <a:rPr lang="en-US" sz="1400" dirty="0"/>
+                <a:t>I = 10 (%FS/(cmH2O*s))</a:t>
+              </a:r>
+            </a:p>
+          </p:txBody>
+        </p:sp>
+        <p:cxnSp>
+          <p:nvCxnSpPr>
+            <p:cNvPr id="9" name="Straight Arrow Connector 8">
+              <a:extLst>
+                <a:ext uri="{FF2B5EF4-FFF2-40B4-BE49-F238E27FC236}">
+                  <a16:creationId xmlns:a16="http://schemas.microsoft.com/office/drawing/2014/main" id="{6336A740-7131-4C34-8B2D-8DAD378C7B6B}"/>
+                </a:ext>
+              </a:extLst>
+            </p:cNvPr>
+            <p:cNvCxnSpPr>
+              <a:cxnSpLocks/>
+              <a:endCxn id="12" idx="1"/>
+            </p:cNvCxnSpPr>
+            <p:nvPr/>
+          </p:nvCxnSpPr>
+          <p:spPr>
+            <a:xfrm>
+              <a:off x="4998027" y="1226128"/>
+              <a:ext cx="580496" cy="0"/>
+            </a:xfrm>
+            <a:prstGeom prst="straightConnector1">
+              <a:avLst/>
+            </a:prstGeom>
+            <a:ln w="12700">
+              <a:solidFill>
+                <a:srgbClr val="FF0000"/>
+              </a:solidFill>
+              <a:headEnd type="triangle" w="lg" len="med"/>
+              <a:tailEnd type="none" w="lg" len="med"/>
+            </a:ln>
+          </p:spPr>
+          <p:style>
+            <a:lnRef idx="1">
+              <a:schemeClr val="accent1"/>
+            </a:lnRef>
+            <a:fillRef idx="0">
+              <a:schemeClr val="accent1"/>
+            </a:fillRef>
+            <a:effectRef idx="0">
+              <a:schemeClr val="accent1"/>
+            </a:effectRef>
+            <a:fontRef idx="minor">
+              <a:schemeClr val="tx1"/>
+            </a:fontRef>
+          </p:style>
+        </p:cxnSp>
+        <p:sp>
+          <p:nvSpPr>
+            <p:cNvPr id="12" name="TextBox 11">
+              <a:extLst>
+                <a:ext uri="{FF2B5EF4-FFF2-40B4-BE49-F238E27FC236}">
+                  <a16:creationId xmlns:a16="http://schemas.microsoft.com/office/drawing/2014/main" id="{D7DA20B3-18B4-40C4-A3F5-25F6253B2B28}"/>
+                </a:ext>
+              </a:extLst>
+            </p:cNvPr>
+            <p:cNvSpPr txBox="1"/>
+            <p:nvPr/>
+          </p:nvSpPr>
+          <p:spPr>
+            <a:xfrm>
+              <a:off x="5578523" y="1041462"/>
+              <a:ext cx="727828" cy="369332"/>
+            </a:xfrm>
+            <a:prstGeom prst="rect">
+              <a:avLst/>
+            </a:prstGeom>
+            <a:noFill/>
+          </p:spPr>
+          <p:txBody>
+            <a:bodyPr wrap="none" rtlCol="0">
+              <a:spAutoFit/>
+            </a:bodyPr>
+            <a:lstStyle/>
+            <a:p>
+              <a:r>
+                <a:rPr lang="en-US" dirty="0">
+                  <a:solidFill>
+                    <a:srgbClr val="FF0000"/>
+                  </a:solidFill>
+                </a:rPr>
+                <a:t>larger</a:t>
+              </a:r>
+            </a:p>
+          </p:txBody>
+        </p:sp>
+      </p:grpSp>
+    </p:spTree>
+    <p:extLst>
+      <p:ext uri="{BB962C8B-B14F-4D97-AF65-F5344CB8AC3E}">
+        <p14:creationId xmlns:p14="http://schemas.microsoft.com/office/powerpoint/2010/main" val="2144139218"/>
+      </p:ext>
+    </p:extLst>
+  </p:cSld>
+  <p:clrMapOvr>
+    <a:masterClrMapping/>
+  </p:clrMapOvr>
+</p:sld>
+</file>
+
 <file path=ppt/slides/slide4.xml><?xml version="1.0" encoding="utf-8"?>
 <p:sld xmlns:a="http://schemas.openxmlformats.org/drawingml/2006/main" xmlns:r="http://schemas.openxmlformats.org/officeDocument/2006/relationships" xmlns:p="http://schemas.openxmlformats.org/presentationml/2006/main">
   <p:cSld>

--- a/models/simscape/analysis/analysis.pptx
+++ b/models/simscape/analysis/analysis.pptx
@@ -37,6 +37,7 @@
     <p:sldId id="289" r:id="rId31"/>
     <p:sldId id="290" r:id="rId32"/>
     <p:sldId id="291" r:id="rId33"/>
+    <p:sldId id="292" r:id="rId34"/>
   </p:sldIdLst>
   <p:sldSz cx="12192000" cy="6858000"/>
   <p:notesSz cx="6858000" cy="9144000"/>
@@ -6315,6 +6316,262 @@
 </p:sld>
 </file>
 
+<file path=ppt/slides/slide33.xml><?xml version="1.0" encoding="utf-8"?>
+<p:sld xmlns:a="http://schemas.openxmlformats.org/drawingml/2006/main" xmlns:r="http://schemas.openxmlformats.org/officeDocument/2006/relationships" xmlns:p="http://schemas.openxmlformats.org/presentationml/2006/main">
+  <p:cSld>
+    <p:spTree>
+      <p:nvGrpSpPr>
+        <p:cNvPr id="1" name=""/>
+        <p:cNvGrpSpPr/>
+        <p:nvPr/>
+      </p:nvGrpSpPr>
+      <p:grpSpPr>
+        <a:xfrm>
+          <a:off x="0" y="0"/>
+          <a:ext cx="0" cy="0"/>
+          <a:chOff x="0" y="0"/>
+          <a:chExt cx="0" cy="0"/>
+        </a:xfrm>
+      </p:grpSpPr>
+      <p:pic>
+        <p:nvPicPr>
+          <p:cNvPr id="2" name="Picture 1">
+            <a:extLst>
+              <a:ext uri="{FF2B5EF4-FFF2-40B4-BE49-F238E27FC236}">
+                <a16:creationId xmlns:a16="http://schemas.microsoft.com/office/drawing/2014/main" id="{2C71E10E-FBFA-4058-BCA9-10515AFED45A}"/>
+              </a:ext>
+            </a:extLst>
+          </p:cNvPr>
+          <p:cNvPicPr>
+            <a:picLocks noChangeAspect="1"/>
+          </p:cNvPicPr>
+          <p:nvPr/>
+        </p:nvPicPr>
+        <p:blipFill>
+          <a:blip r:embed="rId2"/>
+          <a:stretch>
+            <a:fillRect/>
+          </a:stretch>
+        </p:blipFill>
+        <p:spPr>
+          <a:xfrm>
+            <a:off x="402336" y="877824"/>
+            <a:ext cx="10560653" cy="5842159"/>
+          </a:xfrm>
+          <a:prstGeom prst="rect">
+            <a:avLst/>
+          </a:prstGeom>
+        </p:spPr>
+      </p:pic>
+      <p:sp>
+        <p:nvSpPr>
+          <p:cNvPr id="3" name="TextBox 2">
+            <a:extLst>
+              <a:ext uri="{FF2B5EF4-FFF2-40B4-BE49-F238E27FC236}">
+                <a16:creationId xmlns:a16="http://schemas.microsoft.com/office/drawing/2014/main" id="{C80C2A4C-1420-40B1-AB26-B4F874DC1CDA}"/>
+              </a:ext>
+            </a:extLst>
+          </p:cNvPr>
+          <p:cNvSpPr txBox="1"/>
+          <p:nvPr/>
+        </p:nvSpPr>
+        <p:spPr>
+          <a:xfrm>
+            <a:off x="95250" y="104775"/>
+            <a:ext cx="10024476" cy="523220"/>
+          </a:xfrm>
+          <a:prstGeom prst="rect">
+            <a:avLst/>
+          </a:prstGeom>
+          <a:noFill/>
+        </p:spPr>
+        <p:txBody>
+          <a:bodyPr wrap="none" rtlCol="0">
+            <a:spAutoFit/>
+          </a:bodyPr>
+          <a:lstStyle/>
+          <a:p>
+            <a:r>
+              <a:rPr lang="en-US" sz="2800" b="1" dirty="0">
+                <a:solidFill>
+                  <a:srgbClr val="0070C0"/>
+                </a:solidFill>
+              </a:rPr>
+              <a:t>CP + CFB: Pressure Control </a:t>
+            </a:r>
+            <a:r>
+              <a:rPr lang="en-US" sz="2000" b="1" dirty="0">
+                <a:solidFill>
+                  <a:srgbClr val="0070C0"/>
+                </a:solidFill>
+              </a:rPr>
+              <a:t>w/ FOPDT representing full </a:t>
+            </a:r>
+            <a:r>
+              <a:rPr lang="en-US" sz="2000" b="1">
+                <a:solidFill>
+                  <a:srgbClr val="0070C0"/>
+                </a:solidFill>
+              </a:rPr>
+              <a:t>dynamics w/ Series </a:t>
+            </a:r>
+            <a:r>
+              <a:rPr lang="en-US" sz="2000" b="1" dirty="0">
+                <a:solidFill>
+                  <a:srgbClr val="0070C0"/>
+                </a:solidFill>
+              </a:rPr>
+              <a:t>130 evo</a:t>
+            </a:r>
+          </a:p>
+        </p:txBody>
+      </p:sp>
+      <p:sp>
+        <p:nvSpPr>
+          <p:cNvPr id="4" name="TextBox 3">
+            <a:extLst>
+              <a:ext uri="{FF2B5EF4-FFF2-40B4-BE49-F238E27FC236}">
+                <a16:creationId xmlns:a16="http://schemas.microsoft.com/office/drawing/2014/main" id="{23B6544D-CE59-4BE6-B8E6-D8B23E971FAE}"/>
+              </a:ext>
+            </a:extLst>
+          </p:cNvPr>
+          <p:cNvSpPr txBox="1"/>
+          <p:nvPr/>
+        </p:nvSpPr>
+        <p:spPr>
+          <a:xfrm>
+            <a:off x="8387977" y="4095081"/>
+            <a:ext cx="2476897" cy="2369880"/>
+          </a:xfrm>
+          <a:prstGeom prst="rect">
+            <a:avLst/>
+          </a:prstGeom>
+          <a:solidFill>
+            <a:schemeClr val="bg1"/>
+          </a:solidFill>
+          <a:ln>
+            <a:solidFill>
+              <a:schemeClr val="accent1"/>
+            </a:solidFill>
+          </a:ln>
+        </p:spPr>
+        <p:txBody>
+          <a:bodyPr wrap="none" rtlCol="0">
+            <a:spAutoFit/>
+          </a:bodyPr>
+          <a:lstStyle/>
+          <a:p>
+            <a:r>
+              <a:rPr lang="en-US" dirty="0"/>
+              <a:t>Feedback Filtering</a:t>
+            </a:r>
+          </a:p>
+          <a:p>
+            <a:pPr marL="285750" indent="-285750">
+              <a:buFont typeface="Arial" panose="020B0604020202020204" pitchFamily="34" charset="0"/>
+              <a:buChar char="•"/>
+            </a:pPr>
+            <a:r>
+              <a:rPr lang="en-US" sz="1400" dirty="0"/>
+              <a:t>IIR 3</a:t>
+            </a:r>
+            <a:r>
+              <a:rPr lang="en-US" sz="1400" baseline="30000" dirty="0"/>
+              <a:t>rd</a:t>
+            </a:r>
+            <a:r>
+              <a:rPr lang="en-US" sz="1400" dirty="0"/>
+              <a:t> order</a:t>
+            </a:r>
+          </a:p>
+          <a:p>
+            <a:pPr marL="285750" indent="-285750">
+              <a:buFont typeface="Arial" panose="020B0604020202020204" pitchFamily="34" charset="0"/>
+              <a:buChar char="•"/>
+            </a:pPr>
+            <a:r>
+              <a:rPr lang="en-US" sz="1400" dirty="0"/>
+              <a:t>10 Hz cutoff </a:t>
+            </a:r>
+          </a:p>
+          <a:p>
+            <a:pPr marL="285750" indent="-285750">
+              <a:buFont typeface="Arial" panose="020B0604020202020204" pitchFamily="34" charset="0"/>
+              <a:buChar char="•"/>
+            </a:pPr>
+            <a:r>
+              <a:rPr lang="en-US" sz="1400" dirty="0"/>
+              <a:t>30 dB attenuation</a:t>
+            </a:r>
+          </a:p>
+          <a:p>
+            <a:pPr marL="285750" indent="-285750">
+              <a:buFont typeface="Arial" panose="020B0604020202020204" pitchFamily="34" charset="0"/>
+              <a:buChar char="•"/>
+            </a:pPr>
+            <a:r>
+              <a:rPr lang="en-US" sz="1400" dirty="0"/>
+              <a:t>0.5 dB passband max ripple</a:t>
+            </a:r>
+          </a:p>
+          <a:p>
+            <a:pPr marL="285750" indent="-285750">
+              <a:buFont typeface="Arial" panose="020B0604020202020204" pitchFamily="34" charset="0"/>
+              <a:buChar char="•"/>
+            </a:pPr>
+            <a:endParaRPr lang="en-US" sz="1400" dirty="0"/>
+          </a:p>
+          <a:p>
+            <a:r>
+              <a:rPr lang="en-US" dirty="0"/>
+              <a:t>PID Controller</a:t>
+            </a:r>
+          </a:p>
+          <a:p>
+            <a:pPr marL="285750" indent="-285750">
+              <a:buFont typeface="Arial" panose="020B0604020202020204" pitchFamily="34" charset="0"/>
+              <a:buChar char="•"/>
+            </a:pPr>
+            <a:r>
+              <a:rPr lang="en-US" sz="1400" dirty="0"/>
+              <a:t>FFW = 35 (%FS)</a:t>
+            </a:r>
+          </a:p>
+          <a:p>
+            <a:pPr marL="285750" indent="-285750">
+              <a:buFont typeface="Arial" panose="020B0604020202020204" pitchFamily="34" charset="0"/>
+              <a:buChar char="•"/>
+            </a:pPr>
+            <a:r>
+              <a:rPr lang="en-US" sz="1400" dirty="0"/>
+              <a:t>P = 1 (%FS/cmH2O)</a:t>
+            </a:r>
+          </a:p>
+          <a:p>
+            <a:pPr marL="285750" indent="-285750">
+              <a:buFont typeface="Arial" panose="020B0604020202020204" pitchFamily="34" charset="0"/>
+              <a:buChar char="•"/>
+            </a:pPr>
+            <a:r>
+              <a:rPr lang="en-US" sz="1400" dirty="0"/>
+              <a:t>I = 30 (%FS/(cmH2O*s))</a:t>
+            </a:r>
+          </a:p>
+        </p:txBody>
+      </p:sp>
+    </p:spTree>
+    <p:extLst>
+      <p:ext uri="{BB962C8B-B14F-4D97-AF65-F5344CB8AC3E}">
+        <p14:creationId xmlns:p14="http://schemas.microsoft.com/office/powerpoint/2010/main" val="2888715965"/>
+      </p:ext>
+    </p:extLst>
+  </p:cSld>
+  <p:clrMapOvr>
+    <a:masterClrMapping/>
+  </p:clrMapOvr>
+</p:sld>
+</file>
+
 <file path=ppt/slides/slide4.xml><?xml version="1.0" encoding="utf-8"?>
 <p:sld xmlns:a="http://schemas.openxmlformats.org/drawingml/2006/main" xmlns:r="http://schemas.openxmlformats.org/officeDocument/2006/relationships" xmlns:p="http://schemas.openxmlformats.org/presentationml/2006/main">
   <p:cSld>

--- a/models/simscape/analysis/analysis.pptx
+++ b/models/simscape/analysis/analysis.pptx
@@ -6333,36 +6333,6 @@
           <a:chExt cx="0" cy="0"/>
         </a:xfrm>
       </p:grpSpPr>
-      <p:pic>
-        <p:nvPicPr>
-          <p:cNvPr id="2" name="Picture 1">
-            <a:extLst>
-              <a:ext uri="{FF2B5EF4-FFF2-40B4-BE49-F238E27FC236}">
-                <a16:creationId xmlns:a16="http://schemas.microsoft.com/office/drawing/2014/main" id="{2C71E10E-FBFA-4058-BCA9-10515AFED45A}"/>
-              </a:ext>
-            </a:extLst>
-          </p:cNvPr>
-          <p:cNvPicPr>
-            <a:picLocks noChangeAspect="1"/>
-          </p:cNvPicPr>
-          <p:nvPr/>
-        </p:nvPicPr>
-        <p:blipFill>
-          <a:blip r:embed="rId2"/>
-          <a:stretch>
-            <a:fillRect/>
-          </a:stretch>
-        </p:blipFill>
-        <p:spPr>
-          <a:xfrm>
-            <a:off x="402336" y="877824"/>
-            <a:ext cx="10560653" cy="5842159"/>
-          </a:xfrm>
-          <a:prstGeom prst="rect">
-            <a:avLst/>
-          </a:prstGeom>
-        </p:spPr>
-      </p:pic>
       <p:sp>
         <p:nvSpPr>
           <p:cNvPr id="3" name="TextBox 2">
@@ -6426,139 +6396,190 @@
           </a:p>
         </p:txBody>
       </p:sp>
-      <p:sp>
-        <p:nvSpPr>
-          <p:cNvPr id="4" name="TextBox 3">
+      <p:grpSp>
+        <p:nvGrpSpPr>
+          <p:cNvPr id="5" name="Group 4">
             <a:extLst>
               <a:ext uri="{FF2B5EF4-FFF2-40B4-BE49-F238E27FC236}">
-                <a16:creationId xmlns:a16="http://schemas.microsoft.com/office/drawing/2014/main" id="{23B6544D-CE59-4BE6-B8E6-D8B23E971FAE}"/>
+                <a16:creationId xmlns:a16="http://schemas.microsoft.com/office/drawing/2014/main" id="{7AAA4F13-5C46-4D56-A1ED-25D69F2ED458}"/>
               </a:ext>
             </a:extLst>
           </p:cNvPr>
-          <p:cNvSpPr txBox="1"/>
+          <p:cNvGrpSpPr/>
           <p:nvPr/>
-        </p:nvSpPr>
-        <p:spPr>
+        </p:nvGrpSpPr>
+        <p:grpSpPr>
           <a:xfrm>
-            <a:off x="8387977" y="4095081"/>
-            <a:ext cx="2476897" cy="2369880"/>
+            <a:off x="402336" y="877824"/>
+            <a:ext cx="10560653" cy="5842159"/>
+            <a:chOff x="402336" y="877824"/>
+            <a:chExt cx="10560653" cy="5842159"/>
           </a:xfrm>
-          <a:prstGeom prst="rect">
-            <a:avLst/>
-          </a:prstGeom>
-          <a:solidFill>
-            <a:schemeClr val="bg1"/>
-          </a:solidFill>
-          <a:ln>
+        </p:grpSpPr>
+        <p:pic>
+          <p:nvPicPr>
+            <p:cNvPr id="2" name="Picture 1">
+              <a:extLst>
+                <a:ext uri="{FF2B5EF4-FFF2-40B4-BE49-F238E27FC236}">
+                  <a16:creationId xmlns:a16="http://schemas.microsoft.com/office/drawing/2014/main" id="{2C71E10E-FBFA-4058-BCA9-10515AFED45A}"/>
+                </a:ext>
+              </a:extLst>
+            </p:cNvPr>
+            <p:cNvPicPr>
+              <a:picLocks noChangeAspect="1"/>
+            </p:cNvPicPr>
+            <p:nvPr/>
+          </p:nvPicPr>
+          <p:blipFill>
+            <a:blip r:embed="rId2"/>
+            <a:stretch>
+              <a:fillRect/>
+            </a:stretch>
+          </p:blipFill>
+          <p:spPr>
+            <a:xfrm>
+              <a:off x="402336" y="877824"/>
+              <a:ext cx="10560653" cy="5842159"/>
+            </a:xfrm>
+            <a:prstGeom prst="rect">
+              <a:avLst/>
+            </a:prstGeom>
+          </p:spPr>
+        </p:pic>
+        <p:sp>
+          <p:nvSpPr>
+            <p:cNvPr id="4" name="TextBox 3">
+              <a:extLst>
+                <a:ext uri="{FF2B5EF4-FFF2-40B4-BE49-F238E27FC236}">
+                  <a16:creationId xmlns:a16="http://schemas.microsoft.com/office/drawing/2014/main" id="{23B6544D-CE59-4BE6-B8E6-D8B23E971FAE}"/>
+                </a:ext>
+              </a:extLst>
+            </p:cNvPr>
+            <p:cNvSpPr txBox="1"/>
+            <p:nvPr/>
+          </p:nvSpPr>
+          <p:spPr>
+            <a:xfrm>
+              <a:off x="8387977" y="4095081"/>
+              <a:ext cx="2476897" cy="2369880"/>
+            </a:xfrm>
+            <a:prstGeom prst="rect">
+              <a:avLst/>
+            </a:prstGeom>
             <a:solidFill>
-              <a:schemeClr val="accent1"/>
+              <a:schemeClr val="bg1"/>
             </a:solidFill>
-          </a:ln>
-        </p:spPr>
-        <p:txBody>
-          <a:bodyPr wrap="none" rtlCol="0">
-            <a:spAutoFit/>
-          </a:bodyPr>
-          <a:lstStyle/>
-          <a:p>
-            <a:r>
-              <a:rPr lang="en-US" dirty="0"/>
-              <a:t>Feedback Filtering</a:t>
-            </a:r>
-          </a:p>
-          <a:p>
-            <a:pPr marL="285750" indent="-285750">
-              <a:buFont typeface="Arial" panose="020B0604020202020204" pitchFamily="34" charset="0"/>
-              <a:buChar char="•"/>
-            </a:pPr>
-            <a:r>
-              <a:rPr lang="en-US" sz="1400" dirty="0"/>
-              <a:t>IIR 3</a:t>
-            </a:r>
-            <a:r>
-              <a:rPr lang="en-US" sz="1400" baseline="30000" dirty="0"/>
-              <a:t>rd</a:t>
-            </a:r>
-            <a:r>
-              <a:rPr lang="en-US" sz="1400" dirty="0"/>
-              <a:t> order</a:t>
-            </a:r>
-          </a:p>
-          <a:p>
-            <a:pPr marL="285750" indent="-285750">
-              <a:buFont typeface="Arial" panose="020B0604020202020204" pitchFamily="34" charset="0"/>
-              <a:buChar char="•"/>
-            </a:pPr>
-            <a:r>
-              <a:rPr lang="en-US" sz="1400" dirty="0"/>
-              <a:t>10 Hz cutoff </a:t>
-            </a:r>
-          </a:p>
-          <a:p>
-            <a:pPr marL="285750" indent="-285750">
-              <a:buFont typeface="Arial" panose="020B0604020202020204" pitchFamily="34" charset="0"/>
-              <a:buChar char="•"/>
-            </a:pPr>
-            <a:r>
-              <a:rPr lang="en-US" sz="1400" dirty="0"/>
-              <a:t>30 dB attenuation</a:t>
-            </a:r>
-          </a:p>
-          <a:p>
-            <a:pPr marL="285750" indent="-285750">
-              <a:buFont typeface="Arial" panose="020B0604020202020204" pitchFamily="34" charset="0"/>
-              <a:buChar char="•"/>
-            </a:pPr>
-            <a:r>
-              <a:rPr lang="en-US" sz="1400" dirty="0"/>
-              <a:t>0.5 dB passband max ripple</a:t>
-            </a:r>
-          </a:p>
-          <a:p>
-            <a:pPr marL="285750" indent="-285750">
-              <a:buFont typeface="Arial" panose="020B0604020202020204" pitchFamily="34" charset="0"/>
-              <a:buChar char="•"/>
-            </a:pPr>
-            <a:endParaRPr lang="en-US" sz="1400" dirty="0"/>
-          </a:p>
-          <a:p>
-            <a:r>
-              <a:rPr lang="en-US" dirty="0"/>
-              <a:t>PID Controller</a:t>
-            </a:r>
-          </a:p>
-          <a:p>
-            <a:pPr marL="285750" indent="-285750">
-              <a:buFont typeface="Arial" panose="020B0604020202020204" pitchFamily="34" charset="0"/>
-              <a:buChar char="•"/>
-            </a:pPr>
-            <a:r>
-              <a:rPr lang="en-US" sz="1400" dirty="0"/>
-              <a:t>FFW = 35 (%FS)</a:t>
-            </a:r>
-          </a:p>
-          <a:p>
-            <a:pPr marL="285750" indent="-285750">
-              <a:buFont typeface="Arial" panose="020B0604020202020204" pitchFamily="34" charset="0"/>
-              <a:buChar char="•"/>
-            </a:pPr>
-            <a:r>
-              <a:rPr lang="en-US" sz="1400" dirty="0"/>
-              <a:t>P = 1 (%FS/cmH2O)</a:t>
-            </a:r>
-          </a:p>
-          <a:p>
-            <a:pPr marL="285750" indent="-285750">
-              <a:buFont typeface="Arial" panose="020B0604020202020204" pitchFamily="34" charset="0"/>
-              <a:buChar char="•"/>
-            </a:pPr>
-            <a:r>
-              <a:rPr lang="en-US" sz="1400" dirty="0"/>
-              <a:t>I = 30 (%FS/(cmH2O*s))</a:t>
-            </a:r>
-          </a:p>
-        </p:txBody>
-      </p:sp>
+            <a:ln>
+              <a:solidFill>
+                <a:schemeClr val="accent1"/>
+              </a:solidFill>
+            </a:ln>
+          </p:spPr>
+          <p:txBody>
+            <a:bodyPr wrap="none" rtlCol="0">
+              <a:spAutoFit/>
+            </a:bodyPr>
+            <a:lstStyle/>
+            <a:p>
+              <a:r>
+                <a:rPr lang="en-US" dirty="0"/>
+                <a:t>Feedback Filtering</a:t>
+              </a:r>
+            </a:p>
+            <a:p>
+              <a:pPr marL="285750" indent="-285750">
+                <a:buFont typeface="Arial" panose="020B0604020202020204" pitchFamily="34" charset="0"/>
+                <a:buChar char="•"/>
+              </a:pPr>
+              <a:r>
+                <a:rPr lang="en-US" sz="1400" dirty="0"/>
+                <a:t>IIR 3</a:t>
+              </a:r>
+              <a:r>
+                <a:rPr lang="en-US" sz="1400" baseline="30000" dirty="0"/>
+                <a:t>rd</a:t>
+              </a:r>
+              <a:r>
+                <a:rPr lang="en-US" sz="1400" dirty="0"/>
+                <a:t> order</a:t>
+              </a:r>
+            </a:p>
+            <a:p>
+              <a:pPr marL="285750" indent="-285750">
+                <a:buFont typeface="Arial" panose="020B0604020202020204" pitchFamily="34" charset="0"/>
+                <a:buChar char="•"/>
+              </a:pPr>
+              <a:r>
+                <a:rPr lang="en-US" sz="1400" dirty="0"/>
+                <a:t>10 Hz cutoff </a:t>
+              </a:r>
+            </a:p>
+            <a:p>
+              <a:pPr marL="285750" indent="-285750">
+                <a:buFont typeface="Arial" panose="020B0604020202020204" pitchFamily="34" charset="0"/>
+                <a:buChar char="•"/>
+              </a:pPr>
+              <a:r>
+                <a:rPr lang="en-US" sz="1400" dirty="0"/>
+                <a:t>30 dB attenuation</a:t>
+              </a:r>
+            </a:p>
+            <a:p>
+              <a:pPr marL="285750" indent="-285750">
+                <a:buFont typeface="Arial" panose="020B0604020202020204" pitchFamily="34" charset="0"/>
+                <a:buChar char="•"/>
+              </a:pPr>
+              <a:r>
+                <a:rPr lang="en-US" sz="1400" dirty="0"/>
+                <a:t>0.5 dB passband max ripple</a:t>
+              </a:r>
+            </a:p>
+            <a:p>
+              <a:pPr marL="285750" indent="-285750">
+                <a:buFont typeface="Arial" panose="020B0604020202020204" pitchFamily="34" charset="0"/>
+                <a:buChar char="•"/>
+              </a:pPr>
+              <a:endParaRPr lang="en-US" sz="1400" dirty="0"/>
+            </a:p>
+            <a:p>
+              <a:r>
+                <a:rPr lang="en-US" dirty="0"/>
+                <a:t>PID Controller</a:t>
+              </a:r>
+            </a:p>
+            <a:p>
+              <a:pPr marL="285750" indent="-285750">
+                <a:buFont typeface="Arial" panose="020B0604020202020204" pitchFamily="34" charset="0"/>
+                <a:buChar char="•"/>
+              </a:pPr>
+              <a:r>
+                <a:rPr lang="en-US" sz="1400" dirty="0"/>
+                <a:t>FFW = 35 (%FS)</a:t>
+              </a:r>
+            </a:p>
+            <a:p>
+              <a:pPr marL="285750" indent="-285750">
+                <a:buFont typeface="Arial" panose="020B0604020202020204" pitchFamily="34" charset="0"/>
+                <a:buChar char="•"/>
+              </a:pPr>
+              <a:r>
+                <a:rPr lang="en-US" sz="1400" dirty="0"/>
+                <a:t>P = 1 (%FS/cmH2O)</a:t>
+              </a:r>
+            </a:p>
+            <a:p>
+              <a:pPr marL="285750" indent="-285750">
+                <a:buFont typeface="Arial" panose="020B0604020202020204" pitchFamily="34" charset="0"/>
+                <a:buChar char="•"/>
+              </a:pPr>
+              <a:r>
+                <a:rPr lang="en-US" sz="1400" dirty="0"/>
+                <a:t>I = 30 (%FS/(cmH2O*s))</a:t>
+              </a:r>
+            </a:p>
+          </p:txBody>
+        </p:sp>
+      </p:grpSp>
     </p:spTree>
     <p:extLst>
       <p:ext uri="{BB962C8B-B14F-4D97-AF65-F5344CB8AC3E}">
